--- a/ПЗ и Презентации/Презентация на ВКР.pptx
+++ b/ПЗ и Презентации/Презентация на ВКР.pptx
@@ -7,12 +7,23 @@
   <p:sldIdLst>
     <p:sldId id="256" r:id="rId2"/>
     <p:sldId id="259" r:id="rId3"/>
-    <p:sldId id="257" r:id="rId4"/>
-    <p:sldId id="272" r:id="rId5"/>
-    <p:sldId id="273" r:id="rId6"/>
-    <p:sldId id="274" r:id="rId7"/>
-    <p:sldId id="270" r:id="rId8"/>
-    <p:sldId id="271" r:id="rId9"/>
+    <p:sldId id="275" r:id="rId4"/>
+    <p:sldId id="279" r:id="rId5"/>
+    <p:sldId id="289" r:id="rId6"/>
+    <p:sldId id="288" r:id="rId7"/>
+    <p:sldId id="276" r:id="rId8"/>
+    <p:sldId id="278" r:id="rId9"/>
+    <p:sldId id="277" r:id="rId10"/>
+    <p:sldId id="280" r:id="rId11"/>
+    <p:sldId id="281" r:id="rId12"/>
+    <p:sldId id="283" r:id="rId13"/>
+    <p:sldId id="282" r:id="rId14"/>
+    <p:sldId id="284" r:id="rId15"/>
+    <p:sldId id="285" r:id="rId16"/>
+    <p:sldId id="286" r:id="rId17"/>
+    <p:sldId id="287" r:id="rId18"/>
+    <p:sldId id="270" r:id="rId19"/>
+    <p:sldId id="271" r:id="rId20"/>
   </p:sldIdLst>
   <p:sldSz cx="12192000" cy="6858000"/>
   <p:notesSz cx="6858000" cy="9144000"/>
@@ -113,7 +124,7 @@
   </p:defaultTextStyle>
   <p:extLst>
     <p:ext uri="{EFAFB233-063F-42B5-8137-9DF3F51BA10A}">
-      <p15:sldGuideLst xmlns:p15="http://schemas.microsoft.com/office/powerpoint/2012/main">
+      <p15:sldGuideLst xmlns:p15="http://schemas.microsoft.com/office/powerpoint/2012/main" xmlns="">
         <p15:guide id="1" orient="horz" pos="2160">
           <p15:clr>
             <a:srgbClr val="A4A3A4"/>
@@ -262,7 +273,7 @@
             <a:fld id="{A2C0772A-8435-40D0-8D87-2C2DB7B0E7B0}" type="datetimeFigureOut">
               <a:rPr lang="ru-RU" smtClean="0"/>
               <a:pPr/>
-              <a:t>12.05.2021</a:t>
+              <a:t>21.05.2021</a:t>
             </a:fld>
             <a:endParaRPr lang="ru-RU"/>
           </a:p>
@@ -434,7 +445,7 @@
             <a:fld id="{A2C0772A-8435-40D0-8D87-2C2DB7B0E7B0}" type="datetimeFigureOut">
               <a:rPr lang="ru-RU" smtClean="0"/>
               <a:pPr/>
-              <a:t>12.05.2021</a:t>
+              <a:t>21.05.2021</a:t>
             </a:fld>
             <a:endParaRPr lang="ru-RU"/>
           </a:p>
@@ -616,7 +627,7 @@
             <a:fld id="{A2C0772A-8435-40D0-8D87-2C2DB7B0E7B0}" type="datetimeFigureOut">
               <a:rPr lang="ru-RU" smtClean="0"/>
               <a:pPr/>
-              <a:t>12.05.2021</a:t>
+              <a:t>21.05.2021</a:t>
             </a:fld>
             <a:endParaRPr lang="ru-RU"/>
           </a:p>
@@ -788,7 +799,7 @@
             <a:fld id="{A2C0772A-8435-40D0-8D87-2C2DB7B0E7B0}" type="datetimeFigureOut">
               <a:rPr lang="ru-RU" smtClean="0"/>
               <a:pPr/>
-              <a:t>12.05.2021</a:t>
+              <a:t>21.05.2021</a:t>
             </a:fld>
             <a:endParaRPr lang="ru-RU"/>
           </a:p>
@@ -1036,7 +1047,7 @@
             <a:fld id="{A2C0772A-8435-40D0-8D87-2C2DB7B0E7B0}" type="datetimeFigureOut">
               <a:rPr lang="ru-RU" smtClean="0"/>
               <a:pPr/>
-              <a:t>12.05.2021</a:t>
+              <a:t>21.05.2021</a:t>
             </a:fld>
             <a:endParaRPr lang="ru-RU"/>
           </a:p>
@@ -1270,7 +1281,7 @@
             <a:fld id="{A2C0772A-8435-40D0-8D87-2C2DB7B0E7B0}" type="datetimeFigureOut">
               <a:rPr lang="ru-RU" smtClean="0"/>
               <a:pPr/>
-              <a:t>12.05.2021</a:t>
+              <a:t>21.05.2021</a:t>
             </a:fld>
             <a:endParaRPr lang="ru-RU"/>
           </a:p>
@@ -1639,7 +1650,7 @@
             <a:fld id="{A2C0772A-8435-40D0-8D87-2C2DB7B0E7B0}" type="datetimeFigureOut">
               <a:rPr lang="ru-RU" smtClean="0"/>
               <a:pPr/>
-              <a:t>12.05.2021</a:t>
+              <a:t>21.05.2021</a:t>
             </a:fld>
             <a:endParaRPr lang="ru-RU"/>
           </a:p>
@@ -1759,7 +1770,7 @@
             <a:fld id="{A2C0772A-8435-40D0-8D87-2C2DB7B0E7B0}" type="datetimeFigureOut">
               <a:rPr lang="ru-RU" smtClean="0"/>
               <a:pPr/>
-              <a:t>12.05.2021</a:t>
+              <a:t>21.05.2021</a:t>
             </a:fld>
             <a:endParaRPr lang="ru-RU"/>
           </a:p>
@@ -1856,7 +1867,7 @@
             <a:fld id="{A2C0772A-8435-40D0-8D87-2C2DB7B0E7B0}" type="datetimeFigureOut">
               <a:rPr lang="ru-RU" smtClean="0"/>
               <a:pPr/>
-              <a:t>12.05.2021</a:t>
+              <a:t>21.05.2021</a:t>
             </a:fld>
             <a:endParaRPr lang="ru-RU"/>
           </a:p>
@@ -2135,7 +2146,7 @@
             <a:fld id="{A2C0772A-8435-40D0-8D87-2C2DB7B0E7B0}" type="datetimeFigureOut">
               <a:rPr lang="ru-RU" smtClean="0"/>
               <a:pPr/>
-              <a:t>12.05.2021</a:t>
+              <a:t>21.05.2021</a:t>
             </a:fld>
             <a:endParaRPr lang="ru-RU"/>
           </a:p>
@@ -2394,7 +2405,7 @@
             <a:fld id="{A2C0772A-8435-40D0-8D87-2C2DB7B0E7B0}" type="datetimeFigureOut">
               <a:rPr lang="ru-RU" smtClean="0"/>
               <a:pPr/>
-              <a:t>12.05.2021</a:t>
+              <a:t>21.05.2021</a:t>
             </a:fld>
             <a:endParaRPr lang="ru-RU"/>
           </a:p>
@@ -2609,7 +2620,7 @@
             <a:fld id="{A2C0772A-8435-40D0-8D87-2C2DB7B0E7B0}" type="datetimeFigureOut">
               <a:rPr lang="ru-RU" smtClean="0"/>
               <a:pPr/>
-              <a:t>12.05.2021</a:t>
+              <a:t>21.05.2021</a:t>
             </a:fld>
             <a:endParaRPr lang="ru-RU"/>
           </a:p>
@@ -3341,6 +3352,3607 @@
   <p:clrMapOvr>
     <a:masterClrMapping/>
   </p:clrMapOvr>
+  <p:timing>
+    <p:tnLst>
+      <p:par>
+        <p:cTn id="1" dur="indefinite" restart="never" nodeType="tmRoot"/>
+      </p:par>
+    </p:tnLst>
+  </p:timing>
+</p:sld>
+</file>
+
+<file path=ppt/slides/slide10.xml><?xml version="1.0" encoding="utf-8"?>
+<p:sld xmlns:a="http://schemas.openxmlformats.org/drawingml/2006/main" xmlns:r="http://schemas.openxmlformats.org/officeDocument/2006/relationships" xmlns:p="http://schemas.openxmlformats.org/presentationml/2006/main">
+  <p:cSld>
+    <p:spTree>
+      <p:nvGrpSpPr>
+        <p:cNvPr id="1" name=""/>
+        <p:cNvGrpSpPr/>
+        <p:nvPr/>
+      </p:nvGrpSpPr>
+      <p:grpSpPr>
+        <a:xfrm>
+          <a:off x="0" y="0"/>
+          <a:ext cx="0" cy="0"/>
+          <a:chOff x="0" y="0"/>
+          <a:chExt cx="0" cy="0"/>
+        </a:xfrm>
+      </p:grpSpPr>
+      <p:sp>
+        <p:nvSpPr>
+          <p:cNvPr id="5" name="TextBox 4"/>
+          <p:cNvSpPr txBox="1"/>
+          <p:nvPr/>
+        </p:nvSpPr>
+        <p:spPr>
+          <a:xfrm>
+            <a:off x="0" y="646331"/>
+            <a:ext cx="12192000" cy="507831"/>
+          </a:xfrm>
+          <a:prstGeom prst="rect">
+            <a:avLst/>
+          </a:prstGeom>
+          <a:noFill/>
+        </p:spPr>
+        <p:txBody>
+          <a:bodyPr wrap="square" rtlCol="0">
+            <a:spAutoFit/>
+          </a:bodyPr>
+          <a:lstStyle/>
+          <a:p>
+            <a:pPr algn="just"/>
+            <a:r>
+              <a:rPr lang="ru-RU" sz="2700" dirty="0" smtClean="0">
+                <a:latin typeface="Times New Roman" panose="02020603050405020304" pitchFamily="18" charset="0"/>
+                <a:cs typeface="Times New Roman" panose="02020603050405020304" pitchFamily="18" charset="0"/>
+              </a:rPr>
+              <a:t>(описание алгоритма генерации)</a:t>
+            </a:r>
+            <a:endParaRPr lang="ru-RU" sz="2700" dirty="0">
+              <a:latin typeface="Times New Roman" panose="02020603050405020304" pitchFamily="18" charset="0"/>
+              <a:cs typeface="Times New Roman" panose="02020603050405020304" pitchFamily="18" charset="0"/>
+            </a:endParaRPr>
+          </a:p>
+        </p:txBody>
+      </p:sp>
+      <p:sp>
+        <p:nvSpPr>
+          <p:cNvPr id="2" name="Прямоугольник 1"/>
+          <p:cNvSpPr/>
+          <p:nvPr/>
+        </p:nvSpPr>
+        <p:spPr>
+          <a:xfrm>
+            <a:off x="0" y="0"/>
+            <a:ext cx="12192000" cy="646331"/>
+          </a:xfrm>
+          <a:prstGeom prst="rect">
+            <a:avLst/>
+          </a:prstGeom>
+        </p:spPr>
+        <p:txBody>
+          <a:bodyPr wrap="square">
+            <a:spAutoFit/>
+          </a:bodyPr>
+          <a:lstStyle/>
+          <a:p>
+            <a:pPr algn="ctr"/>
+            <a:r>
+              <a:rPr lang="ru-RU" sz="3600" b="1" dirty="0" smtClean="0">
+                <a:latin typeface="Times New Roman" panose="02020603050405020304" pitchFamily="18" charset="0"/>
+                <a:cs typeface="Times New Roman" panose="02020603050405020304" pitchFamily="18" charset="0"/>
+              </a:rPr>
+              <a:t>Генерация датасета</a:t>
+            </a:r>
+            <a:endParaRPr lang="ru-RU" sz="3600" b="1" dirty="0">
+              <a:latin typeface="Times New Roman" panose="02020603050405020304" pitchFamily="18" charset="0"/>
+              <a:cs typeface="Times New Roman" panose="02020603050405020304" pitchFamily="18" charset="0"/>
+            </a:endParaRPr>
+          </a:p>
+        </p:txBody>
+      </p:sp>
+      <p:sp>
+        <p:nvSpPr>
+          <p:cNvPr id="4" name="TextBox 3"/>
+          <p:cNvSpPr txBox="1"/>
+          <p:nvPr/>
+        </p:nvSpPr>
+        <p:spPr>
+          <a:xfrm>
+            <a:off x="0" y="6488668"/>
+            <a:ext cx="832757" cy="369332"/>
+          </a:xfrm>
+          <a:prstGeom prst="rect">
+            <a:avLst/>
+          </a:prstGeom>
+          <a:noFill/>
+        </p:spPr>
+        <p:txBody>
+          <a:bodyPr wrap="square" rtlCol="0">
+            <a:spAutoFit/>
+          </a:bodyPr>
+          <a:lstStyle/>
+          <a:p>
+            <a:r>
+              <a:rPr lang="ru-RU" dirty="0" smtClean="0">
+                <a:latin typeface="Times New Roman" panose="02020603050405020304" pitchFamily="18" charset="0"/>
+                <a:cs typeface="Times New Roman" panose="02020603050405020304" pitchFamily="18" charset="0"/>
+              </a:rPr>
+              <a:t>10</a:t>
+            </a:r>
+            <a:r>
+              <a:rPr lang="en-US" dirty="0" smtClean="0">
+                <a:latin typeface="Times New Roman" panose="02020603050405020304" pitchFamily="18" charset="0"/>
+                <a:cs typeface="Times New Roman" panose="02020603050405020304" pitchFamily="18" charset="0"/>
+              </a:rPr>
+              <a:t>/</a:t>
+            </a:r>
+            <a:r>
+              <a:rPr lang="ru-RU" dirty="0" smtClean="0">
+                <a:latin typeface="Times New Roman" panose="02020603050405020304" pitchFamily="18" charset="0"/>
+                <a:cs typeface="Times New Roman" panose="02020603050405020304" pitchFamily="18" charset="0"/>
+              </a:rPr>
+              <a:t>19</a:t>
+            </a:r>
+            <a:endParaRPr lang="ru-RU" dirty="0">
+              <a:latin typeface="Times New Roman" panose="02020603050405020304" pitchFamily="18" charset="0"/>
+              <a:cs typeface="Times New Roman" panose="02020603050405020304" pitchFamily="18" charset="0"/>
+            </a:endParaRPr>
+          </a:p>
+        </p:txBody>
+      </p:sp>
+    </p:spTree>
+    <p:extLst>
+      <p:ext uri="{BB962C8B-B14F-4D97-AF65-F5344CB8AC3E}">
+        <p14:creationId xmlns:p14="http://schemas.microsoft.com/office/powerpoint/2010/main" val="2416030654"/>
+      </p:ext>
+    </p:extLst>
+  </p:cSld>
+  <p:clrMapOvr>
+    <a:masterClrMapping/>
+  </p:clrMapOvr>
+  <p:timing>
+    <p:tnLst>
+      <p:par>
+        <p:cTn id="1" dur="indefinite" restart="never" nodeType="tmRoot"/>
+      </p:par>
+    </p:tnLst>
+  </p:timing>
+</p:sld>
+</file>
+
+<file path=ppt/slides/slide11.xml><?xml version="1.0" encoding="utf-8"?>
+<p:sld xmlns:a="http://schemas.openxmlformats.org/drawingml/2006/main" xmlns:r="http://schemas.openxmlformats.org/officeDocument/2006/relationships" xmlns:p="http://schemas.openxmlformats.org/presentationml/2006/main">
+  <p:cSld>
+    <p:spTree>
+      <p:nvGrpSpPr>
+        <p:cNvPr id="1" name=""/>
+        <p:cNvGrpSpPr/>
+        <p:nvPr/>
+      </p:nvGrpSpPr>
+      <p:grpSpPr>
+        <a:xfrm>
+          <a:off x="0" y="0"/>
+          <a:ext cx="0" cy="0"/>
+          <a:chOff x="0" y="0"/>
+          <a:chExt cx="0" cy="0"/>
+        </a:xfrm>
+      </p:grpSpPr>
+      <p:sp>
+        <p:nvSpPr>
+          <p:cNvPr id="5" name="TextBox 4"/>
+          <p:cNvSpPr txBox="1"/>
+          <p:nvPr/>
+        </p:nvSpPr>
+        <p:spPr>
+          <a:xfrm>
+            <a:off x="1172798" y="5904754"/>
+            <a:ext cx="3722914" cy="507831"/>
+          </a:xfrm>
+          <a:prstGeom prst="rect">
+            <a:avLst/>
+          </a:prstGeom>
+          <a:noFill/>
+        </p:spPr>
+        <p:txBody>
+          <a:bodyPr wrap="square" rtlCol="0">
+            <a:spAutoFit/>
+          </a:bodyPr>
+          <a:lstStyle/>
+          <a:p>
+            <a:pPr algn="just"/>
+            <a:r>
+              <a:rPr lang="ru-RU" sz="2700" dirty="0" smtClean="0">
+                <a:latin typeface="Times New Roman" panose="02020603050405020304" pitchFamily="18" charset="0"/>
+                <a:cs typeface="Times New Roman" panose="02020603050405020304" pitchFamily="18" charset="0"/>
+              </a:rPr>
+              <a:t>Исходные изображения</a:t>
+            </a:r>
+            <a:endParaRPr lang="ru-RU" sz="2700" dirty="0">
+              <a:latin typeface="Times New Roman" panose="02020603050405020304" pitchFamily="18" charset="0"/>
+              <a:cs typeface="Times New Roman" panose="02020603050405020304" pitchFamily="18" charset="0"/>
+            </a:endParaRPr>
+          </a:p>
+        </p:txBody>
+      </p:sp>
+      <p:sp>
+        <p:nvSpPr>
+          <p:cNvPr id="2" name="Прямоугольник 1"/>
+          <p:cNvSpPr/>
+          <p:nvPr/>
+        </p:nvSpPr>
+        <p:spPr>
+          <a:xfrm>
+            <a:off x="0" y="0"/>
+            <a:ext cx="12192000" cy="646331"/>
+          </a:xfrm>
+          <a:prstGeom prst="rect">
+            <a:avLst/>
+          </a:prstGeom>
+        </p:spPr>
+        <p:txBody>
+          <a:bodyPr wrap="square">
+            <a:spAutoFit/>
+          </a:bodyPr>
+          <a:lstStyle/>
+          <a:p>
+            <a:pPr algn="ctr"/>
+            <a:r>
+              <a:rPr lang="ru-RU" sz="3600" b="1" dirty="0" smtClean="0">
+                <a:latin typeface="Times New Roman" panose="02020603050405020304" pitchFamily="18" charset="0"/>
+                <a:cs typeface="Times New Roman" panose="02020603050405020304" pitchFamily="18" charset="0"/>
+              </a:rPr>
+              <a:t>Генерация датасета</a:t>
+            </a:r>
+            <a:endParaRPr lang="ru-RU" sz="3600" b="1" dirty="0">
+              <a:latin typeface="Times New Roman" panose="02020603050405020304" pitchFamily="18" charset="0"/>
+              <a:cs typeface="Times New Roman" panose="02020603050405020304" pitchFamily="18" charset="0"/>
+            </a:endParaRPr>
+          </a:p>
+        </p:txBody>
+      </p:sp>
+      <p:sp>
+        <p:nvSpPr>
+          <p:cNvPr id="4" name="TextBox 3"/>
+          <p:cNvSpPr txBox="1"/>
+          <p:nvPr/>
+        </p:nvSpPr>
+        <p:spPr>
+          <a:xfrm>
+            <a:off x="0" y="6488668"/>
+            <a:ext cx="898071" cy="369332"/>
+          </a:xfrm>
+          <a:prstGeom prst="rect">
+            <a:avLst/>
+          </a:prstGeom>
+          <a:noFill/>
+        </p:spPr>
+        <p:txBody>
+          <a:bodyPr wrap="square" rtlCol="0">
+            <a:spAutoFit/>
+          </a:bodyPr>
+          <a:lstStyle/>
+          <a:p>
+            <a:r>
+              <a:rPr lang="ru-RU" dirty="0" smtClean="0">
+                <a:latin typeface="Times New Roman" panose="02020603050405020304" pitchFamily="18" charset="0"/>
+                <a:cs typeface="Times New Roman" panose="02020603050405020304" pitchFamily="18" charset="0"/>
+              </a:rPr>
+              <a:t>11</a:t>
+            </a:r>
+            <a:r>
+              <a:rPr lang="en-US" dirty="0" smtClean="0">
+                <a:latin typeface="Times New Roman" panose="02020603050405020304" pitchFamily="18" charset="0"/>
+                <a:cs typeface="Times New Roman" panose="02020603050405020304" pitchFamily="18" charset="0"/>
+              </a:rPr>
+              <a:t>/</a:t>
+            </a:r>
+            <a:r>
+              <a:rPr lang="ru-RU" dirty="0" smtClean="0">
+                <a:latin typeface="Times New Roman" panose="02020603050405020304" pitchFamily="18" charset="0"/>
+                <a:cs typeface="Times New Roman" panose="02020603050405020304" pitchFamily="18" charset="0"/>
+              </a:rPr>
+              <a:t>19</a:t>
+            </a:r>
+            <a:endParaRPr lang="ru-RU" dirty="0">
+              <a:latin typeface="Times New Roman" panose="02020603050405020304" pitchFamily="18" charset="0"/>
+              <a:cs typeface="Times New Roman" panose="02020603050405020304" pitchFamily="18" charset="0"/>
+            </a:endParaRPr>
+          </a:p>
+        </p:txBody>
+      </p:sp>
+      <p:pic>
+        <p:nvPicPr>
+          <p:cNvPr id="10" name="Рисунок 9"/>
+          <p:cNvPicPr>
+            <a:picLocks noChangeAspect="1"/>
+          </p:cNvPicPr>
+          <p:nvPr/>
+        </p:nvPicPr>
+        <p:blipFill>
+          <a:blip r:embed="rId2" cstate="print">
+            <a:extLst>
+              <a:ext uri="{28A0092B-C50C-407E-A947-70E740481C1C}">
+                <a14:useLocalDpi xmlns:a14="http://schemas.microsoft.com/office/drawing/2010/main" val="0"/>
+              </a:ext>
+            </a:extLst>
+          </a:blip>
+          <a:stretch>
+            <a:fillRect/>
+          </a:stretch>
+        </p:blipFill>
+        <p:spPr>
+          <a:xfrm>
+            <a:off x="0" y="2789424"/>
+            <a:ext cx="6068513" cy="970962"/>
+          </a:xfrm>
+          <a:prstGeom prst="rect">
+            <a:avLst/>
+          </a:prstGeom>
+        </p:spPr>
+      </p:pic>
+      <p:pic>
+        <p:nvPicPr>
+          <p:cNvPr id="11" name="Рисунок 10"/>
+          <p:cNvPicPr>
+            <a:picLocks noChangeAspect="1"/>
+          </p:cNvPicPr>
+          <p:nvPr/>
+        </p:nvPicPr>
+        <p:blipFill>
+          <a:blip r:embed="rId3" cstate="print">
+            <a:extLst>
+              <a:ext uri="{28A0092B-C50C-407E-A947-70E740481C1C}">
+                <a14:useLocalDpi xmlns:a14="http://schemas.microsoft.com/office/drawing/2010/main" val="0"/>
+              </a:ext>
+            </a:extLst>
+          </a:blip>
+          <a:stretch>
+            <a:fillRect/>
+          </a:stretch>
+        </p:blipFill>
+        <p:spPr>
+          <a:xfrm>
+            <a:off x="0" y="3878027"/>
+            <a:ext cx="6068511" cy="970962"/>
+          </a:xfrm>
+          <a:prstGeom prst="rect">
+            <a:avLst/>
+          </a:prstGeom>
+        </p:spPr>
+      </p:pic>
+      <p:pic>
+        <p:nvPicPr>
+          <p:cNvPr id="12" name="Рисунок 11"/>
+          <p:cNvPicPr>
+            <a:picLocks noChangeAspect="1"/>
+          </p:cNvPicPr>
+          <p:nvPr/>
+        </p:nvPicPr>
+        <p:blipFill>
+          <a:blip r:embed="rId4" cstate="print">
+            <a:extLst>
+              <a:ext uri="{28A0092B-C50C-407E-A947-70E740481C1C}">
+                <a14:useLocalDpi xmlns:a14="http://schemas.microsoft.com/office/drawing/2010/main" val="0"/>
+              </a:ext>
+            </a:extLst>
+          </a:blip>
+          <a:stretch>
+            <a:fillRect/>
+          </a:stretch>
+        </p:blipFill>
+        <p:spPr>
+          <a:xfrm>
+            <a:off x="0" y="4929393"/>
+            <a:ext cx="6096006" cy="975361"/>
+          </a:xfrm>
+          <a:prstGeom prst="rect">
+            <a:avLst/>
+          </a:prstGeom>
+        </p:spPr>
+      </p:pic>
+      <p:pic>
+        <p:nvPicPr>
+          <p:cNvPr id="13" name="Рисунок 12"/>
+          <p:cNvPicPr>
+            <a:picLocks noChangeAspect="1"/>
+          </p:cNvPicPr>
+          <p:nvPr/>
+        </p:nvPicPr>
+        <p:blipFill>
+          <a:blip r:embed="rId5" cstate="print">
+            <a:extLst>
+              <a:ext uri="{28A0092B-C50C-407E-A947-70E740481C1C}">
+                <a14:useLocalDpi xmlns:a14="http://schemas.microsoft.com/office/drawing/2010/main" val="0"/>
+              </a:ext>
+            </a:extLst>
+          </a:blip>
+          <a:stretch>
+            <a:fillRect/>
+          </a:stretch>
+        </p:blipFill>
+        <p:spPr>
+          <a:xfrm>
+            <a:off x="0" y="1723657"/>
+            <a:ext cx="6068511" cy="970962"/>
+          </a:xfrm>
+          <a:prstGeom prst="rect">
+            <a:avLst/>
+          </a:prstGeom>
+        </p:spPr>
+      </p:pic>
+      <p:pic>
+        <p:nvPicPr>
+          <p:cNvPr id="14" name="Рисунок 13"/>
+          <p:cNvPicPr>
+            <a:picLocks noChangeAspect="1"/>
+          </p:cNvPicPr>
+          <p:nvPr/>
+        </p:nvPicPr>
+        <p:blipFill>
+          <a:blip r:embed="rId6" cstate="print">
+            <a:extLst>
+              <a:ext uri="{28A0092B-C50C-407E-A947-70E740481C1C}">
+                <a14:useLocalDpi xmlns:a14="http://schemas.microsoft.com/office/drawing/2010/main" val="0"/>
+              </a:ext>
+            </a:extLst>
+          </a:blip>
+          <a:stretch>
+            <a:fillRect/>
+          </a:stretch>
+        </p:blipFill>
+        <p:spPr>
+          <a:xfrm>
+            <a:off x="0" y="646331"/>
+            <a:ext cx="6071106" cy="982521"/>
+          </a:xfrm>
+          <a:prstGeom prst="rect">
+            <a:avLst/>
+          </a:prstGeom>
+        </p:spPr>
+      </p:pic>
+      <p:pic>
+        <p:nvPicPr>
+          <p:cNvPr id="15" name="Рисунок 14"/>
+          <p:cNvPicPr>
+            <a:picLocks noChangeAspect="1"/>
+          </p:cNvPicPr>
+          <p:nvPr/>
+        </p:nvPicPr>
+        <p:blipFill>
+          <a:blip r:embed="rId7" cstate="print">
+            <a:extLst>
+              <a:ext uri="{28A0092B-C50C-407E-A947-70E740481C1C}">
+                <a14:useLocalDpi xmlns:a14="http://schemas.microsoft.com/office/drawing/2010/main" val="0"/>
+              </a:ext>
+            </a:extLst>
+          </a:blip>
+          <a:stretch>
+            <a:fillRect/>
+          </a:stretch>
+        </p:blipFill>
+        <p:spPr>
+          <a:xfrm>
+            <a:off x="6108453" y="2794385"/>
+            <a:ext cx="6096002" cy="975360"/>
+          </a:xfrm>
+          <a:prstGeom prst="rect">
+            <a:avLst/>
+          </a:prstGeom>
+        </p:spPr>
+      </p:pic>
+      <p:pic>
+        <p:nvPicPr>
+          <p:cNvPr id="16" name="Рисунок 15"/>
+          <p:cNvPicPr>
+            <a:picLocks noChangeAspect="1"/>
+          </p:cNvPicPr>
+          <p:nvPr/>
+        </p:nvPicPr>
+        <p:blipFill>
+          <a:blip r:embed="rId8" cstate="print">
+            <a:extLst>
+              <a:ext uri="{28A0092B-C50C-407E-A947-70E740481C1C}">
+                <a14:useLocalDpi xmlns:a14="http://schemas.microsoft.com/office/drawing/2010/main" val="0"/>
+              </a:ext>
+            </a:extLst>
+          </a:blip>
+          <a:stretch>
+            <a:fillRect/>
+          </a:stretch>
+        </p:blipFill>
+        <p:spPr>
+          <a:xfrm>
+            <a:off x="6108450" y="3872348"/>
+            <a:ext cx="6096005" cy="975361"/>
+          </a:xfrm>
+          <a:prstGeom prst="rect">
+            <a:avLst/>
+          </a:prstGeom>
+        </p:spPr>
+      </p:pic>
+      <p:pic>
+        <p:nvPicPr>
+          <p:cNvPr id="17" name="Рисунок 16"/>
+          <p:cNvPicPr>
+            <a:picLocks noChangeAspect="1"/>
+          </p:cNvPicPr>
+          <p:nvPr/>
+        </p:nvPicPr>
+        <p:blipFill>
+          <a:blip r:embed="rId9" cstate="print">
+            <a:extLst>
+              <a:ext uri="{28A0092B-C50C-407E-A947-70E740481C1C}">
+                <a14:useLocalDpi xmlns:a14="http://schemas.microsoft.com/office/drawing/2010/main" val="0"/>
+              </a:ext>
+            </a:extLst>
+          </a:blip>
+          <a:stretch>
+            <a:fillRect/>
+          </a:stretch>
+        </p:blipFill>
+        <p:spPr>
+          <a:xfrm>
+            <a:off x="6108450" y="4936554"/>
+            <a:ext cx="6096006" cy="975361"/>
+          </a:xfrm>
+          <a:prstGeom prst="rect">
+            <a:avLst/>
+          </a:prstGeom>
+        </p:spPr>
+      </p:pic>
+      <p:pic>
+        <p:nvPicPr>
+          <p:cNvPr id="18" name="Рисунок 17"/>
+          <p:cNvPicPr>
+            <a:picLocks noChangeAspect="1"/>
+          </p:cNvPicPr>
+          <p:nvPr/>
+        </p:nvPicPr>
+        <p:blipFill>
+          <a:blip r:embed="rId10" cstate="print">
+            <a:extLst>
+              <a:ext uri="{28A0092B-C50C-407E-A947-70E740481C1C}">
+                <a14:useLocalDpi xmlns:a14="http://schemas.microsoft.com/office/drawing/2010/main" val="0"/>
+              </a:ext>
+            </a:extLst>
+          </a:blip>
+          <a:stretch>
+            <a:fillRect/>
+          </a:stretch>
+        </p:blipFill>
+        <p:spPr>
+          <a:xfrm>
+            <a:off x="6108452" y="1716095"/>
+            <a:ext cx="6096003" cy="975361"/>
+          </a:xfrm>
+          <a:prstGeom prst="rect">
+            <a:avLst/>
+          </a:prstGeom>
+        </p:spPr>
+      </p:pic>
+      <p:pic>
+        <p:nvPicPr>
+          <p:cNvPr id="19" name="Рисунок 18"/>
+          <p:cNvPicPr>
+            <a:picLocks noChangeAspect="1"/>
+          </p:cNvPicPr>
+          <p:nvPr/>
+        </p:nvPicPr>
+        <p:blipFill>
+          <a:blip r:embed="rId11" cstate="print">
+            <a:extLst>
+              <a:ext uri="{28A0092B-C50C-407E-A947-70E740481C1C}">
+                <a14:useLocalDpi xmlns:a14="http://schemas.microsoft.com/office/drawing/2010/main" val="0"/>
+              </a:ext>
+            </a:extLst>
+          </a:blip>
+          <a:stretch>
+            <a:fillRect/>
+          </a:stretch>
+        </p:blipFill>
+        <p:spPr>
+          <a:xfrm>
+            <a:off x="6108454" y="653491"/>
+            <a:ext cx="6096002" cy="975361"/>
+          </a:xfrm>
+          <a:prstGeom prst="rect">
+            <a:avLst/>
+          </a:prstGeom>
+        </p:spPr>
+      </p:pic>
+      <p:sp>
+        <p:nvSpPr>
+          <p:cNvPr id="20" name="TextBox 19"/>
+          <p:cNvSpPr txBox="1"/>
+          <p:nvPr/>
+        </p:nvSpPr>
+        <p:spPr>
+          <a:xfrm>
+            <a:off x="6888072" y="5923700"/>
+            <a:ext cx="4536760" cy="507831"/>
+          </a:xfrm>
+          <a:prstGeom prst="rect">
+            <a:avLst/>
+          </a:prstGeom>
+          <a:noFill/>
+        </p:spPr>
+        <p:txBody>
+          <a:bodyPr wrap="square" rtlCol="0">
+            <a:spAutoFit/>
+          </a:bodyPr>
+          <a:lstStyle/>
+          <a:p>
+            <a:pPr algn="just"/>
+            <a:r>
+              <a:rPr lang="ru-RU" sz="2700" dirty="0" smtClean="0">
+                <a:latin typeface="Times New Roman" panose="02020603050405020304" pitchFamily="18" charset="0"/>
+                <a:cs typeface="Times New Roman" panose="02020603050405020304" pitchFamily="18" charset="0"/>
+              </a:rPr>
+              <a:t>Изображения с маркировкой</a:t>
+            </a:r>
+            <a:endParaRPr lang="ru-RU" sz="2700" dirty="0">
+              <a:latin typeface="Times New Roman" panose="02020603050405020304" pitchFamily="18" charset="0"/>
+              <a:cs typeface="Times New Roman" panose="02020603050405020304" pitchFamily="18" charset="0"/>
+            </a:endParaRPr>
+          </a:p>
+        </p:txBody>
+      </p:sp>
+    </p:spTree>
+    <p:extLst>
+      <p:ext uri="{BB962C8B-B14F-4D97-AF65-F5344CB8AC3E}">
+        <p14:creationId xmlns:p14="http://schemas.microsoft.com/office/powerpoint/2010/main" val="1656884029"/>
+      </p:ext>
+    </p:extLst>
+  </p:cSld>
+  <p:clrMapOvr>
+    <a:masterClrMapping/>
+  </p:clrMapOvr>
+  <p:timing>
+    <p:tnLst>
+      <p:par>
+        <p:cTn id="1" dur="indefinite" restart="never" nodeType="tmRoot"/>
+      </p:par>
+    </p:tnLst>
+  </p:timing>
+</p:sld>
+</file>
+
+<file path=ppt/slides/slide12.xml><?xml version="1.0" encoding="utf-8"?>
+<p:sld xmlns:a="http://schemas.openxmlformats.org/drawingml/2006/main" xmlns:r="http://schemas.openxmlformats.org/officeDocument/2006/relationships" xmlns:p="http://schemas.openxmlformats.org/presentationml/2006/main">
+  <p:cSld>
+    <p:spTree>
+      <p:nvGrpSpPr>
+        <p:cNvPr id="1" name=""/>
+        <p:cNvGrpSpPr/>
+        <p:nvPr/>
+      </p:nvGrpSpPr>
+      <p:grpSpPr>
+        <a:xfrm>
+          <a:off x="0" y="0"/>
+          <a:ext cx="0" cy="0"/>
+          <a:chOff x="0" y="0"/>
+          <a:chExt cx="0" cy="0"/>
+        </a:xfrm>
+      </p:grpSpPr>
+      <p:sp>
+        <p:nvSpPr>
+          <p:cNvPr id="5" name="TextBox 4"/>
+          <p:cNvSpPr txBox="1"/>
+          <p:nvPr/>
+        </p:nvSpPr>
+        <p:spPr>
+          <a:xfrm>
+            <a:off x="0" y="646331"/>
+            <a:ext cx="12192000" cy="507831"/>
+          </a:xfrm>
+          <a:prstGeom prst="rect">
+            <a:avLst/>
+          </a:prstGeom>
+          <a:noFill/>
+        </p:spPr>
+        <p:txBody>
+          <a:bodyPr wrap="square" rtlCol="0">
+            <a:spAutoFit/>
+          </a:bodyPr>
+          <a:lstStyle/>
+          <a:p>
+            <a:pPr algn="just"/>
+            <a:r>
+              <a:rPr lang="ru-RU" sz="2700" dirty="0" smtClean="0">
+                <a:latin typeface="Times New Roman" panose="02020603050405020304" pitchFamily="18" charset="0"/>
+                <a:cs typeface="Times New Roman" panose="02020603050405020304" pitchFamily="18" charset="0"/>
+              </a:rPr>
+              <a:t>(описание алгоритма предобработки изображений)</a:t>
+            </a:r>
+            <a:endParaRPr lang="ru-RU" sz="2700" dirty="0">
+              <a:latin typeface="Times New Roman" panose="02020603050405020304" pitchFamily="18" charset="0"/>
+              <a:cs typeface="Times New Roman" panose="02020603050405020304" pitchFamily="18" charset="0"/>
+            </a:endParaRPr>
+          </a:p>
+        </p:txBody>
+      </p:sp>
+      <p:sp>
+        <p:nvSpPr>
+          <p:cNvPr id="2" name="Прямоугольник 1"/>
+          <p:cNvSpPr/>
+          <p:nvPr/>
+        </p:nvSpPr>
+        <p:spPr>
+          <a:xfrm>
+            <a:off x="0" y="0"/>
+            <a:ext cx="12192000" cy="646331"/>
+          </a:xfrm>
+          <a:prstGeom prst="rect">
+            <a:avLst/>
+          </a:prstGeom>
+        </p:spPr>
+        <p:txBody>
+          <a:bodyPr wrap="square">
+            <a:spAutoFit/>
+          </a:bodyPr>
+          <a:lstStyle/>
+          <a:p>
+            <a:pPr algn="ctr"/>
+            <a:r>
+              <a:rPr lang="ru-RU" sz="3600" b="1" dirty="0" smtClean="0">
+                <a:latin typeface="Times New Roman" panose="02020603050405020304" pitchFamily="18" charset="0"/>
+                <a:cs typeface="Times New Roman" panose="02020603050405020304" pitchFamily="18" charset="0"/>
+              </a:rPr>
+              <a:t>Генерация датасета предобработанных изображений</a:t>
+            </a:r>
+            <a:endParaRPr lang="ru-RU" sz="3600" b="1" dirty="0">
+              <a:latin typeface="Times New Roman" panose="02020603050405020304" pitchFamily="18" charset="0"/>
+              <a:cs typeface="Times New Roman" panose="02020603050405020304" pitchFamily="18" charset="0"/>
+            </a:endParaRPr>
+          </a:p>
+        </p:txBody>
+      </p:sp>
+      <p:sp>
+        <p:nvSpPr>
+          <p:cNvPr id="4" name="TextBox 3"/>
+          <p:cNvSpPr txBox="1"/>
+          <p:nvPr/>
+        </p:nvSpPr>
+        <p:spPr>
+          <a:xfrm>
+            <a:off x="0" y="6488668"/>
+            <a:ext cx="849086" cy="369332"/>
+          </a:xfrm>
+          <a:prstGeom prst="rect">
+            <a:avLst/>
+          </a:prstGeom>
+          <a:noFill/>
+        </p:spPr>
+        <p:txBody>
+          <a:bodyPr wrap="square" rtlCol="0">
+            <a:spAutoFit/>
+          </a:bodyPr>
+          <a:lstStyle/>
+          <a:p>
+            <a:r>
+              <a:rPr lang="ru-RU" dirty="0" smtClean="0">
+                <a:latin typeface="Times New Roman" panose="02020603050405020304" pitchFamily="18" charset="0"/>
+                <a:cs typeface="Times New Roman" panose="02020603050405020304" pitchFamily="18" charset="0"/>
+              </a:rPr>
+              <a:t>12</a:t>
+            </a:r>
+            <a:r>
+              <a:rPr lang="en-US" dirty="0" smtClean="0">
+                <a:latin typeface="Times New Roman" panose="02020603050405020304" pitchFamily="18" charset="0"/>
+                <a:cs typeface="Times New Roman" panose="02020603050405020304" pitchFamily="18" charset="0"/>
+              </a:rPr>
+              <a:t>/</a:t>
+            </a:r>
+            <a:r>
+              <a:rPr lang="ru-RU" dirty="0" smtClean="0">
+                <a:latin typeface="Times New Roman" panose="02020603050405020304" pitchFamily="18" charset="0"/>
+                <a:cs typeface="Times New Roman" panose="02020603050405020304" pitchFamily="18" charset="0"/>
+              </a:rPr>
+              <a:t>19</a:t>
+            </a:r>
+            <a:endParaRPr lang="ru-RU" dirty="0">
+              <a:latin typeface="Times New Roman" panose="02020603050405020304" pitchFamily="18" charset="0"/>
+              <a:cs typeface="Times New Roman" panose="02020603050405020304" pitchFamily="18" charset="0"/>
+            </a:endParaRPr>
+          </a:p>
+        </p:txBody>
+      </p:sp>
+    </p:spTree>
+    <p:extLst>
+      <p:ext uri="{BB962C8B-B14F-4D97-AF65-F5344CB8AC3E}">
+        <p14:creationId xmlns:p14="http://schemas.microsoft.com/office/powerpoint/2010/main" val="2854920550"/>
+      </p:ext>
+    </p:extLst>
+  </p:cSld>
+  <p:clrMapOvr>
+    <a:masterClrMapping/>
+  </p:clrMapOvr>
+  <p:timing>
+    <p:tnLst>
+      <p:par>
+        <p:cTn id="1" dur="indefinite" restart="never" nodeType="tmRoot"/>
+      </p:par>
+    </p:tnLst>
+  </p:timing>
+</p:sld>
+</file>
+
+<file path=ppt/slides/slide13.xml><?xml version="1.0" encoding="utf-8"?>
+<p:sld xmlns:a="http://schemas.openxmlformats.org/drawingml/2006/main" xmlns:r="http://schemas.openxmlformats.org/officeDocument/2006/relationships" xmlns:p="http://schemas.openxmlformats.org/presentationml/2006/main">
+  <p:cSld>
+    <p:spTree>
+      <p:nvGrpSpPr>
+        <p:cNvPr id="1" name=""/>
+        <p:cNvGrpSpPr/>
+        <p:nvPr/>
+      </p:nvGrpSpPr>
+      <p:grpSpPr>
+        <a:xfrm>
+          <a:off x="0" y="0"/>
+          <a:ext cx="0" cy="0"/>
+          <a:chOff x="0" y="0"/>
+          <a:chExt cx="0" cy="0"/>
+        </a:xfrm>
+      </p:grpSpPr>
+      <p:sp>
+        <p:nvSpPr>
+          <p:cNvPr id="5" name="TextBox 4"/>
+          <p:cNvSpPr txBox="1"/>
+          <p:nvPr/>
+        </p:nvSpPr>
+        <p:spPr>
+          <a:xfrm>
+            <a:off x="849086" y="5942796"/>
+            <a:ext cx="4389664" cy="507831"/>
+          </a:xfrm>
+          <a:prstGeom prst="rect">
+            <a:avLst/>
+          </a:prstGeom>
+          <a:noFill/>
+        </p:spPr>
+        <p:txBody>
+          <a:bodyPr wrap="square" rtlCol="0">
+            <a:spAutoFit/>
+          </a:bodyPr>
+          <a:lstStyle/>
+          <a:p>
+            <a:pPr algn="just"/>
+            <a:r>
+              <a:rPr lang="ru-RU" sz="2700" dirty="0" smtClean="0">
+                <a:latin typeface="Times New Roman" panose="02020603050405020304" pitchFamily="18" charset="0"/>
+                <a:cs typeface="Times New Roman" panose="02020603050405020304" pitchFamily="18" charset="0"/>
+              </a:rPr>
+              <a:t>Изображения с маркировкой</a:t>
+            </a:r>
+            <a:endParaRPr lang="ru-RU" sz="2700" dirty="0">
+              <a:latin typeface="Times New Roman" panose="02020603050405020304" pitchFamily="18" charset="0"/>
+              <a:cs typeface="Times New Roman" panose="02020603050405020304" pitchFamily="18" charset="0"/>
+            </a:endParaRPr>
+          </a:p>
+        </p:txBody>
+      </p:sp>
+      <p:sp>
+        <p:nvSpPr>
+          <p:cNvPr id="2" name="Прямоугольник 1"/>
+          <p:cNvSpPr/>
+          <p:nvPr/>
+        </p:nvSpPr>
+        <p:spPr>
+          <a:xfrm>
+            <a:off x="0" y="0"/>
+            <a:ext cx="12192000" cy="646331"/>
+          </a:xfrm>
+          <a:prstGeom prst="rect">
+            <a:avLst/>
+          </a:prstGeom>
+        </p:spPr>
+        <p:txBody>
+          <a:bodyPr wrap="square">
+            <a:spAutoFit/>
+          </a:bodyPr>
+          <a:lstStyle/>
+          <a:p>
+            <a:pPr algn="ctr"/>
+            <a:r>
+              <a:rPr lang="ru-RU" sz="3600" b="1" dirty="0" smtClean="0">
+                <a:latin typeface="Times New Roman" panose="02020603050405020304" pitchFamily="18" charset="0"/>
+                <a:cs typeface="Times New Roman" panose="02020603050405020304" pitchFamily="18" charset="0"/>
+              </a:rPr>
+              <a:t>Генерация датасета предобработанных изображений</a:t>
+            </a:r>
+            <a:endParaRPr lang="ru-RU" sz="3600" b="1" dirty="0">
+              <a:latin typeface="Times New Roman" panose="02020603050405020304" pitchFamily="18" charset="0"/>
+              <a:cs typeface="Times New Roman" panose="02020603050405020304" pitchFamily="18" charset="0"/>
+            </a:endParaRPr>
+          </a:p>
+        </p:txBody>
+      </p:sp>
+      <p:sp>
+        <p:nvSpPr>
+          <p:cNvPr id="4" name="TextBox 3"/>
+          <p:cNvSpPr txBox="1"/>
+          <p:nvPr/>
+        </p:nvSpPr>
+        <p:spPr>
+          <a:xfrm>
+            <a:off x="0" y="6488668"/>
+            <a:ext cx="849086" cy="369332"/>
+          </a:xfrm>
+          <a:prstGeom prst="rect">
+            <a:avLst/>
+          </a:prstGeom>
+          <a:noFill/>
+        </p:spPr>
+        <p:txBody>
+          <a:bodyPr wrap="square" rtlCol="0">
+            <a:spAutoFit/>
+          </a:bodyPr>
+          <a:lstStyle/>
+          <a:p>
+            <a:r>
+              <a:rPr lang="ru-RU" dirty="0" smtClean="0">
+                <a:latin typeface="Times New Roman" panose="02020603050405020304" pitchFamily="18" charset="0"/>
+                <a:cs typeface="Times New Roman" panose="02020603050405020304" pitchFamily="18" charset="0"/>
+              </a:rPr>
+              <a:t>13</a:t>
+            </a:r>
+            <a:r>
+              <a:rPr lang="en-US" dirty="0" smtClean="0">
+                <a:latin typeface="Times New Roman" panose="02020603050405020304" pitchFamily="18" charset="0"/>
+                <a:cs typeface="Times New Roman" panose="02020603050405020304" pitchFamily="18" charset="0"/>
+              </a:rPr>
+              <a:t>/</a:t>
+            </a:r>
+            <a:r>
+              <a:rPr lang="ru-RU" dirty="0" smtClean="0">
+                <a:latin typeface="Times New Roman" panose="02020603050405020304" pitchFamily="18" charset="0"/>
+                <a:cs typeface="Times New Roman" panose="02020603050405020304" pitchFamily="18" charset="0"/>
+              </a:rPr>
+              <a:t>19</a:t>
+            </a:r>
+            <a:endParaRPr lang="ru-RU" dirty="0">
+              <a:latin typeface="Times New Roman" panose="02020603050405020304" pitchFamily="18" charset="0"/>
+              <a:cs typeface="Times New Roman" panose="02020603050405020304" pitchFamily="18" charset="0"/>
+            </a:endParaRPr>
+          </a:p>
+        </p:txBody>
+      </p:sp>
+      <p:pic>
+        <p:nvPicPr>
+          <p:cNvPr id="6" name="Рисунок 5"/>
+          <p:cNvPicPr>
+            <a:picLocks noChangeAspect="1"/>
+          </p:cNvPicPr>
+          <p:nvPr/>
+        </p:nvPicPr>
+        <p:blipFill>
+          <a:blip r:embed="rId2" cstate="print">
+            <a:extLst>
+              <a:ext uri="{28A0092B-C50C-407E-A947-70E740481C1C}">
+                <a14:useLocalDpi xmlns:a14="http://schemas.microsoft.com/office/drawing/2010/main" val="0"/>
+              </a:ext>
+            </a:extLst>
+          </a:blip>
+          <a:stretch>
+            <a:fillRect/>
+          </a:stretch>
+        </p:blipFill>
+        <p:spPr>
+          <a:xfrm>
+            <a:off x="3" y="2787225"/>
+            <a:ext cx="6096002" cy="975360"/>
+          </a:xfrm>
+          <a:prstGeom prst="rect">
+            <a:avLst/>
+          </a:prstGeom>
+        </p:spPr>
+      </p:pic>
+      <p:pic>
+        <p:nvPicPr>
+          <p:cNvPr id="7" name="Рисунок 6"/>
+          <p:cNvPicPr>
+            <a:picLocks noChangeAspect="1"/>
+          </p:cNvPicPr>
+          <p:nvPr/>
+        </p:nvPicPr>
+        <p:blipFill>
+          <a:blip r:embed="rId3" cstate="print">
+            <a:extLst>
+              <a:ext uri="{28A0092B-C50C-407E-A947-70E740481C1C}">
+                <a14:useLocalDpi xmlns:a14="http://schemas.microsoft.com/office/drawing/2010/main" val="0"/>
+              </a:ext>
+            </a:extLst>
+          </a:blip>
+          <a:stretch>
+            <a:fillRect/>
+          </a:stretch>
+        </p:blipFill>
+        <p:spPr>
+          <a:xfrm>
+            <a:off x="0" y="3865188"/>
+            <a:ext cx="6096005" cy="975361"/>
+          </a:xfrm>
+          <a:prstGeom prst="rect">
+            <a:avLst/>
+          </a:prstGeom>
+        </p:spPr>
+      </p:pic>
+      <p:pic>
+        <p:nvPicPr>
+          <p:cNvPr id="8" name="Рисунок 7"/>
+          <p:cNvPicPr>
+            <a:picLocks noChangeAspect="1"/>
+          </p:cNvPicPr>
+          <p:nvPr/>
+        </p:nvPicPr>
+        <p:blipFill>
+          <a:blip r:embed="rId4" cstate="print">
+            <a:extLst>
+              <a:ext uri="{28A0092B-C50C-407E-A947-70E740481C1C}">
+                <a14:useLocalDpi xmlns:a14="http://schemas.microsoft.com/office/drawing/2010/main" val="0"/>
+              </a:ext>
+            </a:extLst>
+          </a:blip>
+          <a:stretch>
+            <a:fillRect/>
+          </a:stretch>
+        </p:blipFill>
+        <p:spPr>
+          <a:xfrm>
+            <a:off x="0" y="4929394"/>
+            <a:ext cx="6096006" cy="975361"/>
+          </a:xfrm>
+          <a:prstGeom prst="rect">
+            <a:avLst/>
+          </a:prstGeom>
+        </p:spPr>
+      </p:pic>
+      <p:pic>
+        <p:nvPicPr>
+          <p:cNvPr id="9" name="Рисунок 8"/>
+          <p:cNvPicPr>
+            <a:picLocks noChangeAspect="1"/>
+          </p:cNvPicPr>
+          <p:nvPr/>
+        </p:nvPicPr>
+        <p:blipFill>
+          <a:blip r:embed="rId5" cstate="print">
+            <a:extLst>
+              <a:ext uri="{28A0092B-C50C-407E-A947-70E740481C1C}">
+                <a14:useLocalDpi xmlns:a14="http://schemas.microsoft.com/office/drawing/2010/main" val="0"/>
+              </a:ext>
+            </a:extLst>
+          </a:blip>
+          <a:stretch>
+            <a:fillRect/>
+          </a:stretch>
+        </p:blipFill>
+        <p:spPr>
+          <a:xfrm>
+            <a:off x="2" y="1708935"/>
+            <a:ext cx="6096003" cy="975361"/>
+          </a:xfrm>
+          <a:prstGeom prst="rect">
+            <a:avLst/>
+          </a:prstGeom>
+        </p:spPr>
+      </p:pic>
+      <p:pic>
+        <p:nvPicPr>
+          <p:cNvPr id="10" name="Рисунок 9"/>
+          <p:cNvPicPr>
+            <a:picLocks noChangeAspect="1"/>
+          </p:cNvPicPr>
+          <p:nvPr/>
+        </p:nvPicPr>
+        <p:blipFill>
+          <a:blip r:embed="rId6" cstate="print">
+            <a:extLst>
+              <a:ext uri="{28A0092B-C50C-407E-A947-70E740481C1C}">
+                <a14:useLocalDpi xmlns:a14="http://schemas.microsoft.com/office/drawing/2010/main" val="0"/>
+              </a:ext>
+            </a:extLst>
+          </a:blip>
+          <a:stretch>
+            <a:fillRect/>
+          </a:stretch>
+        </p:blipFill>
+        <p:spPr>
+          <a:xfrm>
+            <a:off x="4" y="646331"/>
+            <a:ext cx="6096002" cy="975361"/>
+          </a:xfrm>
+          <a:prstGeom prst="rect">
+            <a:avLst/>
+          </a:prstGeom>
+        </p:spPr>
+      </p:pic>
+      <p:pic>
+        <p:nvPicPr>
+          <p:cNvPr id="3" name="Рисунок 2"/>
+          <p:cNvPicPr>
+            <a:picLocks noChangeAspect="1"/>
+          </p:cNvPicPr>
+          <p:nvPr/>
+        </p:nvPicPr>
+        <p:blipFill>
+          <a:blip r:embed="rId7" cstate="print">
+            <a:extLst>
+              <a:ext uri="{28A0092B-C50C-407E-A947-70E740481C1C}">
+                <a14:useLocalDpi xmlns:a14="http://schemas.microsoft.com/office/drawing/2010/main" val="0"/>
+              </a:ext>
+            </a:extLst>
+          </a:blip>
+          <a:stretch>
+            <a:fillRect/>
+          </a:stretch>
+        </p:blipFill>
+        <p:spPr>
+          <a:xfrm>
+            <a:off x="6096000" y="3868492"/>
+            <a:ext cx="6096000" cy="972057"/>
+          </a:xfrm>
+          <a:prstGeom prst="rect">
+            <a:avLst/>
+          </a:prstGeom>
+        </p:spPr>
+      </p:pic>
+      <p:pic>
+        <p:nvPicPr>
+          <p:cNvPr id="11" name="Рисунок 10"/>
+          <p:cNvPicPr>
+            <a:picLocks noChangeAspect="1"/>
+          </p:cNvPicPr>
+          <p:nvPr/>
+        </p:nvPicPr>
+        <p:blipFill>
+          <a:blip r:embed="rId8" cstate="print">
+            <a:extLst>
+              <a:ext uri="{28A0092B-C50C-407E-A947-70E740481C1C}">
+                <a14:useLocalDpi xmlns:a14="http://schemas.microsoft.com/office/drawing/2010/main" val="0"/>
+              </a:ext>
+            </a:extLst>
+          </a:blip>
+          <a:stretch>
+            <a:fillRect/>
+          </a:stretch>
+        </p:blipFill>
+        <p:spPr>
+          <a:xfrm>
+            <a:off x="6096000" y="4925232"/>
+            <a:ext cx="6096000" cy="981000"/>
+          </a:xfrm>
+          <a:prstGeom prst="rect">
+            <a:avLst/>
+          </a:prstGeom>
+        </p:spPr>
+      </p:pic>
+      <p:pic>
+        <p:nvPicPr>
+          <p:cNvPr id="12" name="Рисунок 11"/>
+          <p:cNvPicPr>
+            <a:picLocks noChangeAspect="1"/>
+          </p:cNvPicPr>
+          <p:nvPr/>
+        </p:nvPicPr>
+        <p:blipFill>
+          <a:blip r:embed="rId9" cstate="print">
+            <a:extLst>
+              <a:ext uri="{28A0092B-C50C-407E-A947-70E740481C1C}">
+                <a14:useLocalDpi xmlns:a14="http://schemas.microsoft.com/office/drawing/2010/main" val="0"/>
+              </a:ext>
+            </a:extLst>
+          </a:blip>
+          <a:stretch>
+            <a:fillRect/>
+          </a:stretch>
+        </p:blipFill>
+        <p:spPr>
+          <a:xfrm>
+            <a:off x="6096000" y="1706376"/>
+            <a:ext cx="6096000" cy="975360"/>
+          </a:xfrm>
+          <a:prstGeom prst="rect">
+            <a:avLst/>
+          </a:prstGeom>
+        </p:spPr>
+      </p:pic>
+      <p:pic>
+        <p:nvPicPr>
+          <p:cNvPr id="13" name="Рисунок 12"/>
+          <p:cNvPicPr>
+            <a:picLocks noChangeAspect="1"/>
+          </p:cNvPicPr>
+          <p:nvPr/>
+        </p:nvPicPr>
+        <p:blipFill>
+          <a:blip r:embed="rId10" cstate="print">
+            <a:extLst>
+              <a:ext uri="{28A0092B-C50C-407E-A947-70E740481C1C}">
+                <a14:useLocalDpi xmlns:a14="http://schemas.microsoft.com/office/drawing/2010/main" val="0"/>
+              </a:ext>
+            </a:extLst>
+          </a:blip>
+          <a:stretch>
+            <a:fillRect/>
+          </a:stretch>
+        </p:blipFill>
+        <p:spPr>
+          <a:xfrm>
+            <a:off x="6095999" y="2793395"/>
+            <a:ext cx="6096001" cy="965998"/>
+          </a:xfrm>
+          <a:prstGeom prst="rect">
+            <a:avLst/>
+          </a:prstGeom>
+        </p:spPr>
+      </p:pic>
+      <p:pic>
+        <p:nvPicPr>
+          <p:cNvPr id="14" name="Рисунок 13"/>
+          <p:cNvPicPr>
+            <a:picLocks noChangeAspect="1"/>
+          </p:cNvPicPr>
+          <p:nvPr/>
+        </p:nvPicPr>
+        <p:blipFill>
+          <a:blip r:embed="rId11" cstate="print">
+            <a:extLst>
+              <a:ext uri="{28A0092B-C50C-407E-A947-70E740481C1C}">
+                <a14:useLocalDpi xmlns:a14="http://schemas.microsoft.com/office/drawing/2010/main" val="0"/>
+              </a:ext>
+            </a:extLst>
+          </a:blip>
+          <a:stretch>
+            <a:fillRect/>
+          </a:stretch>
+        </p:blipFill>
+        <p:spPr>
+          <a:xfrm>
+            <a:off x="6096000" y="654808"/>
+            <a:ext cx="6096000" cy="975360"/>
+          </a:xfrm>
+          <a:prstGeom prst="rect">
+            <a:avLst/>
+          </a:prstGeom>
+        </p:spPr>
+      </p:pic>
+      <p:sp>
+        <p:nvSpPr>
+          <p:cNvPr id="15" name="TextBox 14"/>
+          <p:cNvSpPr txBox="1"/>
+          <p:nvPr/>
+        </p:nvSpPr>
+        <p:spPr>
+          <a:xfrm>
+            <a:off x="6659336" y="5942796"/>
+            <a:ext cx="5704114" cy="507831"/>
+          </a:xfrm>
+          <a:prstGeom prst="rect">
+            <a:avLst/>
+          </a:prstGeom>
+          <a:noFill/>
+        </p:spPr>
+        <p:txBody>
+          <a:bodyPr wrap="square" rtlCol="0">
+            <a:spAutoFit/>
+          </a:bodyPr>
+          <a:lstStyle/>
+          <a:p>
+            <a:pPr algn="just"/>
+            <a:r>
+              <a:rPr lang="ru-RU" sz="2700" dirty="0" err="1" smtClean="0">
+                <a:latin typeface="Times New Roman" panose="02020603050405020304" pitchFamily="18" charset="0"/>
+                <a:cs typeface="Times New Roman" panose="02020603050405020304" pitchFamily="18" charset="0"/>
+              </a:rPr>
+              <a:t>Предобработанные</a:t>
+            </a:r>
+            <a:r>
+              <a:rPr lang="ru-RU" sz="2700" dirty="0" smtClean="0">
+                <a:latin typeface="Times New Roman" panose="02020603050405020304" pitchFamily="18" charset="0"/>
+                <a:cs typeface="Times New Roman" panose="02020603050405020304" pitchFamily="18" charset="0"/>
+              </a:rPr>
+              <a:t> изображения</a:t>
+            </a:r>
+            <a:endParaRPr lang="ru-RU" sz="2700" dirty="0">
+              <a:latin typeface="Times New Roman" panose="02020603050405020304" pitchFamily="18" charset="0"/>
+              <a:cs typeface="Times New Roman" panose="02020603050405020304" pitchFamily="18" charset="0"/>
+            </a:endParaRPr>
+          </a:p>
+        </p:txBody>
+      </p:sp>
+    </p:spTree>
+    <p:extLst>
+      <p:ext uri="{BB962C8B-B14F-4D97-AF65-F5344CB8AC3E}">
+        <p14:creationId xmlns:p14="http://schemas.microsoft.com/office/powerpoint/2010/main" val="2465476971"/>
+      </p:ext>
+    </p:extLst>
+  </p:cSld>
+  <p:clrMapOvr>
+    <a:masterClrMapping/>
+  </p:clrMapOvr>
+  <p:timing>
+    <p:tnLst>
+      <p:par>
+        <p:cTn id="1" dur="indefinite" restart="never" nodeType="tmRoot"/>
+      </p:par>
+    </p:tnLst>
+  </p:timing>
+</p:sld>
+</file>
+
+<file path=ppt/slides/slide14.xml><?xml version="1.0" encoding="utf-8"?>
+<p:sld xmlns:a="http://schemas.openxmlformats.org/drawingml/2006/main" xmlns:r="http://schemas.openxmlformats.org/officeDocument/2006/relationships" xmlns:p="http://schemas.openxmlformats.org/presentationml/2006/main">
+  <p:cSld>
+    <p:spTree>
+      <p:nvGrpSpPr>
+        <p:cNvPr id="1" name=""/>
+        <p:cNvGrpSpPr/>
+        <p:nvPr/>
+      </p:nvGrpSpPr>
+      <p:grpSpPr>
+        <a:xfrm>
+          <a:off x="0" y="0"/>
+          <a:ext cx="0" cy="0"/>
+          <a:chOff x="0" y="0"/>
+          <a:chExt cx="0" cy="0"/>
+        </a:xfrm>
+      </p:grpSpPr>
+      <p:sp>
+        <p:nvSpPr>
+          <p:cNvPr id="5" name="TextBox 4"/>
+          <p:cNvSpPr txBox="1"/>
+          <p:nvPr/>
+        </p:nvSpPr>
+        <p:spPr>
+          <a:xfrm>
+            <a:off x="0" y="646331"/>
+            <a:ext cx="12192000" cy="507831"/>
+          </a:xfrm>
+          <a:prstGeom prst="rect">
+            <a:avLst/>
+          </a:prstGeom>
+          <a:noFill/>
+        </p:spPr>
+        <p:txBody>
+          <a:bodyPr wrap="square" rtlCol="0">
+            <a:spAutoFit/>
+          </a:bodyPr>
+          <a:lstStyle/>
+          <a:p>
+            <a:pPr algn="just"/>
+            <a:r>
+              <a:rPr lang="ru-RU" sz="2700" dirty="0" smtClean="0">
+                <a:latin typeface="Times New Roman" panose="02020603050405020304" pitchFamily="18" charset="0"/>
+                <a:cs typeface="Times New Roman" panose="02020603050405020304" pitchFamily="18" charset="0"/>
+              </a:rPr>
+              <a:t>(функциональная модель системы (изображение))</a:t>
+            </a:r>
+            <a:endParaRPr lang="ru-RU" sz="2700" dirty="0">
+              <a:latin typeface="Times New Roman" panose="02020603050405020304" pitchFamily="18" charset="0"/>
+              <a:cs typeface="Times New Roman" panose="02020603050405020304" pitchFamily="18" charset="0"/>
+            </a:endParaRPr>
+          </a:p>
+        </p:txBody>
+      </p:sp>
+      <p:sp>
+        <p:nvSpPr>
+          <p:cNvPr id="2" name="Прямоугольник 1"/>
+          <p:cNvSpPr/>
+          <p:nvPr/>
+        </p:nvSpPr>
+        <p:spPr>
+          <a:xfrm>
+            <a:off x="0" y="0"/>
+            <a:ext cx="12192000" cy="646331"/>
+          </a:xfrm>
+          <a:prstGeom prst="rect">
+            <a:avLst/>
+          </a:prstGeom>
+        </p:spPr>
+        <p:txBody>
+          <a:bodyPr wrap="square">
+            <a:spAutoFit/>
+          </a:bodyPr>
+          <a:lstStyle/>
+          <a:p>
+            <a:pPr algn="ctr"/>
+            <a:r>
+              <a:rPr lang="ru-RU" sz="3600" b="1" dirty="0" smtClean="0">
+                <a:latin typeface="Times New Roman" panose="02020603050405020304" pitchFamily="18" charset="0"/>
+                <a:cs typeface="Times New Roman" panose="02020603050405020304" pitchFamily="18" charset="0"/>
+              </a:rPr>
+              <a:t>Моделирование системы распознавания маркировки</a:t>
+            </a:r>
+            <a:endParaRPr lang="ru-RU" sz="3600" b="1" dirty="0">
+              <a:latin typeface="Times New Roman" panose="02020603050405020304" pitchFamily="18" charset="0"/>
+              <a:cs typeface="Times New Roman" panose="02020603050405020304" pitchFamily="18" charset="0"/>
+            </a:endParaRPr>
+          </a:p>
+        </p:txBody>
+      </p:sp>
+      <p:sp>
+        <p:nvSpPr>
+          <p:cNvPr id="4" name="TextBox 3"/>
+          <p:cNvSpPr txBox="1"/>
+          <p:nvPr/>
+        </p:nvSpPr>
+        <p:spPr>
+          <a:xfrm>
+            <a:off x="0" y="6488668"/>
+            <a:ext cx="849086" cy="369332"/>
+          </a:xfrm>
+          <a:prstGeom prst="rect">
+            <a:avLst/>
+          </a:prstGeom>
+          <a:noFill/>
+        </p:spPr>
+        <p:txBody>
+          <a:bodyPr wrap="square" rtlCol="0">
+            <a:spAutoFit/>
+          </a:bodyPr>
+          <a:lstStyle/>
+          <a:p>
+            <a:r>
+              <a:rPr lang="ru-RU" dirty="0" smtClean="0">
+                <a:latin typeface="Times New Roman" panose="02020603050405020304" pitchFamily="18" charset="0"/>
+                <a:cs typeface="Times New Roman" panose="02020603050405020304" pitchFamily="18" charset="0"/>
+              </a:rPr>
+              <a:t>14</a:t>
+            </a:r>
+            <a:r>
+              <a:rPr lang="en-US" dirty="0" smtClean="0">
+                <a:latin typeface="Times New Roman" panose="02020603050405020304" pitchFamily="18" charset="0"/>
+                <a:cs typeface="Times New Roman" panose="02020603050405020304" pitchFamily="18" charset="0"/>
+              </a:rPr>
+              <a:t>/</a:t>
+            </a:r>
+            <a:r>
+              <a:rPr lang="ru-RU" dirty="0" smtClean="0">
+                <a:latin typeface="Times New Roman" panose="02020603050405020304" pitchFamily="18" charset="0"/>
+                <a:cs typeface="Times New Roman" panose="02020603050405020304" pitchFamily="18" charset="0"/>
+              </a:rPr>
+              <a:t>19</a:t>
+            </a:r>
+            <a:endParaRPr lang="ru-RU" dirty="0">
+              <a:latin typeface="Times New Roman" panose="02020603050405020304" pitchFamily="18" charset="0"/>
+              <a:cs typeface="Times New Roman" panose="02020603050405020304" pitchFamily="18" charset="0"/>
+            </a:endParaRPr>
+          </a:p>
+        </p:txBody>
+      </p:sp>
+    </p:spTree>
+    <p:extLst>
+      <p:ext uri="{BB962C8B-B14F-4D97-AF65-F5344CB8AC3E}">
+        <p14:creationId xmlns:p14="http://schemas.microsoft.com/office/powerpoint/2010/main" val="1682351150"/>
+      </p:ext>
+    </p:extLst>
+  </p:cSld>
+  <p:clrMapOvr>
+    <a:masterClrMapping/>
+  </p:clrMapOvr>
+  <p:timing>
+    <p:tnLst>
+      <p:par>
+        <p:cTn id="1" dur="indefinite" restart="never" nodeType="tmRoot"/>
+      </p:par>
+    </p:tnLst>
+  </p:timing>
+</p:sld>
+</file>
+
+<file path=ppt/slides/slide15.xml><?xml version="1.0" encoding="utf-8"?>
+<p:sld xmlns:a="http://schemas.openxmlformats.org/drawingml/2006/main" xmlns:r="http://schemas.openxmlformats.org/officeDocument/2006/relationships" xmlns:p="http://schemas.openxmlformats.org/presentationml/2006/main">
+  <p:cSld>
+    <p:spTree>
+      <p:nvGrpSpPr>
+        <p:cNvPr id="1" name=""/>
+        <p:cNvGrpSpPr/>
+        <p:nvPr/>
+      </p:nvGrpSpPr>
+      <p:grpSpPr>
+        <a:xfrm>
+          <a:off x="0" y="0"/>
+          <a:ext cx="0" cy="0"/>
+          <a:chOff x="0" y="0"/>
+          <a:chExt cx="0" cy="0"/>
+        </a:xfrm>
+      </p:grpSpPr>
+      <p:sp>
+        <p:nvSpPr>
+          <p:cNvPr id="5" name="TextBox 4"/>
+          <p:cNvSpPr txBox="1"/>
+          <p:nvPr/>
+        </p:nvSpPr>
+        <p:spPr>
+          <a:xfrm>
+            <a:off x="0" y="646331"/>
+            <a:ext cx="12192000" cy="507831"/>
+          </a:xfrm>
+          <a:prstGeom prst="rect">
+            <a:avLst/>
+          </a:prstGeom>
+          <a:noFill/>
+        </p:spPr>
+        <p:txBody>
+          <a:bodyPr wrap="square" rtlCol="0">
+            <a:spAutoFit/>
+          </a:bodyPr>
+          <a:lstStyle/>
+          <a:p>
+            <a:pPr algn="just"/>
+            <a:r>
+              <a:rPr lang="ru-RU" sz="2700" dirty="0" smtClean="0">
+                <a:latin typeface="Times New Roman" panose="02020603050405020304" pitchFamily="18" charset="0"/>
+                <a:cs typeface="Times New Roman" panose="02020603050405020304" pitchFamily="18" charset="0"/>
+              </a:rPr>
+              <a:t>(блок-схема процесса разработки системы)</a:t>
+            </a:r>
+            <a:endParaRPr lang="ru-RU" sz="2700" dirty="0">
+              <a:latin typeface="Times New Roman" panose="02020603050405020304" pitchFamily="18" charset="0"/>
+              <a:cs typeface="Times New Roman" panose="02020603050405020304" pitchFamily="18" charset="0"/>
+            </a:endParaRPr>
+          </a:p>
+        </p:txBody>
+      </p:sp>
+      <p:sp>
+        <p:nvSpPr>
+          <p:cNvPr id="2" name="Прямоугольник 1"/>
+          <p:cNvSpPr/>
+          <p:nvPr/>
+        </p:nvSpPr>
+        <p:spPr>
+          <a:xfrm>
+            <a:off x="0" y="0"/>
+            <a:ext cx="12192000" cy="646331"/>
+          </a:xfrm>
+          <a:prstGeom prst="rect">
+            <a:avLst/>
+          </a:prstGeom>
+        </p:spPr>
+        <p:txBody>
+          <a:bodyPr wrap="square">
+            <a:spAutoFit/>
+          </a:bodyPr>
+          <a:lstStyle/>
+          <a:p>
+            <a:pPr algn="ctr"/>
+            <a:r>
+              <a:rPr lang="ru-RU" sz="3600" b="1" dirty="0" smtClean="0">
+                <a:latin typeface="Times New Roman" panose="02020603050405020304" pitchFamily="18" charset="0"/>
+                <a:cs typeface="Times New Roman" panose="02020603050405020304" pitchFamily="18" charset="0"/>
+              </a:rPr>
+              <a:t>Разработка системы распознавания маркировки</a:t>
+            </a:r>
+            <a:endParaRPr lang="ru-RU" sz="3600" b="1" dirty="0">
+              <a:latin typeface="Times New Roman" panose="02020603050405020304" pitchFamily="18" charset="0"/>
+              <a:cs typeface="Times New Roman" panose="02020603050405020304" pitchFamily="18" charset="0"/>
+            </a:endParaRPr>
+          </a:p>
+        </p:txBody>
+      </p:sp>
+      <p:sp>
+        <p:nvSpPr>
+          <p:cNvPr id="4" name="TextBox 3"/>
+          <p:cNvSpPr txBox="1"/>
+          <p:nvPr/>
+        </p:nvSpPr>
+        <p:spPr>
+          <a:xfrm>
+            <a:off x="0" y="6488668"/>
+            <a:ext cx="849086" cy="369332"/>
+          </a:xfrm>
+          <a:prstGeom prst="rect">
+            <a:avLst/>
+          </a:prstGeom>
+          <a:noFill/>
+        </p:spPr>
+        <p:txBody>
+          <a:bodyPr wrap="square" rtlCol="0">
+            <a:spAutoFit/>
+          </a:bodyPr>
+          <a:lstStyle/>
+          <a:p>
+            <a:r>
+              <a:rPr lang="ru-RU" dirty="0" smtClean="0">
+                <a:latin typeface="Times New Roman" panose="02020603050405020304" pitchFamily="18" charset="0"/>
+                <a:cs typeface="Times New Roman" panose="02020603050405020304" pitchFamily="18" charset="0"/>
+              </a:rPr>
+              <a:t>15</a:t>
+            </a:r>
+            <a:r>
+              <a:rPr lang="en-US" dirty="0" smtClean="0">
+                <a:latin typeface="Times New Roman" panose="02020603050405020304" pitchFamily="18" charset="0"/>
+                <a:cs typeface="Times New Roman" panose="02020603050405020304" pitchFamily="18" charset="0"/>
+              </a:rPr>
+              <a:t>/</a:t>
+            </a:r>
+            <a:r>
+              <a:rPr lang="ru-RU" dirty="0" smtClean="0">
+                <a:latin typeface="Times New Roman" panose="02020603050405020304" pitchFamily="18" charset="0"/>
+                <a:cs typeface="Times New Roman" panose="02020603050405020304" pitchFamily="18" charset="0"/>
+              </a:rPr>
+              <a:t>19</a:t>
+            </a:r>
+            <a:endParaRPr lang="ru-RU" dirty="0">
+              <a:latin typeface="Times New Roman" panose="02020603050405020304" pitchFamily="18" charset="0"/>
+              <a:cs typeface="Times New Roman" panose="02020603050405020304" pitchFamily="18" charset="0"/>
+            </a:endParaRPr>
+          </a:p>
+        </p:txBody>
+      </p:sp>
+    </p:spTree>
+    <p:extLst>
+      <p:ext uri="{BB962C8B-B14F-4D97-AF65-F5344CB8AC3E}">
+        <p14:creationId xmlns:p14="http://schemas.microsoft.com/office/powerpoint/2010/main" val="2151076437"/>
+      </p:ext>
+    </p:extLst>
+  </p:cSld>
+  <p:clrMapOvr>
+    <a:masterClrMapping/>
+  </p:clrMapOvr>
+  <p:timing>
+    <p:tnLst>
+      <p:par>
+        <p:cTn id="1" dur="indefinite" restart="never" nodeType="tmRoot"/>
+      </p:par>
+    </p:tnLst>
+  </p:timing>
+</p:sld>
+</file>
+
+<file path=ppt/slides/slide16.xml><?xml version="1.0" encoding="utf-8"?>
+<p:sld xmlns:a="http://schemas.openxmlformats.org/drawingml/2006/main" xmlns:r="http://schemas.openxmlformats.org/officeDocument/2006/relationships" xmlns:p="http://schemas.openxmlformats.org/presentationml/2006/main">
+  <p:cSld>
+    <p:spTree>
+      <p:nvGrpSpPr>
+        <p:cNvPr id="1" name=""/>
+        <p:cNvGrpSpPr/>
+        <p:nvPr/>
+      </p:nvGrpSpPr>
+      <p:grpSpPr>
+        <a:xfrm>
+          <a:off x="0" y="0"/>
+          <a:ext cx="0" cy="0"/>
+          <a:chOff x="0" y="0"/>
+          <a:chExt cx="0" cy="0"/>
+        </a:xfrm>
+      </p:grpSpPr>
+      <p:sp>
+        <p:nvSpPr>
+          <p:cNvPr id="5" name="TextBox 4"/>
+          <p:cNvSpPr txBox="1"/>
+          <p:nvPr/>
+        </p:nvSpPr>
+        <p:spPr>
+          <a:xfrm>
+            <a:off x="0" y="646331"/>
+            <a:ext cx="12192000" cy="923330"/>
+          </a:xfrm>
+          <a:prstGeom prst="rect">
+            <a:avLst/>
+          </a:prstGeom>
+          <a:noFill/>
+        </p:spPr>
+        <p:txBody>
+          <a:bodyPr wrap="square" rtlCol="0">
+            <a:spAutoFit/>
+          </a:bodyPr>
+          <a:lstStyle/>
+          <a:p>
+            <a:pPr algn="just"/>
+            <a:r>
+              <a:rPr lang="ru-RU" sz="2700" dirty="0" smtClean="0">
+                <a:latin typeface="Times New Roman" panose="02020603050405020304" pitchFamily="18" charset="0"/>
+                <a:cs typeface="Times New Roman" panose="02020603050405020304" pitchFamily="18" charset="0"/>
+              </a:rPr>
+              <a:t>(</a:t>
+            </a:r>
+            <a:r>
+              <a:rPr lang="ru-RU" sz="2700" dirty="0" err="1" smtClean="0">
+                <a:latin typeface="Times New Roman" panose="02020603050405020304" pitchFamily="18" charset="0"/>
+                <a:cs typeface="Times New Roman" panose="02020603050405020304" pitchFamily="18" charset="0"/>
+              </a:rPr>
+              <a:t>скрины</a:t>
+            </a:r>
+            <a:r>
+              <a:rPr lang="ru-RU" sz="2700" dirty="0" smtClean="0">
+                <a:latin typeface="Times New Roman" panose="02020603050405020304" pitchFamily="18" charset="0"/>
+                <a:cs typeface="Times New Roman" panose="02020603050405020304" pitchFamily="18" charset="0"/>
+              </a:rPr>
+              <a:t> с выделенными маркировками на непредобработанных и предобработанных изображениях)</a:t>
+            </a:r>
+            <a:endParaRPr lang="ru-RU" sz="2700" dirty="0">
+              <a:latin typeface="Times New Roman" panose="02020603050405020304" pitchFamily="18" charset="0"/>
+              <a:cs typeface="Times New Roman" panose="02020603050405020304" pitchFamily="18" charset="0"/>
+            </a:endParaRPr>
+          </a:p>
+        </p:txBody>
+      </p:sp>
+      <p:sp>
+        <p:nvSpPr>
+          <p:cNvPr id="2" name="Прямоугольник 1"/>
+          <p:cNvSpPr/>
+          <p:nvPr/>
+        </p:nvSpPr>
+        <p:spPr>
+          <a:xfrm>
+            <a:off x="0" y="0"/>
+            <a:ext cx="12192000" cy="646331"/>
+          </a:xfrm>
+          <a:prstGeom prst="rect">
+            <a:avLst/>
+          </a:prstGeom>
+        </p:spPr>
+        <p:txBody>
+          <a:bodyPr wrap="square">
+            <a:spAutoFit/>
+          </a:bodyPr>
+          <a:lstStyle/>
+          <a:p>
+            <a:pPr algn="ctr"/>
+            <a:r>
+              <a:rPr lang="ru-RU" sz="3600" b="1" dirty="0" smtClean="0">
+                <a:latin typeface="Times New Roman" panose="02020603050405020304" pitchFamily="18" charset="0"/>
+                <a:cs typeface="Times New Roman" panose="02020603050405020304" pitchFamily="18" charset="0"/>
+              </a:rPr>
+              <a:t>Результаты тестирования разработанной системы</a:t>
+            </a:r>
+            <a:endParaRPr lang="ru-RU" sz="3600" b="1" dirty="0">
+              <a:latin typeface="Times New Roman" panose="02020603050405020304" pitchFamily="18" charset="0"/>
+              <a:cs typeface="Times New Roman" panose="02020603050405020304" pitchFamily="18" charset="0"/>
+            </a:endParaRPr>
+          </a:p>
+        </p:txBody>
+      </p:sp>
+      <p:sp>
+        <p:nvSpPr>
+          <p:cNvPr id="4" name="TextBox 3"/>
+          <p:cNvSpPr txBox="1"/>
+          <p:nvPr/>
+        </p:nvSpPr>
+        <p:spPr>
+          <a:xfrm>
+            <a:off x="0" y="6488668"/>
+            <a:ext cx="849086" cy="369332"/>
+          </a:xfrm>
+          <a:prstGeom prst="rect">
+            <a:avLst/>
+          </a:prstGeom>
+          <a:noFill/>
+        </p:spPr>
+        <p:txBody>
+          <a:bodyPr wrap="square" rtlCol="0">
+            <a:spAutoFit/>
+          </a:bodyPr>
+          <a:lstStyle/>
+          <a:p>
+            <a:r>
+              <a:rPr lang="ru-RU" dirty="0" smtClean="0">
+                <a:latin typeface="Times New Roman" panose="02020603050405020304" pitchFamily="18" charset="0"/>
+                <a:cs typeface="Times New Roman" panose="02020603050405020304" pitchFamily="18" charset="0"/>
+              </a:rPr>
+              <a:t>16</a:t>
+            </a:r>
+            <a:r>
+              <a:rPr lang="en-US" dirty="0" smtClean="0">
+                <a:latin typeface="Times New Roman" panose="02020603050405020304" pitchFamily="18" charset="0"/>
+                <a:cs typeface="Times New Roman" panose="02020603050405020304" pitchFamily="18" charset="0"/>
+              </a:rPr>
+              <a:t>/</a:t>
+            </a:r>
+            <a:r>
+              <a:rPr lang="ru-RU" dirty="0" smtClean="0">
+                <a:latin typeface="Times New Roman" panose="02020603050405020304" pitchFamily="18" charset="0"/>
+                <a:cs typeface="Times New Roman" panose="02020603050405020304" pitchFamily="18" charset="0"/>
+              </a:rPr>
+              <a:t>19</a:t>
+            </a:r>
+            <a:endParaRPr lang="ru-RU" dirty="0">
+              <a:latin typeface="Times New Roman" panose="02020603050405020304" pitchFamily="18" charset="0"/>
+              <a:cs typeface="Times New Roman" panose="02020603050405020304" pitchFamily="18" charset="0"/>
+            </a:endParaRPr>
+          </a:p>
+        </p:txBody>
+      </p:sp>
+    </p:spTree>
+    <p:extLst>
+      <p:ext uri="{BB962C8B-B14F-4D97-AF65-F5344CB8AC3E}">
+        <p14:creationId xmlns:p14="http://schemas.microsoft.com/office/powerpoint/2010/main" val="1329631306"/>
+      </p:ext>
+    </p:extLst>
+  </p:cSld>
+  <p:clrMapOvr>
+    <a:masterClrMapping/>
+  </p:clrMapOvr>
+  <p:timing>
+    <p:tnLst>
+      <p:par>
+        <p:cTn id="1" dur="indefinite" restart="never" nodeType="tmRoot"/>
+      </p:par>
+    </p:tnLst>
+  </p:timing>
+</p:sld>
+</file>
+
+<file path=ppt/slides/slide17.xml><?xml version="1.0" encoding="utf-8"?>
+<p:sld xmlns:a="http://schemas.openxmlformats.org/drawingml/2006/main" xmlns:r="http://schemas.openxmlformats.org/officeDocument/2006/relationships" xmlns:p="http://schemas.openxmlformats.org/presentationml/2006/main">
+  <p:cSld>
+    <p:spTree>
+      <p:nvGrpSpPr>
+        <p:cNvPr id="1" name=""/>
+        <p:cNvGrpSpPr/>
+        <p:nvPr/>
+      </p:nvGrpSpPr>
+      <p:grpSpPr>
+        <a:xfrm>
+          <a:off x="0" y="0"/>
+          <a:ext cx="0" cy="0"/>
+          <a:chOff x="0" y="0"/>
+          <a:chExt cx="0" cy="0"/>
+        </a:xfrm>
+      </p:grpSpPr>
+      <p:sp>
+        <p:nvSpPr>
+          <p:cNvPr id="2" name="Прямоугольник 1"/>
+          <p:cNvSpPr/>
+          <p:nvPr/>
+        </p:nvSpPr>
+        <p:spPr>
+          <a:xfrm>
+            <a:off x="0" y="0"/>
+            <a:ext cx="12192000" cy="646331"/>
+          </a:xfrm>
+          <a:prstGeom prst="rect">
+            <a:avLst/>
+          </a:prstGeom>
+        </p:spPr>
+        <p:txBody>
+          <a:bodyPr wrap="square">
+            <a:spAutoFit/>
+          </a:bodyPr>
+          <a:lstStyle/>
+          <a:p>
+            <a:pPr algn="ctr"/>
+            <a:r>
+              <a:rPr lang="ru-RU" sz="3600" b="1" dirty="0" smtClean="0">
+                <a:latin typeface="Times New Roman" panose="02020603050405020304" pitchFamily="18" charset="0"/>
+                <a:cs typeface="Times New Roman" panose="02020603050405020304" pitchFamily="18" charset="0"/>
+              </a:rPr>
+              <a:t>Результаты тестирования разработанной системы</a:t>
+            </a:r>
+            <a:endParaRPr lang="ru-RU" sz="3600" b="1" dirty="0">
+              <a:latin typeface="Times New Roman" panose="02020603050405020304" pitchFamily="18" charset="0"/>
+              <a:cs typeface="Times New Roman" panose="02020603050405020304" pitchFamily="18" charset="0"/>
+            </a:endParaRPr>
+          </a:p>
+        </p:txBody>
+      </p:sp>
+      <p:sp>
+        <p:nvSpPr>
+          <p:cNvPr id="4" name="TextBox 3"/>
+          <p:cNvSpPr txBox="1"/>
+          <p:nvPr/>
+        </p:nvSpPr>
+        <p:spPr>
+          <a:xfrm>
+            <a:off x="0" y="6488668"/>
+            <a:ext cx="849086" cy="369332"/>
+          </a:xfrm>
+          <a:prstGeom prst="rect">
+            <a:avLst/>
+          </a:prstGeom>
+          <a:noFill/>
+        </p:spPr>
+        <p:txBody>
+          <a:bodyPr wrap="square" rtlCol="0">
+            <a:spAutoFit/>
+          </a:bodyPr>
+          <a:lstStyle/>
+          <a:p>
+            <a:r>
+              <a:rPr lang="ru-RU" dirty="0" smtClean="0">
+                <a:latin typeface="Times New Roman" panose="02020603050405020304" pitchFamily="18" charset="0"/>
+                <a:cs typeface="Times New Roman" panose="02020603050405020304" pitchFamily="18" charset="0"/>
+              </a:rPr>
+              <a:t>17</a:t>
+            </a:r>
+            <a:r>
+              <a:rPr lang="en-US" dirty="0" smtClean="0">
+                <a:latin typeface="Times New Roman" panose="02020603050405020304" pitchFamily="18" charset="0"/>
+                <a:cs typeface="Times New Roman" panose="02020603050405020304" pitchFamily="18" charset="0"/>
+              </a:rPr>
+              <a:t>/</a:t>
+            </a:r>
+            <a:r>
+              <a:rPr lang="ru-RU" dirty="0" smtClean="0">
+                <a:latin typeface="Times New Roman" panose="02020603050405020304" pitchFamily="18" charset="0"/>
+                <a:cs typeface="Times New Roman" panose="02020603050405020304" pitchFamily="18" charset="0"/>
+              </a:rPr>
+              <a:t>19</a:t>
+            </a:r>
+            <a:endParaRPr lang="ru-RU" dirty="0">
+              <a:latin typeface="Times New Roman" panose="02020603050405020304" pitchFamily="18" charset="0"/>
+              <a:cs typeface="Times New Roman" panose="02020603050405020304" pitchFamily="18" charset="0"/>
+            </a:endParaRPr>
+          </a:p>
+        </p:txBody>
+      </p:sp>
+      <p:graphicFrame>
+        <p:nvGraphicFramePr>
+          <p:cNvPr id="3" name="Таблица 2"/>
+          <p:cNvGraphicFramePr>
+            <a:graphicFrameLocks noGrp="1"/>
+          </p:cNvGraphicFramePr>
+          <p:nvPr>
+            <p:extLst>
+              <p:ext uri="{D42A27DB-BD31-4B8C-83A1-F6EECF244321}">
+                <p14:modId xmlns:p14="http://schemas.microsoft.com/office/powerpoint/2010/main" val="1897072722"/>
+              </p:ext>
+            </p:extLst>
+          </p:nvPr>
+        </p:nvGraphicFramePr>
+        <p:xfrm>
+          <a:off x="359228" y="719667"/>
+          <a:ext cx="11462656" cy="4980819"/>
+        </p:xfrm>
+        <a:graphic>
+          <a:graphicData uri="http://schemas.openxmlformats.org/drawingml/2006/table">
+            <a:tbl>
+              <a:tblPr firstRow="1" bandRow="1">
+                <a:tableStyleId>{5C22544A-7EE6-4342-B048-85BDC9FD1C3A}</a:tableStyleId>
+              </a:tblPr>
+              <a:tblGrid>
+                <a:gridCol w="2351315">
+                  <a:extLst>
+                    <a:ext uri="{9D8B030D-6E8A-4147-A177-3AD203B41FA5}">
+                      <a16:colId xmlns:a16="http://schemas.microsoft.com/office/drawing/2014/main" xmlns="" val="3088697844"/>
+                    </a:ext>
+                  </a:extLst>
+                </a:gridCol>
+                <a:gridCol w="2302328">
+                  <a:extLst>
+                    <a:ext uri="{9D8B030D-6E8A-4147-A177-3AD203B41FA5}">
+                      <a16:colId xmlns:a16="http://schemas.microsoft.com/office/drawing/2014/main" xmlns="" val="1957496649"/>
+                    </a:ext>
+                  </a:extLst>
+                </a:gridCol>
+                <a:gridCol w="3151415">
+                  <a:extLst>
+                    <a:ext uri="{9D8B030D-6E8A-4147-A177-3AD203B41FA5}">
+                      <a16:colId xmlns:a16="http://schemas.microsoft.com/office/drawing/2014/main" xmlns="" val="2797154967"/>
+                    </a:ext>
+                  </a:extLst>
+                </a:gridCol>
+                <a:gridCol w="3657598">
+                  <a:extLst>
+                    <a:ext uri="{9D8B030D-6E8A-4147-A177-3AD203B41FA5}">
+                      <a16:colId xmlns:a16="http://schemas.microsoft.com/office/drawing/2014/main" xmlns="" val="3638698025"/>
+                    </a:ext>
+                  </a:extLst>
+                </a:gridCol>
+              </a:tblGrid>
+              <a:tr h="1438363">
+                <a:tc>
+                  <a:txBody>
+                    <a:bodyPr/>
+                    <a:lstStyle/>
+                    <a:p>
+                      <a:pPr algn="ctr"/>
+                      <a:r>
+                        <a:rPr lang="ru-RU" sz="2400" dirty="0" smtClean="0">
+                          <a:latin typeface="Times New Roman" panose="02020603050405020304" pitchFamily="18" charset="0"/>
+                          <a:cs typeface="Times New Roman" panose="02020603050405020304" pitchFamily="18" charset="0"/>
+                        </a:rPr>
+                        <a:t>Название</a:t>
+                      </a:r>
+                      <a:r>
+                        <a:rPr lang="ru-RU" sz="2400" baseline="0" dirty="0" smtClean="0">
+                          <a:latin typeface="Times New Roman" panose="02020603050405020304" pitchFamily="18" charset="0"/>
+                          <a:cs typeface="Times New Roman" panose="02020603050405020304" pitchFamily="18" charset="0"/>
+                        </a:rPr>
+                        <a:t> файла</a:t>
+                      </a:r>
+                      <a:endParaRPr lang="ru-RU" sz="2400" dirty="0">
+                        <a:latin typeface="Times New Roman" panose="02020603050405020304" pitchFamily="18" charset="0"/>
+                        <a:cs typeface="Times New Roman" panose="02020603050405020304" pitchFamily="18" charset="0"/>
+                      </a:endParaRPr>
+                    </a:p>
+                  </a:txBody>
+                  <a:tcPr anchor="ctr"/>
+                </a:tc>
+                <a:tc>
+                  <a:txBody>
+                    <a:bodyPr/>
+                    <a:lstStyle/>
+                    <a:p>
+                      <a:pPr algn="ctr"/>
+                      <a:r>
+                        <a:rPr lang="ru-RU" sz="2400" dirty="0" smtClean="0">
+                          <a:latin typeface="Times New Roman" panose="02020603050405020304" pitchFamily="18" charset="0"/>
+                          <a:cs typeface="Times New Roman" panose="02020603050405020304" pitchFamily="18" charset="0"/>
+                        </a:rPr>
+                        <a:t>Число на маркировке на изображении</a:t>
+                      </a:r>
+                      <a:endParaRPr lang="ru-RU" sz="2400" dirty="0">
+                        <a:latin typeface="Times New Roman" panose="02020603050405020304" pitchFamily="18" charset="0"/>
+                        <a:cs typeface="Times New Roman" panose="02020603050405020304" pitchFamily="18" charset="0"/>
+                      </a:endParaRPr>
+                    </a:p>
+                  </a:txBody>
+                  <a:tcPr anchor="ctr"/>
+                </a:tc>
+                <a:tc>
+                  <a:txBody>
+                    <a:bodyPr/>
+                    <a:lstStyle/>
+                    <a:p>
+                      <a:pPr algn="ctr"/>
+                      <a:r>
+                        <a:rPr lang="ru-RU" sz="2400" dirty="0" smtClean="0">
+                          <a:latin typeface="Times New Roman" panose="02020603050405020304" pitchFamily="18" charset="0"/>
+                          <a:cs typeface="Times New Roman" panose="02020603050405020304" pitchFamily="18" charset="0"/>
+                        </a:rPr>
+                        <a:t>Результат</a:t>
+                      </a:r>
+                      <a:r>
+                        <a:rPr lang="ru-RU" sz="2400" baseline="0" dirty="0" smtClean="0">
+                          <a:latin typeface="Times New Roman" panose="02020603050405020304" pitchFamily="18" charset="0"/>
+                          <a:cs typeface="Times New Roman" panose="02020603050405020304" pitchFamily="18" charset="0"/>
+                        </a:rPr>
+                        <a:t> распознавания на </a:t>
+                      </a:r>
+                      <a:r>
+                        <a:rPr lang="ru-RU" sz="2400" baseline="0" dirty="0" err="1" smtClean="0">
+                          <a:latin typeface="Times New Roman" panose="02020603050405020304" pitchFamily="18" charset="0"/>
+                          <a:cs typeface="Times New Roman" panose="02020603050405020304" pitchFamily="18" charset="0"/>
+                        </a:rPr>
+                        <a:t>непредобработанном</a:t>
+                      </a:r>
+                      <a:r>
+                        <a:rPr lang="ru-RU" sz="2400" baseline="0" dirty="0" smtClean="0">
+                          <a:latin typeface="Times New Roman" panose="02020603050405020304" pitchFamily="18" charset="0"/>
+                          <a:cs typeface="Times New Roman" panose="02020603050405020304" pitchFamily="18" charset="0"/>
+                        </a:rPr>
+                        <a:t> изображении</a:t>
+                      </a:r>
+                      <a:endParaRPr lang="ru-RU" sz="2400" dirty="0">
+                        <a:latin typeface="Times New Roman" panose="02020603050405020304" pitchFamily="18" charset="0"/>
+                        <a:cs typeface="Times New Roman" panose="02020603050405020304" pitchFamily="18" charset="0"/>
+                      </a:endParaRPr>
+                    </a:p>
+                  </a:txBody>
+                  <a:tcPr anchor="ctr"/>
+                </a:tc>
+                <a:tc>
+                  <a:txBody>
+                    <a:bodyPr/>
+                    <a:lstStyle/>
+                    <a:p>
+                      <a:pPr marL="0" marR="0" indent="0" algn="ctr" defTabSz="914400" rtl="0" eaLnBrk="1" fontAlgn="auto" latinLnBrk="0" hangingPunct="1">
+                        <a:lnSpc>
+                          <a:spcPct val="100000"/>
+                        </a:lnSpc>
+                        <a:spcBef>
+                          <a:spcPts val="0"/>
+                        </a:spcBef>
+                        <a:spcAft>
+                          <a:spcPts val="0"/>
+                        </a:spcAft>
+                        <a:buClrTx/>
+                        <a:buSzTx/>
+                        <a:buFontTx/>
+                        <a:buNone/>
+                        <a:tabLst/>
+                        <a:defRPr/>
+                      </a:pPr>
+                      <a:r>
+                        <a:rPr lang="ru-RU" sz="2400" dirty="0" smtClean="0">
+                          <a:latin typeface="Times New Roman" panose="02020603050405020304" pitchFamily="18" charset="0"/>
+                          <a:cs typeface="Times New Roman" panose="02020603050405020304" pitchFamily="18" charset="0"/>
+                        </a:rPr>
+                        <a:t>Результат</a:t>
+                      </a:r>
+                      <a:r>
+                        <a:rPr lang="ru-RU" sz="2400" baseline="0" dirty="0" smtClean="0">
+                          <a:latin typeface="Times New Roman" panose="02020603050405020304" pitchFamily="18" charset="0"/>
+                          <a:cs typeface="Times New Roman" panose="02020603050405020304" pitchFamily="18" charset="0"/>
+                        </a:rPr>
+                        <a:t> распознавания на </a:t>
+                      </a:r>
+                      <a:r>
+                        <a:rPr lang="ru-RU" sz="2400" baseline="0" dirty="0" err="1" smtClean="0">
+                          <a:latin typeface="Times New Roman" panose="02020603050405020304" pitchFamily="18" charset="0"/>
+                          <a:cs typeface="Times New Roman" panose="02020603050405020304" pitchFamily="18" charset="0"/>
+                        </a:rPr>
+                        <a:t>предобработанном</a:t>
+                      </a:r>
+                      <a:r>
+                        <a:rPr lang="ru-RU" sz="2400" baseline="0" dirty="0" smtClean="0">
+                          <a:latin typeface="Times New Roman" panose="02020603050405020304" pitchFamily="18" charset="0"/>
+                          <a:cs typeface="Times New Roman" panose="02020603050405020304" pitchFamily="18" charset="0"/>
+                        </a:rPr>
+                        <a:t> изображении</a:t>
+                      </a:r>
+                      <a:endParaRPr lang="ru-RU" sz="2400" dirty="0" smtClean="0">
+                        <a:latin typeface="Times New Roman" panose="02020603050405020304" pitchFamily="18" charset="0"/>
+                        <a:cs typeface="Times New Roman" panose="02020603050405020304" pitchFamily="18" charset="0"/>
+                      </a:endParaRPr>
+                    </a:p>
+                  </a:txBody>
+                  <a:tcPr anchor="ctr"/>
+                </a:tc>
+                <a:extLst>
+                  <a:ext uri="{0D108BD9-81ED-4DB2-BD59-A6C34878D82A}">
+                    <a16:rowId xmlns:a16="http://schemas.microsoft.com/office/drawing/2014/main" xmlns="" val="1581581823"/>
+                  </a:ext>
+                </a:extLst>
+              </a:tr>
+              <a:tr h="489477">
+                <a:tc>
+                  <a:txBody>
+                    <a:bodyPr/>
+                    <a:lstStyle/>
+                    <a:p>
+                      <a:pPr algn="just">
+                        <a:spcAft>
+                          <a:spcPts val="0"/>
+                        </a:spcAft>
+                      </a:pPr>
+                      <a:r>
+                        <a:rPr lang="ru-RU" sz="2800" dirty="0">
+                          <a:effectLst/>
+                          <a:latin typeface="Times New Roman" panose="02020603050405020304" pitchFamily="18" charset="0"/>
+                          <a:ea typeface="Times New Roman" panose="02020603050405020304" pitchFamily="18" charset="0"/>
+                          <a:cs typeface="Times New Roman" panose="02020603050405020304" pitchFamily="18" charset="0"/>
+                        </a:rPr>
+                        <a:t>0000f269f</a:t>
+                      </a:r>
+                      <a:r>
+                        <a:rPr lang="en-US" sz="2800" dirty="0">
+                          <a:effectLst/>
+                          <a:latin typeface="Times New Roman" panose="02020603050405020304" pitchFamily="18" charset="0"/>
+                          <a:ea typeface="Times New Roman" panose="02020603050405020304" pitchFamily="18" charset="0"/>
+                          <a:cs typeface="Times New Roman" panose="02020603050405020304" pitchFamily="18" charset="0"/>
+                        </a:rPr>
+                        <a:t>.jpg</a:t>
+                      </a:r>
+                      <a:endParaRPr lang="ru-RU" sz="2800" dirty="0">
+                        <a:effectLst/>
+                        <a:latin typeface="Times New Roman" panose="02020603050405020304" pitchFamily="18" charset="0"/>
+                        <a:ea typeface="Times New Roman" panose="02020603050405020304" pitchFamily="18" charset="0"/>
+                        <a:cs typeface="Times New Roman" panose="02020603050405020304" pitchFamily="18" charset="0"/>
+                      </a:endParaRPr>
+                    </a:p>
+                  </a:txBody>
+                  <a:tcPr marL="68580" marR="68580" marT="0" marB="0"/>
+                </a:tc>
+                <a:tc>
+                  <a:txBody>
+                    <a:bodyPr/>
+                    <a:lstStyle/>
+                    <a:p>
+                      <a:pPr algn="ctr">
+                        <a:spcAft>
+                          <a:spcPts val="0"/>
+                        </a:spcAft>
+                      </a:pPr>
+                      <a:r>
+                        <a:rPr lang="en-US" sz="2800" dirty="0">
+                          <a:effectLst/>
+                          <a:latin typeface="Times New Roman" panose="02020603050405020304" pitchFamily="18" charset="0"/>
+                          <a:ea typeface="Times New Roman" panose="02020603050405020304" pitchFamily="18" charset="0"/>
+                          <a:cs typeface="Times New Roman" panose="02020603050405020304" pitchFamily="18" charset="0"/>
+                        </a:rPr>
+                        <a:t>605880</a:t>
+                      </a:r>
+                      <a:endParaRPr lang="ru-RU" sz="2800" dirty="0">
+                        <a:effectLst/>
+                        <a:latin typeface="Times New Roman" panose="02020603050405020304" pitchFamily="18" charset="0"/>
+                        <a:ea typeface="Times New Roman" panose="02020603050405020304" pitchFamily="18" charset="0"/>
+                        <a:cs typeface="Times New Roman" panose="02020603050405020304" pitchFamily="18" charset="0"/>
+                      </a:endParaRPr>
+                    </a:p>
+                  </a:txBody>
+                  <a:tcPr marL="68580" marR="68580" marT="0" marB="0"/>
+                </a:tc>
+                <a:tc>
+                  <a:txBody>
+                    <a:bodyPr/>
+                    <a:lstStyle/>
+                    <a:p>
+                      <a:pPr algn="ctr">
+                        <a:spcAft>
+                          <a:spcPts val="0"/>
+                        </a:spcAft>
+                      </a:pPr>
+                      <a:r>
+                        <a:rPr lang="ru-RU" sz="2800" dirty="0" smtClean="0">
+                          <a:effectLst/>
+                          <a:latin typeface="Times New Roman" panose="02020603050405020304" pitchFamily="18" charset="0"/>
+                          <a:ea typeface="Times New Roman" panose="02020603050405020304" pitchFamily="18" charset="0"/>
+                          <a:cs typeface="Times New Roman" panose="02020603050405020304" pitchFamily="18" charset="0"/>
+                        </a:rPr>
+                        <a:t>605880 </a:t>
+                      </a:r>
+                      <a:r>
+                        <a:rPr lang="ru-RU" sz="2800" b="1" dirty="0" smtClean="0">
+                          <a:effectLst/>
+                          <a:latin typeface="Times New Roman" panose="02020603050405020304" pitchFamily="18" charset="0"/>
+                          <a:ea typeface="Times New Roman" panose="02020603050405020304" pitchFamily="18" charset="0"/>
+                          <a:cs typeface="Times New Roman" panose="02020603050405020304" pitchFamily="18" charset="0"/>
+                        </a:rPr>
+                        <a:t>(100%)</a:t>
+                      </a:r>
+                      <a:endParaRPr lang="ru-RU" sz="2800" b="1" dirty="0">
+                        <a:effectLst/>
+                        <a:latin typeface="Times New Roman" panose="02020603050405020304" pitchFamily="18" charset="0"/>
+                        <a:ea typeface="Times New Roman" panose="02020603050405020304" pitchFamily="18" charset="0"/>
+                        <a:cs typeface="Times New Roman" panose="02020603050405020304" pitchFamily="18" charset="0"/>
+                      </a:endParaRPr>
+                    </a:p>
+                  </a:txBody>
+                  <a:tcPr marL="68580" marR="68580" marT="0" marB="0"/>
+                </a:tc>
+                <a:tc>
+                  <a:txBody>
+                    <a:bodyPr/>
+                    <a:lstStyle/>
+                    <a:p>
+                      <a:pPr algn="ctr">
+                        <a:spcAft>
+                          <a:spcPts val="0"/>
+                        </a:spcAft>
+                      </a:pPr>
+                      <a:r>
+                        <a:rPr lang="ru-RU" sz="2800" dirty="0">
+                          <a:effectLst/>
+                          <a:latin typeface="Times New Roman" panose="02020603050405020304" pitchFamily="18" charset="0"/>
+                          <a:ea typeface="Times New Roman" panose="02020603050405020304" pitchFamily="18" charset="0"/>
+                          <a:cs typeface="Times New Roman" panose="02020603050405020304" pitchFamily="18" charset="0"/>
+                        </a:rPr>
+                        <a:t>3*-4*-</a:t>
+                      </a:r>
+                      <a:r>
+                        <a:rPr lang="ru-RU" sz="2800" dirty="0" smtClean="0">
+                          <a:effectLst/>
+                          <a:latin typeface="Times New Roman" panose="02020603050405020304" pitchFamily="18" charset="0"/>
+                          <a:ea typeface="Times New Roman" panose="02020603050405020304" pitchFamily="18" charset="0"/>
+                          <a:cs typeface="Times New Roman" panose="02020603050405020304" pitchFamily="18" charset="0"/>
+                        </a:rPr>
+                        <a:t>80*0 </a:t>
+                      </a:r>
+                      <a:r>
+                        <a:rPr lang="ru-RU" sz="2800" b="1" dirty="0" smtClean="0">
+                          <a:effectLst/>
+                          <a:latin typeface="Times New Roman" panose="02020603050405020304" pitchFamily="18" charset="0"/>
+                          <a:ea typeface="Times New Roman" panose="02020603050405020304" pitchFamily="18" charset="0"/>
+                          <a:cs typeface="Times New Roman" panose="02020603050405020304" pitchFamily="18" charset="0"/>
+                        </a:rPr>
+                        <a:t>(33,33%)</a:t>
+                      </a:r>
+                      <a:endParaRPr lang="ru-RU" sz="2800" b="1" dirty="0">
+                        <a:effectLst/>
+                        <a:latin typeface="Times New Roman" panose="02020603050405020304" pitchFamily="18" charset="0"/>
+                        <a:ea typeface="Times New Roman" panose="02020603050405020304" pitchFamily="18" charset="0"/>
+                        <a:cs typeface="Times New Roman" panose="02020603050405020304" pitchFamily="18" charset="0"/>
+                      </a:endParaRPr>
+                    </a:p>
+                  </a:txBody>
+                  <a:tcPr marL="68580" marR="68580" marT="0" marB="0"/>
+                </a:tc>
+                <a:extLst>
+                  <a:ext uri="{0D108BD9-81ED-4DB2-BD59-A6C34878D82A}">
+                    <a16:rowId xmlns:a16="http://schemas.microsoft.com/office/drawing/2014/main" xmlns="" val="3494892760"/>
+                  </a:ext>
+                </a:extLst>
+              </a:tr>
+              <a:tr h="489477">
+                <a:tc>
+                  <a:txBody>
+                    <a:bodyPr/>
+                    <a:lstStyle/>
+                    <a:p>
+                      <a:pPr algn="just">
+                        <a:spcAft>
+                          <a:spcPts val="0"/>
+                        </a:spcAft>
+                      </a:pPr>
+                      <a:r>
+                        <a:rPr lang="ru-RU" sz="2800" dirty="0">
+                          <a:effectLst/>
+                          <a:latin typeface="Times New Roman" panose="02020603050405020304" pitchFamily="18" charset="0"/>
+                          <a:ea typeface="Times New Roman" panose="02020603050405020304" pitchFamily="18" charset="0"/>
+                          <a:cs typeface="Times New Roman" panose="02020603050405020304" pitchFamily="18" charset="0"/>
+                        </a:rPr>
+                        <a:t>000a4bcdd.jpg</a:t>
+                      </a:r>
+                    </a:p>
+                  </a:txBody>
+                  <a:tcPr marL="68580" marR="68580" marT="0" marB="0"/>
+                </a:tc>
+                <a:tc>
+                  <a:txBody>
+                    <a:bodyPr/>
+                    <a:lstStyle/>
+                    <a:p>
+                      <a:pPr algn="ctr">
+                        <a:spcAft>
+                          <a:spcPts val="0"/>
+                        </a:spcAft>
+                      </a:pPr>
+                      <a:r>
+                        <a:rPr lang="en-US" sz="2800" dirty="0">
+                          <a:effectLst/>
+                          <a:latin typeface="Times New Roman" panose="02020603050405020304" pitchFamily="18" charset="0"/>
+                          <a:ea typeface="Times New Roman" panose="02020603050405020304" pitchFamily="18" charset="0"/>
+                          <a:cs typeface="Times New Roman" panose="02020603050405020304" pitchFamily="18" charset="0"/>
+                        </a:rPr>
+                        <a:t>827</a:t>
+                      </a:r>
+                      <a:endParaRPr lang="ru-RU" sz="2800" dirty="0">
+                        <a:effectLst/>
+                        <a:latin typeface="Times New Roman" panose="02020603050405020304" pitchFamily="18" charset="0"/>
+                        <a:ea typeface="Times New Roman" panose="02020603050405020304" pitchFamily="18" charset="0"/>
+                        <a:cs typeface="Times New Roman" panose="02020603050405020304" pitchFamily="18" charset="0"/>
+                      </a:endParaRPr>
+                    </a:p>
+                  </a:txBody>
+                  <a:tcPr marL="68580" marR="68580" marT="0" marB="0"/>
+                </a:tc>
+                <a:tc>
+                  <a:txBody>
+                    <a:bodyPr/>
+                    <a:lstStyle/>
+                    <a:p>
+                      <a:pPr algn="ctr">
+                        <a:spcAft>
+                          <a:spcPts val="0"/>
+                        </a:spcAft>
+                      </a:pPr>
+                      <a:r>
+                        <a:rPr lang="ru-RU" sz="2800" dirty="0" smtClean="0">
+                          <a:effectLst/>
+                          <a:latin typeface="Times New Roman" panose="02020603050405020304" pitchFamily="18" charset="0"/>
+                          <a:ea typeface="Times New Roman" panose="02020603050405020304" pitchFamily="18" charset="0"/>
+                          <a:cs typeface="Times New Roman" panose="02020603050405020304" pitchFamily="18" charset="0"/>
+                        </a:rPr>
+                        <a:t>827 </a:t>
+                      </a:r>
+                      <a:r>
+                        <a:rPr lang="ru-RU" sz="2800" b="1" dirty="0" smtClean="0">
+                          <a:effectLst/>
+                          <a:latin typeface="Times New Roman" panose="02020603050405020304" pitchFamily="18" charset="0"/>
+                          <a:ea typeface="Times New Roman" panose="02020603050405020304" pitchFamily="18" charset="0"/>
+                          <a:cs typeface="Times New Roman" panose="02020603050405020304" pitchFamily="18" charset="0"/>
+                        </a:rPr>
+                        <a:t>(100%)</a:t>
+                      </a:r>
+                      <a:endParaRPr lang="ru-RU" sz="2800" b="1" dirty="0">
+                        <a:effectLst/>
+                        <a:latin typeface="Times New Roman" panose="02020603050405020304" pitchFamily="18" charset="0"/>
+                        <a:ea typeface="Times New Roman" panose="02020603050405020304" pitchFamily="18" charset="0"/>
+                        <a:cs typeface="Times New Roman" panose="02020603050405020304" pitchFamily="18" charset="0"/>
+                      </a:endParaRPr>
+                    </a:p>
+                  </a:txBody>
+                  <a:tcPr marL="68580" marR="68580" marT="0" marB="0"/>
+                </a:tc>
+                <a:tc>
+                  <a:txBody>
+                    <a:bodyPr/>
+                    <a:lstStyle/>
+                    <a:p>
+                      <a:pPr algn="ctr">
+                        <a:spcAft>
+                          <a:spcPts val="0"/>
+                        </a:spcAft>
+                      </a:pPr>
+                      <a:r>
+                        <a:rPr lang="ru-RU" sz="2800" dirty="0">
+                          <a:effectLst/>
+                          <a:latin typeface="Times New Roman" panose="02020603050405020304" pitchFamily="18" charset="0"/>
+                          <a:ea typeface="Times New Roman" panose="02020603050405020304" pitchFamily="18" charset="0"/>
+                          <a:cs typeface="Times New Roman" panose="02020603050405020304" pitchFamily="18" charset="0"/>
+                        </a:rPr>
+                        <a:t>-</a:t>
+                      </a:r>
+                      <a:r>
+                        <a:rPr lang="ru-RU" sz="2800" dirty="0" smtClean="0">
+                          <a:effectLst/>
+                          <a:latin typeface="Times New Roman" panose="02020603050405020304" pitchFamily="18" charset="0"/>
+                          <a:ea typeface="Times New Roman" panose="02020603050405020304" pitchFamily="18" charset="0"/>
+                          <a:cs typeface="Times New Roman" panose="02020603050405020304" pitchFamily="18" charset="0"/>
+                        </a:rPr>
+                        <a:t>2- </a:t>
+                      </a:r>
+                      <a:r>
+                        <a:rPr lang="ru-RU" sz="2800" b="1" dirty="0" smtClean="0">
+                          <a:effectLst/>
+                          <a:latin typeface="Times New Roman" panose="02020603050405020304" pitchFamily="18" charset="0"/>
+                          <a:ea typeface="Times New Roman" panose="02020603050405020304" pitchFamily="18" charset="0"/>
+                          <a:cs typeface="Times New Roman" panose="02020603050405020304" pitchFamily="18" charset="0"/>
+                        </a:rPr>
+                        <a:t>(33,33%)</a:t>
+                      </a:r>
+                      <a:endParaRPr lang="ru-RU" sz="2800" b="1" dirty="0">
+                        <a:effectLst/>
+                        <a:latin typeface="Times New Roman" panose="02020603050405020304" pitchFamily="18" charset="0"/>
+                        <a:ea typeface="Times New Roman" panose="02020603050405020304" pitchFamily="18" charset="0"/>
+                        <a:cs typeface="Times New Roman" panose="02020603050405020304" pitchFamily="18" charset="0"/>
+                      </a:endParaRPr>
+                    </a:p>
+                  </a:txBody>
+                  <a:tcPr marL="68580" marR="68580" marT="0" marB="0"/>
+                </a:tc>
+                <a:extLst>
+                  <a:ext uri="{0D108BD9-81ED-4DB2-BD59-A6C34878D82A}">
+                    <a16:rowId xmlns:a16="http://schemas.microsoft.com/office/drawing/2014/main" xmlns="" val="3244914508"/>
+                  </a:ext>
+                </a:extLst>
+              </a:tr>
+              <a:tr h="489477">
+                <a:tc>
+                  <a:txBody>
+                    <a:bodyPr/>
+                    <a:lstStyle/>
+                    <a:p>
+                      <a:pPr algn="just">
+                        <a:spcAft>
+                          <a:spcPts val="0"/>
+                        </a:spcAft>
+                      </a:pPr>
+                      <a:r>
+                        <a:rPr lang="ru-RU" sz="2800">
+                          <a:effectLst/>
+                          <a:latin typeface="Times New Roman" panose="02020603050405020304" pitchFamily="18" charset="0"/>
+                          <a:ea typeface="Times New Roman" panose="02020603050405020304" pitchFamily="18" charset="0"/>
+                          <a:cs typeface="Times New Roman" panose="02020603050405020304" pitchFamily="18" charset="0"/>
+                        </a:rPr>
+                        <a:t>000f6bf48.jpg</a:t>
+                      </a:r>
+                    </a:p>
+                  </a:txBody>
+                  <a:tcPr marL="68580" marR="68580" marT="0" marB="0"/>
+                </a:tc>
+                <a:tc>
+                  <a:txBody>
+                    <a:bodyPr/>
+                    <a:lstStyle/>
+                    <a:p>
+                      <a:pPr algn="ctr">
+                        <a:spcAft>
+                          <a:spcPts val="0"/>
+                        </a:spcAft>
+                      </a:pPr>
+                      <a:r>
+                        <a:rPr lang="en-US" sz="2800" dirty="0">
+                          <a:effectLst/>
+                          <a:latin typeface="Times New Roman" panose="02020603050405020304" pitchFamily="18" charset="0"/>
+                          <a:ea typeface="Times New Roman" panose="02020603050405020304" pitchFamily="18" charset="0"/>
+                          <a:cs typeface="Times New Roman" panose="02020603050405020304" pitchFamily="18" charset="0"/>
+                        </a:rPr>
+                        <a:t>08397935</a:t>
+                      </a:r>
+                      <a:endParaRPr lang="ru-RU" sz="2800" dirty="0">
+                        <a:effectLst/>
+                        <a:latin typeface="Times New Roman" panose="02020603050405020304" pitchFamily="18" charset="0"/>
+                        <a:ea typeface="Times New Roman" panose="02020603050405020304" pitchFamily="18" charset="0"/>
+                        <a:cs typeface="Times New Roman" panose="02020603050405020304" pitchFamily="18" charset="0"/>
+                      </a:endParaRPr>
+                    </a:p>
+                  </a:txBody>
+                  <a:tcPr marL="68580" marR="68580" marT="0" marB="0"/>
+                </a:tc>
+                <a:tc>
+                  <a:txBody>
+                    <a:bodyPr/>
+                    <a:lstStyle/>
+                    <a:p>
+                      <a:pPr marL="0" marR="0" indent="0" algn="ctr" defTabSz="914400" rtl="0" eaLnBrk="1" fontAlgn="auto" latinLnBrk="0" hangingPunct="1">
+                        <a:lnSpc>
+                          <a:spcPct val="100000"/>
+                        </a:lnSpc>
+                        <a:spcBef>
+                          <a:spcPts val="0"/>
+                        </a:spcBef>
+                        <a:spcAft>
+                          <a:spcPts val="0"/>
+                        </a:spcAft>
+                        <a:buClrTx/>
+                        <a:buSzTx/>
+                        <a:buFontTx/>
+                        <a:buNone/>
+                        <a:tabLst/>
+                        <a:defRPr/>
+                      </a:pPr>
+                      <a:r>
+                        <a:rPr lang="ru-RU" sz="2800" dirty="0" smtClean="0">
+                          <a:effectLst/>
+                          <a:latin typeface="Times New Roman" panose="02020603050405020304" pitchFamily="18" charset="0"/>
+                          <a:ea typeface="Times New Roman" panose="02020603050405020304" pitchFamily="18" charset="0"/>
+                          <a:cs typeface="Times New Roman" panose="02020603050405020304" pitchFamily="18" charset="0"/>
+                        </a:rPr>
+                        <a:t>08397935 </a:t>
+                      </a:r>
+                      <a:r>
+                        <a:rPr lang="ru-RU" sz="2800" b="1" dirty="0" smtClean="0">
+                          <a:effectLst/>
+                          <a:latin typeface="Times New Roman" panose="02020603050405020304" pitchFamily="18" charset="0"/>
+                          <a:ea typeface="Times New Roman" panose="02020603050405020304" pitchFamily="18" charset="0"/>
+                          <a:cs typeface="Times New Roman" panose="02020603050405020304" pitchFamily="18" charset="0"/>
+                        </a:rPr>
+                        <a:t>(100%)</a:t>
+                      </a:r>
+                    </a:p>
+                  </a:txBody>
+                  <a:tcPr marL="68580" marR="68580" marT="0" marB="0"/>
+                </a:tc>
+                <a:tc>
+                  <a:txBody>
+                    <a:bodyPr/>
+                    <a:lstStyle/>
+                    <a:p>
+                      <a:pPr algn="ctr">
+                        <a:spcAft>
+                          <a:spcPts val="0"/>
+                        </a:spcAft>
+                      </a:pPr>
+                      <a:r>
+                        <a:rPr lang="ru-RU" sz="2800" dirty="0">
+                          <a:effectLst/>
+                          <a:latin typeface="Times New Roman" panose="02020603050405020304" pitchFamily="18" charset="0"/>
+                          <a:ea typeface="Times New Roman" panose="02020603050405020304" pitchFamily="18" charset="0"/>
+                          <a:cs typeface="Times New Roman" panose="02020603050405020304" pitchFamily="18" charset="0"/>
+                        </a:rPr>
+                        <a:t>0---</a:t>
+                      </a:r>
+                      <a:r>
+                        <a:rPr lang="ru-RU" sz="2800" dirty="0" smtClean="0">
+                          <a:effectLst/>
+                          <a:latin typeface="Times New Roman" panose="02020603050405020304" pitchFamily="18" charset="0"/>
+                          <a:ea typeface="Times New Roman" panose="02020603050405020304" pitchFamily="18" charset="0"/>
+                          <a:cs typeface="Times New Roman" panose="02020603050405020304" pitchFamily="18" charset="0"/>
+                        </a:rPr>
+                        <a:t>76*35 </a:t>
+                      </a:r>
+                      <a:r>
+                        <a:rPr lang="ru-RU" sz="2800" b="1" dirty="0" smtClean="0">
+                          <a:effectLst/>
+                          <a:latin typeface="Times New Roman" panose="02020603050405020304" pitchFamily="18" charset="0"/>
+                          <a:ea typeface="Times New Roman" panose="02020603050405020304" pitchFamily="18" charset="0"/>
+                          <a:cs typeface="Times New Roman" panose="02020603050405020304" pitchFamily="18" charset="0"/>
+                        </a:rPr>
+                        <a:t>(50%)</a:t>
+                      </a:r>
+                      <a:endParaRPr lang="ru-RU" sz="2800" b="1" dirty="0">
+                        <a:effectLst/>
+                        <a:latin typeface="Times New Roman" panose="02020603050405020304" pitchFamily="18" charset="0"/>
+                        <a:ea typeface="Times New Roman" panose="02020603050405020304" pitchFamily="18" charset="0"/>
+                        <a:cs typeface="Times New Roman" panose="02020603050405020304" pitchFamily="18" charset="0"/>
+                      </a:endParaRPr>
+                    </a:p>
+                  </a:txBody>
+                  <a:tcPr marL="68580" marR="68580" marT="0" marB="0"/>
+                </a:tc>
+                <a:extLst>
+                  <a:ext uri="{0D108BD9-81ED-4DB2-BD59-A6C34878D82A}">
+                    <a16:rowId xmlns:a16="http://schemas.microsoft.com/office/drawing/2014/main" xmlns="" val="65875703"/>
+                  </a:ext>
+                </a:extLst>
+              </a:tr>
+              <a:tr h="489477">
+                <a:tc>
+                  <a:txBody>
+                    <a:bodyPr/>
+                    <a:lstStyle/>
+                    <a:p>
+                      <a:pPr algn="just">
+                        <a:spcAft>
+                          <a:spcPts val="0"/>
+                        </a:spcAft>
+                      </a:pPr>
+                      <a:r>
+                        <a:rPr lang="en-US" sz="2800">
+                          <a:effectLst/>
+                          <a:latin typeface="Times New Roman" panose="02020603050405020304" pitchFamily="18" charset="0"/>
+                          <a:ea typeface="Times New Roman" panose="02020603050405020304" pitchFamily="18" charset="0"/>
+                          <a:cs typeface="Times New Roman" panose="02020603050405020304" pitchFamily="18" charset="0"/>
+                        </a:rPr>
+                        <a:t>00a0b7730.jpg</a:t>
+                      </a:r>
+                      <a:endParaRPr lang="ru-RU" sz="2800">
+                        <a:effectLst/>
+                        <a:latin typeface="Times New Roman" panose="02020603050405020304" pitchFamily="18" charset="0"/>
+                        <a:ea typeface="Times New Roman" panose="02020603050405020304" pitchFamily="18" charset="0"/>
+                        <a:cs typeface="Times New Roman" panose="02020603050405020304" pitchFamily="18" charset="0"/>
+                      </a:endParaRPr>
+                    </a:p>
+                  </a:txBody>
+                  <a:tcPr marL="68580" marR="68580" marT="0" marB="0"/>
+                </a:tc>
+                <a:tc>
+                  <a:txBody>
+                    <a:bodyPr/>
+                    <a:lstStyle/>
+                    <a:p>
+                      <a:pPr algn="ctr">
+                        <a:spcAft>
+                          <a:spcPts val="0"/>
+                        </a:spcAft>
+                      </a:pPr>
+                      <a:r>
+                        <a:rPr lang="en-US" sz="2800">
+                          <a:effectLst/>
+                          <a:latin typeface="Times New Roman" panose="02020603050405020304" pitchFamily="18" charset="0"/>
+                          <a:ea typeface="Times New Roman" panose="02020603050405020304" pitchFamily="18" charset="0"/>
+                          <a:cs typeface="Times New Roman" panose="02020603050405020304" pitchFamily="18" charset="0"/>
+                        </a:rPr>
+                        <a:t>29844921</a:t>
+                      </a:r>
+                      <a:endParaRPr lang="ru-RU" sz="2800">
+                        <a:effectLst/>
+                        <a:latin typeface="Times New Roman" panose="02020603050405020304" pitchFamily="18" charset="0"/>
+                        <a:ea typeface="Times New Roman" panose="02020603050405020304" pitchFamily="18" charset="0"/>
+                        <a:cs typeface="Times New Roman" panose="02020603050405020304" pitchFamily="18" charset="0"/>
+                      </a:endParaRPr>
+                    </a:p>
+                  </a:txBody>
+                  <a:tcPr marL="68580" marR="68580" marT="0" marB="0"/>
+                </a:tc>
+                <a:tc>
+                  <a:txBody>
+                    <a:bodyPr/>
+                    <a:lstStyle/>
+                    <a:p>
+                      <a:pPr marL="0" marR="0" indent="0" algn="ctr" defTabSz="914400" rtl="0" eaLnBrk="1" fontAlgn="auto" latinLnBrk="0" hangingPunct="1">
+                        <a:lnSpc>
+                          <a:spcPct val="100000"/>
+                        </a:lnSpc>
+                        <a:spcBef>
+                          <a:spcPts val="0"/>
+                        </a:spcBef>
+                        <a:spcAft>
+                          <a:spcPts val="0"/>
+                        </a:spcAft>
+                        <a:buClrTx/>
+                        <a:buSzTx/>
+                        <a:buFontTx/>
+                        <a:buNone/>
+                        <a:tabLst/>
+                        <a:defRPr/>
+                      </a:pPr>
+                      <a:r>
+                        <a:rPr lang="ru-RU" sz="2800" dirty="0" smtClean="0">
+                          <a:effectLst/>
+                          <a:latin typeface="Times New Roman" panose="02020603050405020304" pitchFamily="18" charset="0"/>
+                          <a:ea typeface="Times New Roman" panose="02020603050405020304" pitchFamily="18" charset="0"/>
+                          <a:cs typeface="Times New Roman" panose="02020603050405020304" pitchFamily="18" charset="0"/>
+                        </a:rPr>
+                        <a:t>2984421 </a:t>
+                      </a:r>
+                      <a:r>
+                        <a:rPr lang="ru-RU" sz="2800" b="1" dirty="0" smtClean="0">
+                          <a:effectLst/>
+                          <a:latin typeface="Times New Roman" panose="02020603050405020304" pitchFamily="18" charset="0"/>
+                          <a:ea typeface="Times New Roman" panose="02020603050405020304" pitchFamily="18" charset="0"/>
+                          <a:cs typeface="Times New Roman" panose="02020603050405020304" pitchFamily="18" charset="0"/>
+                        </a:rPr>
+                        <a:t>(100%)</a:t>
+                      </a:r>
+                    </a:p>
+                  </a:txBody>
+                  <a:tcPr marL="68580" marR="68580" marT="0" marB="0"/>
+                </a:tc>
+                <a:tc>
+                  <a:txBody>
+                    <a:bodyPr/>
+                    <a:lstStyle/>
+                    <a:p>
+                      <a:pPr algn="ctr">
+                        <a:spcAft>
+                          <a:spcPts val="0"/>
+                        </a:spcAft>
+                      </a:pPr>
+                      <a:r>
+                        <a:rPr lang="ru-RU" sz="2800" dirty="0" smtClean="0">
+                          <a:effectLst/>
+                          <a:latin typeface="Times New Roman" panose="02020603050405020304" pitchFamily="18" charset="0"/>
+                          <a:ea typeface="Times New Roman" panose="02020603050405020304" pitchFamily="18" charset="0"/>
+                          <a:cs typeface="Times New Roman" panose="02020603050405020304" pitchFamily="18" charset="0"/>
+                        </a:rPr>
+                        <a:t>-------- </a:t>
+                      </a:r>
+                      <a:r>
+                        <a:rPr lang="ru-RU" sz="2800" b="1" dirty="0" smtClean="0">
+                          <a:effectLst/>
+                          <a:latin typeface="Times New Roman" panose="02020603050405020304" pitchFamily="18" charset="0"/>
+                          <a:ea typeface="Times New Roman" panose="02020603050405020304" pitchFamily="18" charset="0"/>
+                          <a:cs typeface="Times New Roman" panose="02020603050405020304" pitchFamily="18" charset="0"/>
+                        </a:rPr>
+                        <a:t>(0%)</a:t>
+                      </a:r>
+                      <a:endParaRPr lang="ru-RU" sz="2800" b="1" dirty="0">
+                        <a:effectLst/>
+                        <a:latin typeface="Times New Roman" panose="02020603050405020304" pitchFamily="18" charset="0"/>
+                        <a:ea typeface="Times New Roman" panose="02020603050405020304" pitchFamily="18" charset="0"/>
+                        <a:cs typeface="Times New Roman" panose="02020603050405020304" pitchFamily="18" charset="0"/>
+                      </a:endParaRPr>
+                    </a:p>
+                  </a:txBody>
+                  <a:tcPr marL="68580" marR="68580" marT="0" marB="0"/>
+                </a:tc>
+                <a:extLst>
+                  <a:ext uri="{0D108BD9-81ED-4DB2-BD59-A6C34878D82A}">
+                    <a16:rowId xmlns:a16="http://schemas.microsoft.com/office/drawing/2014/main" xmlns="" val="1067664112"/>
+                  </a:ext>
+                </a:extLst>
+              </a:tr>
+              <a:tr h="489477">
+                <a:tc>
+                  <a:txBody>
+                    <a:bodyPr/>
+                    <a:lstStyle/>
+                    <a:p>
+                      <a:pPr algn="just">
+                        <a:spcAft>
+                          <a:spcPts val="0"/>
+                        </a:spcAft>
+                      </a:pPr>
+                      <a:r>
+                        <a:rPr lang="en-US" sz="2800">
+                          <a:effectLst/>
+                          <a:latin typeface="Times New Roman" panose="02020603050405020304" pitchFamily="18" charset="0"/>
+                          <a:ea typeface="Times New Roman" panose="02020603050405020304" pitchFamily="18" charset="0"/>
+                          <a:cs typeface="Times New Roman" panose="02020603050405020304" pitchFamily="18" charset="0"/>
+                        </a:rPr>
+                        <a:t>00a0f9949.jpg</a:t>
+                      </a:r>
+                      <a:endParaRPr lang="ru-RU" sz="2800">
+                        <a:effectLst/>
+                        <a:latin typeface="Times New Roman" panose="02020603050405020304" pitchFamily="18" charset="0"/>
+                        <a:ea typeface="Times New Roman" panose="02020603050405020304" pitchFamily="18" charset="0"/>
+                        <a:cs typeface="Times New Roman" panose="02020603050405020304" pitchFamily="18" charset="0"/>
+                      </a:endParaRPr>
+                    </a:p>
+                  </a:txBody>
+                  <a:tcPr marL="68580" marR="68580" marT="0" marB="0"/>
+                </a:tc>
+                <a:tc>
+                  <a:txBody>
+                    <a:bodyPr/>
+                    <a:lstStyle/>
+                    <a:p>
+                      <a:pPr algn="ctr">
+                        <a:spcAft>
+                          <a:spcPts val="0"/>
+                        </a:spcAft>
+                      </a:pPr>
+                      <a:r>
+                        <a:rPr lang="en-US" sz="2800">
+                          <a:effectLst/>
+                          <a:latin typeface="Times New Roman" panose="02020603050405020304" pitchFamily="18" charset="0"/>
+                          <a:ea typeface="Times New Roman" panose="02020603050405020304" pitchFamily="18" charset="0"/>
+                          <a:cs typeface="Times New Roman" panose="02020603050405020304" pitchFamily="18" charset="0"/>
+                        </a:rPr>
+                        <a:t>14051618</a:t>
+                      </a:r>
+                      <a:endParaRPr lang="ru-RU" sz="2800">
+                        <a:effectLst/>
+                        <a:latin typeface="Times New Roman" panose="02020603050405020304" pitchFamily="18" charset="0"/>
+                        <a:ea typeface="Times New Roman" panose="02020603050405020304" pitchFamily="18" charset="0"/>
+                        <a:cs typeface="Times New Roman" panose="02020603050405020304" pitchFamily="18" charset="0"/>
+                      </a:endParaRPr>
+                    </a:p>
+                  </a:txBody>
+                  <a:tcPr marL="68580" marR="68580" marT="0" marB="0"/>
+                </a:tc>
+                <a:tc>
+                  <a:txBody>
+                    <a:bodyPr/>
+                    <a:lstStyle/>
+                    <a:p>
+                      <a:pPr marL="0" marR="0" indent="0" algn="ctr" defTabSz="914400" rtl="0" eaLnBrk="1" fontAlgn="auto" latinLnBrk="0" hangingPunct="1">
+                        <a:lnSpc>
+                          <a:spcPct val="100000"/>
+                        </a:lnSpc>
+                        <a:spcBef>
+                          <a:spcPts val="0"/>
+                        </a:spcBef>
+                        <a:spcAft>
+                          <a:spcPts val="0"/>
+                        </a:spcAft>
+                        <a:buClrTx/>
+                        <a:buSzTx/>
+                        <a:buFontTx/>
+                        <a:buNone/>
+                        <a:tabLst/>
+                        <a:defRPr/>
+                      </a:pPr>
+                      <a:r>
+                        <a:rPr lang="ru-RU" sz="2800" dirty="0" smtClean="0">
+                          <a:effectLst/>
+                          <a:latin typeface="Times New Roman" panose="02020603050405020304" pitchFamily="18" charset="0"/>
+                          <a:ea typeface="Times New Roman" panose="02020603050405020304" pitchFamily="18" charset="0"/>
+                          <a:cs typeface="Times New Roman" panose="02020603050405020304" pitchFamily="18" charset="0"/>
+                        </a:rPr>
+                        <a:t>14051618 </a:t>
+                      </a:r>
+                      <a:r>
+                        <a:rPr lang="ru-RU" sz="2800" b="1" dirty="0" smtClean="0">
+                          <a:effectLst/>
+                          <a:latin typeface="Times New Roman" panose="02020603050405020304" pitchFamily="18" charset="0"/>
+                          <a:ea typeface="Times New Roman" panose="02020603050405020304" pitchFamily="18" charset="0"/>
+                          <a:cs typeface="Times New Roman" panose="02020603050405020304" pitchFamily="18" charset="0"/>
+                        </a:rPr>
+                        <a:t>(100%)</a:t>
+                      </a:r>
+                    </a:p>
+                  </a:txBody>
+                  <a:tcPr marL="68580" marR="68580" marT="0" marB="0"/>
+                </a:tc>
+                <a:tc>
+                  <a:txBody>
+                    <a:bodyPr/>
+                    <a:lstStyle/>
+                    <a:p>
+                      <a:pPr algn="ctr">
+                        <a:spcAft>
+                          <a:spcPts val="0"/>
+                        </a:spcAft>
+                      </a:pPr>
+                      <a:r>
+                        <a:rPr lang="ru-RU" sz="2800" dirty="0">
+                          <a:effectLst/>
+                          <a:latin typeface="Times New Roman" panose="02020603050405020304" pitchFamily="18" charset="0"/>
+                          <a:ea typeface="Times New Roman" panose="02020603050405020304" pitchFamily="18" charset="0"/>
+                          <a:cs typeface="Times New Roman" panose="02020603050405020304" pitchFamily="18" charset="0"/>
+                        </a:rPr>
+                        <a:t>14---</a:t>
+                      </a:r>
+                      <a:r>
+                        <a:rPr lang="ru-RU" sz="2800" dirty="0" smtClean="0">
+                          <a:effectLst/>
+                          <a:latin typeface="Times New Roman" panose="02020603050405020304" pitchFamily="18" charset="0"/>
+                          <a:ea typeface="Times New Roman" panose="02020603050405020304" pitchFamily="18" charset="0"/>
+                          <a:cs typeface="Times New Roman" panose="02020603050405020304" pitchFamily="18" charset="0"/>
+                        </a:rPr>
+                        <a:t>61- </a:t>
+                      </a:r>
+                      <a:r>
+                        <a:rPr lang="ru-RU" sz="2800" b="1" i="0" dirty="0" smtClean="0">
+                          <a:effectLst/>
+                          <a:latin typeface="Times New Roman" panose="02020603050405020304" pitchFamily="18" charset="0"/>
+                          <a:ea typeface="Times New Roman" panose="02020603050405020304" pitchFamily="18" charset="0"/>
+                          <a:cs typeface="Times New Roman" panose="02020603050405020304" pitchFamily="18" charset="0"/>
+                        </a:rPr>
+                        <a:t>(50%)</a:t>
+                      </a:r>
+                      <a:endParaRPr lang="ru-RU" sz="2800" b="1" i="0" dirty="0">
+                        <a:effectLst/>
+                        <a:latin typeface="Times New Roman" panose="02020603050405020304" pitchFamily="18" charset="0"/>
+                        <a:ea typeface="Times New Roman" panose="02020603050405020304" pitchFamily="18" charset="0"/>
+                        <a:cs typeface="Times New Roman" panose="02020603050405020304" pitchFamily="18" charset="0"/>
+                      </a:endParaRPr>
+                    </a:p>
+                  </a:txBody>
+                  <a:tcPr marL="68580" marR="68580" marT="0" marB="0"/>
+                </a:tc>
+                <a:extLst>
+                  <a:ext uri="{0D108BD9-81ED-4DB2-BD59-A6C34878D82A}">
+                    <a16:rowId xmlns:a16="http://schemas.microsoft.com/office/drawing/2014/main" xmlns="" val="427370058"/>
+                  </a:ext>
+                </a:extLst>
+              </a:tr>
+              <a:tr h="489477">
+                <a:tc>
+                  <a:txBody>
+                    <a:bodyPr/>
+                    <a:lstStyle/>
+                    <a:p>
+                      <a:pPr algn="just">
+                        <a:spcAft>
+                          <a:spcPts val="0"/>
+                        </a:spcAft>
+                      </a:pPr>
+                      <a:r>
+                        <a:rPr lang="en-US" sz="2800">
+                          <a:effectLst/>
+                          <a:latin typeface="Times New Roman" panose="02020603050405020304" pitchFamily="18" charset="0"/>
+                          <a:ea typeface="Times New Roman" panose="02020603050405020304" pitchFamily="18" charset="0"/>
+                          <a:cs typeface="Times New Roman" panose="02020603050405020304" pitchFamily="18" charset="0"/>
+                        </a:rPr>
+                        <a:t>00ac8372f.jpg</a:t>
+                      </a:r>
+                      <a:endParaRPr lang="ru-RU" sz="2800">
+                        <a:effectLst/>
+                        <a:latin typeface="Times New Roman" panose="02020603050405020304" pitchFamily="18" charset="0"/>
+                        <a:ea typeface="Times New Roman" panose="02020603050405020304" pitchFamily="18" charset="0"/>
+                        <a:cs typeface="Times New Roman" panose="02020603050405020304" pitchFamily="18" charset="0"/>
+                      </a:endParaRPr>
+                    </a:p>
+                  </a:txBody>
+                  <a:tcPr marL="68580" marR="68580" marT="0" marB="0"/>
+                </a:tc>
+                <a:tc>
+                  <a:txBody>
+                    <a:bodyPr/>
+                    <a:lstStyle/>
+                    <a:p>
+                      <a:pPr algn="ctr">
+                        <a:spcAft>
+                          <a:spcPts val="0"/>
+                        </a:spcAft>
+                      </a:pPr>
+                      <a:r>
+                        <a:rPr lang="en-US" sz="2800">
+                          <a:effectLst/>
+                          <a:latin typeface="Times New Roman" panose="02020603050405020304" pitchFamily="18" charset="0"/>
+                          <a:ea typeface="Times New Roman" panose="02020603050405020304" pitchFamily="18" charset="0"/>
+                          <a:cs typeface="Times New Roman" panose="02020603050405020304" pitchFamily="18" charset="0"/>
+                        </a:rPr>
+                        <a:t>118</a:t>
+                      </a:r>
+                      <a:endParaRPr lang="ru-RU" sz="2800">
+                        <a:effectLst/>
+                        <a:latin typeface="Times New Roman" panose="02020603050405020304" pitchFamily="18" charset="0"/>
+                        <a:ea typeface="Times New Roman" panose="02020603050405020304" pitchFamily="18" charset="0"/>
+                        <a:cs typeface="Times New Roman" panose="02020603050405020304" pitchFamily="18" charset="0"/>
+                      </a:endParaRPr>
+                    </a:p>
+                  </a:txBody>
+                  <a:tcPr marL="68580" marR="68580" marT="0" marB="0"/>
+                </a:tc>
+                <a:tc>
+                  <a:txBody>
+                    <a:bodyPr/>
+                    <a:lstStyle/>
+                    <a:p>
+                      <a:pPr marL="0" marR="0" indent="0" algn="ctr" defTabSz="914400" rtl="0" eaLnBrk="1" fontAlgn="auto" latinLnBrk="0" hangingPunct="1">
+                        <a:lnSpc>
+                          <a:spcPct val="100000"/>
+                        </a:lnSpc>
+                        <a:spcBef>
+                          <a:spcPts val="0"/>
+                        </a:spcBef>
+                        <a:spcAft>
+                          <a:spcPts val="0"/>
+                        </a:spcAft>
+                        <a:buClrTx/>
+                        <a:buSzTx/>
+                        <a:buFontTx/>
+                        <a:buNone/>
+                        <a:tabLst/>
+                        <a:defRPr/>
+                      </a:pPr>
+                      <a:r>
+                        <a:rPr lang="ru-RU" sz="2800" dirty="0" smtClean="0">
+                          <a:effectLst/>
+                          <a:latin typeface="Times New Roman" panose="02020603050405020304" pitchFamily="18" charset="0"/>
+                          <a:ea typeface="Times New Roman" panose="02020603050405020304" pitchFamily="18" charset="0"/>
+                          <a:cs typeface="Times New Roman" panose="02020603050405020304" pitchFamily="18" charset="0"/>
+                        </a:rPr>
+                        <a:t>118 </a:t>
+                      </a:r>
+                      <a:r>
+                        <a:rPr lang="ru-RU" sz="2800" b="1" dirty="0" smtClean="0">
+                          <a:effectLst/>
+                          <a:latin typeface="Times New Roman" panose="02020603050405020304" pitchFamily="18" charset="0"/>
+                          <a:ea typeface="Times New Roman" panose="02020603050405020304" pitchFamily="18" charset="0"/>
+                          <a:cs typeface="Times New Roman" panose="02020603050405020304" pitchFamily="18" charset="0"/>
+                        </a:rPr>
+                        <a:t>(100%)</a:t>
+                      </a:r>
+                    </a:p>
+                  </a:txBody>
+                  <a:tcPr marL="68580" marR="68580" marT="0" marB="0"/>
+                </a:tc>
+                <a:tc>
+                  <a:txBody>
+                    <a:bodyPr/>
+                    <a:lstStyle/>
+                    <a:p>
+                      <a:pPr algn="ctr">
+                        <a:spcAft>
+                          <a:spcPts val="0"/>
+                        </a:spcAft>
+                      </a:pPr>
+                      <a:r>
+                        <a:rPr lang="ru-RU" sz="2800" dirty="0" smtClean="0">
+                          <a:effectLst/>
+                          <a:latin typeface="Times New Roman" panose="02020603050405020304" pitchFamily="18" charset="0"/>
+                          <a:ea typeface="Times New Roman" panose="02020603050405020304" pitchFamily="18" charset="0"/>
+                          <a:cs typeface="Times New Roman" panose="02020603050405020304" pitchFamily="18" charset="0"/>
+                        </a:rPr>
+                        <a:t>1-8 </a:t>
+                      </a:r>
+                      <a:r>
+                        <a:rPr lang="ru-RU" sz="2800" b="1" dirty="0" smtClean="0">
+                          <a:effectLst/>
+                          <a:latin typeface="Times New Roman" panose="02020603050405020304" pitchFamily="18" charset="0"/>
+                          <a:ea typeface="Times New Roman" panose="02020603050405020304" pitchFamily="18" charset="0"/>
+                          <a:cs typeface="Times New Roman" panose="02020603050405020304" pitchFamily="18" charset="0"/>
+                        </a:rPr>
+                        <a:t>(66,67%)</a:t>
+                      </a:r>
+                      <a:endParaRPr lang="ru-RU" sz="2800" b="1" dirty="0">
+                        <a:effectLst/>
+                        <a:latin typeface="Times New Roman" panose="02020603050405020304" pitchFamily="18" charset="0"/>
+                        <a:ea typeface="Times New Roman" panose="02020603050405020304" pitchFamily="18" charset="0"/>
+                        <a:cs typeface="Times New Roman" panose="02020603050405020304" pitchFamily="18" charset="0"/>
+                      </a:endParaRPr>
+                    </a:p>
+                  </a:txBody>
+                  <a:tcPr marL="68580" marR="68580" marT="0" marB="0"/>
+                </a:tc>
+                <a:extLst>
+                  <a:ext uri="{0D108BD9-81ED-4DB2-BD59-A6C34878D82A}">
+                    <a16:rowId xmlns:a16="http://schemas.microsoft.com/office/drawing/2014/main" xmlns="" val="1652169383"/>
+                  </a:ext>
+                </a:extLst>
+              </a:tr>
+              <a:tr h="489477">
+                <a:tc>
+                  <a:txBody>
+                    <a:bodyPr/>
+                    <a:lstStyle/>
+                    <a:p>
+                      <a:pPr algn="just">
+                        <a:spcAft>
+                          <a:spcPts val="0"/>
+                        </a:spcAft>
+                      </a:pPr>
+                      <a:r>
+                        <a:rPr lang="en-US" sz="2800" dirty="0" smtClean="0">
+                          <a:effectLst/>
+                          <a:latin typeface="Times New Roman" panose="02020603050405020304" pitchFamily="18" charset="0"/>
+                          <a:ea typeface="Times New Roman" panose="02020603050405020304" pitchFamily="18" charset="0"/>
+                          <a:cs typeface="Times New Roman" panose="02020603050405020304" pitchFamily="18" charset="0"/>
+                        </a:rPr>
+                        <a:t>00b7fb703.jpg</a:t>
+                      </a:r>
+                      <a:endParaRPr lang="ru-RU" sz="2800" dirty="0">
+                        <a:effectLst/>
+                        <a:latin typeface="Times New Roman" panose="02020603050405020304" pitchFamily="18" charset="0"/>
+                        <a:ea typeface="Times New Roman" panose="02020603050405020304" pitchFamily="18" charset="0"/>
+                        <a:cs typeface="Times New Roman" panose="02020603050405020304" pitchFamily="18" charset="0"/>
+                      </a:endParaRPr>
+                    </a:p>
+                  </a:txBody>
+                  <a:tcPr marL="68580" marR="68580" marT="0" marB="0"/>
+                </a:tc>
+                <a:tc>
+                  <a:txBody>
+                    <a:bodyPr/>
+                    <a:lstStyle/>
+                    <a:p>
+                      <a:pPr algn="ctr">
+                        <a:spcAft>
+                          <a:spcPts val="0"/>
+                        </a:spcAft>
+                      </a:pPr>
+                      <a:r>
+                        <a:rPr lang="ru-RU" sz="2800" dirty="0" smtClean="0">
+                          <a:effectLst/>
+                          <a:latin typeface="Times New Roman" panose="02020603050405020304" pitchFamily="18" charset="0"/>
+                          <a:ea typeface="Times New Roman" panose="02020603050405020304" pitchFamily="18" charset="0"/>
+                          <a:cs typeface="Times New Roman" panose="02020603050405020304" pitchFamily="18" charset="0"/>
+                        </a:rPr>
+                        <a:t>20006</a:t>
+                      </a:r>
+                      <a:endParaRPr lang="ru-RU" sz="2800" dirty="0">
+                        <a:effectLst/>
+                        <a:latin typeface="Times New Roman" panose="02020603050405020304" pitchFamily="18" charset="0"/>
+                        <a:ea typeface="Times New Roman" panose="02020603050405020304" pitchFamily="18" charset="0"/>
+                        <a:cs typeface="Times New Roman" panose="02020603050405020304" pitchFamily="18" charset="0"/>
+                      </a:endParaRPr>
+                    </a:p>
+                  </a:txBody>
+                  <a:tcPr marL="68580" marR="68580" marT="0" marB="0"/>
+                </a:tc>
+                <a:tc>
+                  <a:txBody>
+                    <a:bodyPr/>
+                    <a:lstStyle/>
+                    <a:p>
+                      <a:pPr marL="0" marR="0" indent="0" algn="ctr" defTabSz="914400" rtl="0" eaLnBrk="1" fontAlgn="auto" latinLnBrk="0" hangingPunct="1">
+                        <a:lnSpc>
+                          <a:spcPct val="100000"/>
+                        </a:lnSpc>
+                        <a:spcBef>
+                          <a:spcPts val="0"/>
+                        </a:spcBef>
+                        <a:spcAft>
+                          <a:spcPts val="0"/>
+                        </a:spcAft>
+                        <a:buClrTx/>
+                        <a:buSzTx/>
+                        <a:buFontTx/>
+                        <a:buNone/>
+                        <a:tabLst/>
+                        <a:defRPr/>
+                      </a:pPr>
+                      <a:r>
+                        <a:rPr lang="ru-RU" sz="2800" dirty="0" smtClean="0">
+                          <a:effectLst/>
+                          <a:latin typeface="Times New Roman" panose="02020603050405020304" pitchFamily="18" charset="0"/>
+                          <a:ea typeface="Times New Roman" panose="02020603050405020304" pitchFamily="18" charset="0"/>
+                          <a:cs typeface="Times New Roman" panose="02020603050405020304" pitchFamily="18" charset="0"/>
+                        </a:rPr>
+                        <a:t>2000- </a:t>
+                      </a:r>
+                      <a:r>
+                        <a:rPr lang="ru-RU" sz="2800" b="1" dirty="0" smtClean="0">
+                          <a:effectLst/>
+                          <a:latin typeface="Times New Roman" panose="02020603050405020304" pitchFamily="18" charset="0"/>
+                          <a:ea typeface="Times New Roman" panose="02020603050405020304" pitchFamily="18" charset="0"/>
+                          <a:cs typeface="Times New Roman" panose="02020603050405020304" pitchFamily="18" charset="0"/>
+                        </a:rPr>
+                        <a:t>(80%)</a:t>
+                      </a:r>
+                    </a:p>
+                  </a:txBody>
+                  <a:tcPr marL="68580" marR="68580" marT="0" marB="0"/>
+                </a:tc>
+                <a:tc>
+                  <a:txBody>
+                    <a:bodyPr/>
+                    <a:lstStyle/>
+                    <a:p>
+                      <a:pPr algn="ctr">
+                        <a:spcAft>
+                          <a:spcPts val="0"/>
+                        </a:spcAft>
+                      </a:pPr>
+                      <a:r>
+                        <a:rPr lang="ru-RU" sz="2800" dirty="0" smtClean="0">
+                          <a:effectLst/>
+                          <a:latin typeface="Times New Roman" panose="02020603050405020304" pitchFamily="18" charset="0"/>
+                          <a:ea typeface="Times New Roman" panose="02020603050405020304" pitchFamily="18" charset="0"/>
+                          <a:cs typeface="Times New Roman" panose="02020603050405020304" pitchFamily="18" charset="0"/>
+                        </a:rPr>
+                        <a:t>--0– </a:t>
+                      </a:r>
+                      <a:r>
+                        <a:rPr lang="ru-RU" sz="2800" b="1" dirty="0" smtClean="0">
+                          <a:effectLst/>
+                          <a:latin typeface="Times New Roman" panose="02020603050405020304" pitchFamily="18" charset="0"/>
+                          <a:ea typeface="Times New Roman" panose="02020603050405020304" pitchFamily="18" charset="0"/>
+                          <a:cs typeface="Times New Roman" panose="02020603050405020304" pitchFamily="18" charset="0"/>
+                        </a:rPr>
+                        <a:t>(20%)</a:t>
+                      </a:r>
+                      <a:endParaRPr lang="ru-RU" sz="2800" b="1" dirty="0">
+                        <a:effectLst/>
+                        <a:latin typeface="Times New Roman" panose="02020603050405020304" pitchFamily="18" charset="0"/>
+                        <a:ea typeface="Times New Roman" panose="02020603050405020304" pitchFamily="18" charset="0"/>
+                        <a:cs typeface="Times New Roman" panose="02020603050405020304" pitchFamily="18" charset="0"/>
+                      </a:endParaRPr>
+                    </a:p>
+                  </a:txBody>
+                  <a:tcPr marL="68580" marR="68580" marT="0" marB="0"/>
+                </a:tc>
+                <a:extLst>
+                  <a:ext uri="{0D108BD9-81ED-4DB2-BD59-A6C34878D82A}">
+                    <a16:rowId xmlns:a16="http://schemas.microsoft.com/office/drawing/2014/main" xmlns="" val="3905469927"/>
+                  </a:ext>
+                </a:extLst>
+              </a:tr>
+            </a:tbl>
+          </a:graphicData>
+        </a:graphic>
+      </p:graphicFrame>
+      <p:sp>
+        <p:nvSpPr>
+          <p:cNvPr id="6" name="TextBox 5"/>
+          <p:cNvSpPr txBox="1"/>
+          <p:nvPr/>
+        </p:nvSpPr>
+        <p:spPr>
+          <a:xfrm>
+            <a:off x="849086" y="5700486"/>
+            <a:ext cx="8967007" cy="954107"/>
+          </a:xfrm>
+          <a:prstGeom prst="rect">
+            <a:avLst/>
+          </a:prstGeom>
+          <a:noFill/>
+        </p:spPr>
+        <p:txBody>
+          <a:bodyPr wrap="none" rtlCol="0">
+            <a:spAutoFit/>
+          </a:bodyPr>
+          <a:lstStyle/>
+          <a:p>
+            <a:r>
+              <a:rPr lang="ru-RU" sz="2800" dirty="0" smtClean="0">
+                <a:latin typeface="Times New Roman" panose="02020603050405020304" pitchFamily="18" charset="0"/>
+                <a:cs typeface="Times New Roman" panose="02020603050405020304" pitchFamily="18" charset="0"/>
+              </a:rPr>
+              <a:t>«-» - ошибки 1-го рода (цифра не была распознана) </a:t>
+            </a:r>
+          </a:p>
+          <a:p>
+            <a:r>
+              <a:rPr lang="ru-RU" sz="2800" dirty="0" smtClean="0">
+                <a:latin typeface="Times New Roman" panose="02020603050405020304" pitchFamily="18" charset="0"/>
+                <a:cs typeface="Times New Roman" panose="02020603050405020304" pitchFamily="18" charset="0"/>
+              </a:rPr>
+              <a:t>«*» - ошибки 2-го рода (цифра была распознана неверно)</a:t>
+            </a:r>
+            <a:endParaRPr lang="ru-RU" sz="2800" dirty="0">
+              <a:latin typeface="Times New Roman" panose="02020603050405020304" pitchFamily="18" charset="0"/>
+              <a:cs typeface="Times New Roman" panose="02020603050405020304" pitchFamily="18" charset="0"/>
+            </a:endParaRPr>
+          </a:p>
+        </p:txBody>
+      </p:sp>
+    </p:spTree>
+    <p:extLst>
+      <p:ext uri="{BB962C8B-B14F-4D97-AF65-F5344CB8AC3E}">
+        <p14:creationId xmlns:p14="http://schemas.microsoft.com/office/powerpoint/2010/main" val="3299621883"/>
+      </p:ext>
+    </p:extLst>
+  </p:cSld>
+  <p:clrMapOvr>
+    <a:masterClrMapping/>
+  </p:clrMapOvr>
+  <p:timing>
+    <p:tnLst>
+      <p:par>
+        <p:cTn id="1" dur="indefinite" restart="never" nodeType="tmRoot"/>
+      </p:par>
+    </p:tnLst>
+  </p:timing>
+</p:sld>
+</file>
+
+<file path=ppt/slides/slide18.xml><?xml version="1.0" encoding="utf-8"?>
+<p:sld xmlns:a="http://schemas.openxmlformats.org/drawingml/2006/main" xmlns:r="http://schemas.openxmlformats.org/officeDocument/2006/relationships" xmlns:p="http://schemas.openxmlformats.org/presentationml/2006/main">
+  <p:cSld>
+    <p:spTree>
+      <p:nvGrpSpPr>
+        <p:cNvPr id="1" name=""/>
+        <p:cNvGrpSpPr/>
+        <p:nvPr/>
+      </p:nvGrpSpPr>
+      <p:grpSpPr>
+        <a:xfrm>
+          <a:off x="0" y="0"/>
+          <a:ext cx="0" cy="0"/>
+          <a:chOff x="0" y="0"/>
+          <a:chExt cx="0" cy="0"/>
+        </a:xfrm>
+      </p:grpSpPr>
+      <p:sp>
+        <p:nvSpPr>
+          <p:cNvPr id="2" name="Прямоугольник 1"/>
+          <p:cNvSpPr/>
+          <p:nvPr/>
+        </p:nvSpPr>
+        <p:spPr>
+          <a:xfrm>
+            <a:off x="0" y="0"/>
+            <a:ext cx="12192000" cy="646331"/>
+          </a:xfrm>
+          <a:prstGeom prst="rect">
+            <a:avLst/>
+          </a:prstGeom>
+        </p:spPr>
+        <p:txBody>
+          <a:bodyPr wrap="square">
+            <a:spAutoFit/>
+          </a:bodyPr>
+          <a:lstStyle/>
+          <a:p>
+            <a:pPr algn="ctr"/>
+            <a:r>
+              <a:rPr lang="ru-RU" sz="3600" b="1" dirty="0">
+                <a:latin typeface="Times New Roman" panose="02020603050405020304" pitchFamily="18" charset="0"/>
+                <a:cs typeface="Times New Roman" panose="02020603050405020304" pitchFamily="18" charset="0"/>
+              </a:rPr>
+              <a:t>Заключение</a:t>
+            </a:r>
+            <a:endParaRPr lang="ru-RU" sz="2400" b="1" dirty="0">
+              <a:latin typeface="Times New Roman" panose="02020603050405020304" pitchFamily="18" charset="0"/>
+              <a:cs typeface="Times New Roman" panose="02020603050405020304" pitchFamily="18" charset="0"/>
+            </a:endParaRPr>
+          </a:p>
+        </p:txBody>
+      </p:sp>
+      <p:sp>
+        <p:nvSpPr>
+          <p:cNvPr id="4" name="Прямоугольник 3"/>
+          <p:cNvSpPr/>
+          <p:nvPr/>
+        </p:nvSpPr>
+        <p:spPr>
+          <a:xfrm>
+            <a:off x="0" y="646331"/>
+            <a:ext cx="12192000" cy="5016758"/>
+          </a:xfrm>
+          <a:prstGeom prst="rect">
+            <a:avLst/>
+          </a:prstGeom>
+        </p:spPr>
+        <p:txBody>
+          <a:bodyPr wrap="square">
+            <a:spAutoFit/>
+          </a:bodyPr>
+          <a:lstStyle/>
+          <a:p>
+            <a:r>
+              <a:rPr lang="ru-RU" sz="3200" dirty="0">
+                <a:latin typeface="Times New Roman" pitchFamily="18" charset="0"/>
+                <a:cs typeface="Times New Roman" pitchFamily="18" charset="0"/>
+              </a:rPr>
+              <a:t> a) проведен анализ предметной области, проанализированы аналогичные алгоритмы, предъявлены требования к разрабатываемой информационной системе;</a:t>
+            </a:r>
+          </a:p>
+          <a:p>
+            <a:pPr algn="just"/>
+            <a:r>
+              <a:rPr lang="ru-RU" sz="3200" dirty="0">
+                <a:latin typeface="Times New Roman" pitchFamily="18" charset="0"/>
+                <a:cs typeface="Times New Roman" pitchFamily="18" charset="0"/>
+              </a:rPr>
+              <a:t>b) произведено </a:t>
+            </a:r>
+            <a:r>
+              <a:rPr lang="ru-RU" sz="3200" dirty="0" smtClean="0">
+                <a:latin typeface="Times New Roman" pitchFamily="18" charset="0"/>
+                <a:cs typeface="Times New Roman" pitchFamily="18" charset="0"/>
+              </a:rPr>
+              <a:t>моделирование </a:t>
+            </a:r>
+            <a:r>
+              <a:rPr lang="ru-RU" sz="3200" dirty="0">
+                <a:latin typeface="Times New Roman" pitchFamily="18" charset="0"/>
+                <a:cs typeface="Times New Roman" pitchFamily="18" charset="0"/>
+              </a:rPr>
+              <a:t>разрабатываемой информационной системы;</a:t>
+            </a:r>
+          </a:p>
+          <a:p>
+            <a:pPr algn="just"/>
+            <a:r>
+              <a:rPr lang="ru-RU" sz="3200" dirty="0">
+                <a:latin typeface="Times New Roman" pitchFamily="18" charset="0"/>
+                <a:cs typeface="Times New Roman" pitchFamily="18" charset="0"/>
+              </a:rPr>
+              <a:t>c) </a:t>
+            </a:r>
+            <a:r>
+              <a:rPr lang="ru-RU" sz="3200" dirty="0" smtClean="0">
+                <a:latin typeface="Times New Roman" pitchFamily="18" charset="0"/>
+                <a:cs typeface="Times New Roman" pitchFamily="18" charset="0"/>
+              </a:rPr>
+              <a:t>проанализированы </a:t>
+            </a:r>
+            <a:r>
+              <a:rPr lang="ru-RU" sz="3200" dirty="0">
+                <a:latin typeface="Times New Roman" pitchFamily="18" charset="0"/>
+                <a:cs typeface="Times New Roman" pitchFamily="18" charset="0"/>
+              </a:rPr>
+              <a:t>и описаны алгоритмы, используемые при разработке информационной системы;</a:t>
+            </a:r>
+          </a:p>
+          <a:p>
+            <a:pPr algn="just"/>
+            <a:r>
+              <a:rPr lang="ru-RU" sz="3200" dirty="0">
+                <a:latin typeface="Times New Roman" pitchFamily="18" charset="0"/>
+                <a:cs typeface="Times New Roman" pitchFamily="18" charset="0"/>
+              </a:rPr>
+              <a:t>d) реализована информационная система;</a:t>
+            </a:r>
+          </a:p>
+          <a:p>
+            <a:pPr algn="just"/>
+            <a:r>
+              <a:rPr lang="en-US" sz="3200" dirty="0">
+                <a:latin typeface="Times New Roman" panose="02020603050405020304" pitchFamily="18" charset="0"/>
+                <a:cs typeface="Times New Roman" panose="02020603050405020304" pitchFamily="18" charset="0"/>
+              </a:rPr>
+              <a:t>e) </a:t>
+            </a:r>
+            <a:r>
+              <a:rPr lang="ru-RU" sz="3200" dirty="0">
+                <a:latin typeface="Times New Roman" panose="02020603050405020304" pitchFamily="18" charset="0"/>
+                <a:cs typeface="Times New Roman" panose="02020603050405020304" pitchFamily="18" charset="0"/>
+              </a:rPr>
+              <a:t>разработанная система протестирована, и сделаны выводы о ее работе.</a:t>
+            </a:r>
+          </a:p>
+        </p:txBody>
+      </p:sp>
+      <p:sp>
+        <p:nvSpPr>
+          <p:cNvPr id="6" name="TextBox 5"/>
+          <p:cNvSpPr txBox="1"/>
+          <p:nvPr/>
+        </p:nvSpPr>
+        <p:spPr>
+          <a:xfrm>
+            <a:off x="0" y="6488668"/>
+            <a:ext cx="849086" cy="369332"/>
+          </a:xfrm>
+          <a:prstGeom prst="rect">
+            <a:avLst/>
+          </a:prstGeom>
+          <a:noFill/>
+        </p:spPr>
+        <p:txBody>
+          <a:bodyPr wrap="square" rtlCol="0">
+            <a:spAutoFit/>
+          </a:bodyPr>
+          <a:lstStyle/>
+          <a:p>
+            <a:r>
+              <a:rPr lang="ru-RU" dirty="0" smtClean="0">
+                <a:latin typeface="Times New Roman" panose="02020603050405020304" pitchFamily="18" charset="0"/>
+                <a:cs typeface="Times New Roman" panose="02020603050405020304" pitchFamily="18" charset="0"/>
+              </a:rPr>
+              <a:t>18</a:t>
+            </a:r>
+            <a:r>
+              <a:rPr lang="en-US" dirty="0" smtClean="0">
+                <a:latin typeface="Times New Roman" panose="02020603050405020304" pitchFamily="18" charset="0"/>
+                <a:cs typeface="Times New Roman" panose="02020603050405020304" pitchFamily="18" charset="0"/>
+              </a:rPr>
+              <a:t>/</a:t>
+            </a:r>
+            <a:r>
+              <a:rPr lang="ru-RU" dirty="0" smtClean="0">
+                <a:latin typeface="Times New Roman" panose="02020603050405020304" pitchFamily="18" charset="0"/>
+                <a:cs typeface="Times New Roman" panose="02020603050405020304" pitchFamily="18" charset="0"/>
+              </a:rPr>
+              <a:t>19</a:t>
+            </a:r>
+            <a:endParaRPr lang="ru-RU" dirty="0">
+              <a:latin typeface="Times New Roman" panose="02020603050405020304" pitchFamily="18" charset="0"/>
+              <a:cs typeface="Times New Roman" panose="02020603050405020304" pitchFamily="18" charset="0"/>
+            </a:endParaRPr>
+          </a:p>
+        </p:txBody>
+      </p:sp>
+    </p:spTree>
+    <p:extLst>
+      <p:ext uri="{BB962C8B-B14F-4D97-AF65-F5344CB8AC3E}">
+        <p14:creationId xmlns:p14="http://schemas.microsoft.com/office/powerpoint/2010/main" val="754021422"/>
+      </p:ext>
+    </p:extLst>
+  </p:cSld>
+  <p:clrMapOvr>
+    <a:masterClrMapping/>
+  </p:clrMapOvr>
+  <p:timing>
+    <p:tnLst>
+      <p:par>
+        <p:cTn id="1" dur="indefinite" restart="never" nodeType="tmRoot"/>
+      </p:par>
+    </p:tnLst>
+  </p:timing>
+</p:sld>
+</file>
+
+<file path=ppt/slides/slide19.xml><?xml version="1.0" encoding="utf-8"?>
+<p:sld xmlns:a="http://schemas.openxmlformats.org/drawingml/2006/main" xmlns:r="http://schemas.openxmlformats.org/officeDocument/2006/relationships" xmlns:p="http://schemas.openxmlformats.org/presentationml/2006/main">
+  <p:cSld>
+    <p:spTree>
+      <p:nvGrpSpPr>
+        <p:cNvPr id="1" name=""/>
+        <p:cNvGrpSpPr/>
+        <p:nvPr/>
+      </p:nvGrpSpPr>
+      <p:grpSpPr>
+        <a:xfrm>
+          <a:off x="0" y="0"/>
+          <a:ext cx="0" cy="0"/>
+          <a:chOff x="0" y="0"/>
+          <a:chExt cx="0" cy="0"/>
+        </a:xfrm>
+      </p:grpSpPr>
+      <p:sp>
+        <p:nvSpPr>
+          <p:cNvPr id="2" name="Прямоугольник 1"/>
+          <p:cNvSpPr/>
+          <p:nvPr/>
+        </p:nvSpPr>
+        <p:spPr>
+          <a:xfrm>
+            <a:off x="3854667" y="3032063"/>
+            <a:ext cx="4294574" cy="584775"/>
+          </a:xfrm>
+          <a:prstGeom prst="rect">
+            <a:avLst/>
+          </a:prstGeom>
+        </p:spPr>
+        <p:txBody>
+          <a:bodyPr wrap="none">
+            <a:spAutoFit/>
+          </a:bodyPr>
+          <a:lstStyle/>
+          <a:p>
+            <a:r>
+              <a:rPr lang="ru-RU" sz="3200" b="1" dirty="0">
+                <a:latin typeface="Times New Roman" panose="02020603050405020304" pitchFamily="18" charset="0"/>
+                <a:cs typeface="Times New Roman" panose="02020603050405020304" pitchFamily="18" charset="0"/>
+              </a:rPr>
+              <a:t>Спасибо за внимание!</a:t>
+            </a:r>
+          </a:p>
+        </p:txBody>
+      </p:sp>
+      <p:sp>
+        <p:nvSpPr>
+          <p:cNvPr id="4" name="TextBox 3"/>
+          <p:cNvSpPr txBox="1"/>
+          <p:nvPr/>
+        </p:nvSpPr>
+        <p:spPr>
+          <a:xfrm>
+            <a:off x="0" y="6488668"/>
+            <a:ext cx="849086" cy="369332"/>
+          </a:xfrm>
+          <a:prstGeom prst="rect">
+            <a:avLst/>
+          </a:prstGeom>
+          <a:noFill/>
+        </p:spPr>
+        <p:txBody>
+          <a:bodyPr wrap="square" rtlCol="0">
+            <a:spAutoFit/>
+          </a:bodyPr>
+          <a:lstStyle/>
+          <a:p>
+            <a:r>
+              <a:rPr lang="ru-RU" dirty="0" smtClean="0">
+                <a:latin typeface="Times New Roman" panose="02020603050405020304" pitchFamily="18" charset="0"/>
+                <a:cs typeface="Times New Roman" panose="02020603050405020304" pitchFamily="18" charset="0"/>
+              </a:rPr>
+              <a:t>19</a:t>
+            </a:r>
+            <a:r>
+              <a:rPr lang="en-US" dirty="0" smtClean="0">
+                <a:latin typeface="Times New Roman" panose="02020603050405020304" pitchFamily="18" charset="0"/>
+                <a:cs typeface="Times New Roman" panose="02020603050405020304" pitchFamily="18" charset="0"/>
+              </a:rPr>
+              <a:t>/</a:t>
+            </a:r>
+            <a:r>
+              <a:rPr lang="ru-RU" dirty="0" smtClean="0">
+                <a:latin typeface="Times New Roman" panose="02020603050405020304" pitchFamily="18" charset="0"/>
+                <a:cs typeface="Times New Roman" panose="02020603050405020304" pitchFamily="18" charset="0"/>
+              </a:rPr>
+              <a:t>19</a:t>
+            </a:r>
+            <a:endParaRPr lang="ru-RU" dirty="0">
+              <a:latin typeface="Times New Roman" panose="02020603050405020304" pitchFamily="18" charset="0"/>
+              <a:cs typeface="Times New Roman" panose="02020603050405020304" pitchFamily="18" charset="0"/>
+            </a:endParaRPr>
+          </a:p>
+        </p:txBody>
+      </p:sp>
+    </p:spTree>
+    <p:extLst>
+      <p:ext uri="{BB962C8B-B14F-4D97-AF65-F5344CB8AC3E}">
+        <p14:creationId xmlns:p14="http://schemas.microsoft.com/office/powerpoint/2010/main" val="1509542114"/>
+      </p:ext>
+    </p:extLst>
+  </p:cSld>
+  <p:clrMapOvr>
+    <a:masterClrMapping/>
+  </p:clrMapOvr>
+  <p:timing>
+    <p:tnLst>
+      <p:par>
+        <p:cTn id="1" dur="indefinite" restart="never" nodeType="tmRoot"/>
+      </p:par>
+    </p:tnLst>
+  </p:timing>
 </p:sld>
 </file>
 
@@ -3391,19 +7003,23 @@
               <a:t>2</a:t>
             </a:r>
             <a:r>
-              <a:rPr lang="en-US" dirty="0">
+              <a:rPr lang="en-US" dirty="0" smtClean="0">
                 <a:latin typeface="Times New Roman" panose="02020603050405020304" pitchFamily="18" charset="0"/>
                 <a:cs typeface="Times New Roman" panose="02020603050405020304" pitchFamily="18" charset="0"/>
               </a:rPr>
               <a:t>/</a:t>
             </a:r>
             <a:r>
-              <a:rPr lang="ru-RU" dirty="0">
-                <a:latin typeface="Times New Roman" panose="02020603050405020304" pitchFamily="18" charset="0"/>
-                <a:cs typeface="Times New Roman" panose="02020603050405020304" pitchFamily="18" charset="0"/>
-              </a:rPr>
-              <a:t>8</a:t>
-            </a:r>
+              <a:rPr lang="ru-RU" dirty="0" smtClean="0">
+                <a:latin typeface="Times New Roman" panose="02020603050405020304" pitchFamily="18" charset="0"/>
+                <a:cs typeface="Times New Roman" panose="02020603050405020304" pitchFamily="18" charset="0"/>
+              </a:rPr>
+              <a:t>19</a:t>
+            </a:r>
+            <a:endParaRPr lang="ru-RU" dirty="0">
+              <a:latin typeface="Times New Roman" panose="02020603050405020304" pitchFamily="18" charset="0"/>
+              <a:cs typeface="Times New Roman" panose="02020603050405020304" pitchFamily="18" charset="0"/>
+            </a:endParaRPr>
           </a:p>
         </p:txBody>
       </p:sp>
@@ -3415,8 +7031,8 @@
         </p:nvSpPr>
         <p:spPr>
           <a:xfrm>
-            <a:off x="0" y="1570922"/>
-            <a:ext cx="12192000" cy="4154984"/>
+            <a:off x="0" y="646331"/>
+            <a:ext cx="12192000" cy="5909310"/>
           </a:xfrm>
           <a:prstGeom prst="rect">
             <a:avLst/>
@@ -3431,83 +7047,150 @@
           <a:p>
             <a:pPr algn="just"/>
             <a:r>
-              <a:rPr lang="ru-RU" sz="2400" dirty="0">
+              <a:rPr lang="ru-RU" sz="2700" b="1" dirty="0">
                 <a:latin typeface="Times New Roman" pitchFamily="18" charset="0"/>
                 <a:cs typeface="Times New Roman" pitchFamily="18" charset="0"/>
               </a:rPr>
-              <a:t>Цель: спроектировать и разработать информационную систему распознавания точечной маркировки на цифровых изображениях поверхностей черных металлов.</a:t>
-            </a:r>
-          </a:p>
-          <a:p>
-            <a:endParaRPr lang="ru-RU" sz="2400" dirty="0">
-              <a:latin typeface="Times New Roman" pitchFamily="18" charset="0"/>
-              <a:cs typeface="Times New Roman" pitchFamily="18" charset="0"/>
-            </a:endParaRPr>
-          </a:p>
-          <a:p>
-            <a:r>
-              <a:rPr lang="ru-RU" sz="2400" dirty="0">
+              <a:t>Цель: </a:t>
+            </a:r>
+            <a:r>
+              <a:rPr lang="ru-RU" sz="2700" dirty="0">
                 <a:latin typeface="Times New Roman" pitchFamily="18" charset="0"/>
                 <a:cs typeface="Times New Roman" pitchFamily="18" charset="0"/>
               </a:rPr>
-              <a:t>Задачи: </a:t>
+              <a:t>разработать систему распознавания точечной маркировки на цифровых изображениях черных металлов, протестировать ее и сделать выводы о ее работе с </a:t>
+            </a:r>
+            <a:r>
+              <a:rPr lang="ru-RU" sz="2700" dirty="0" err="1">
+                <a:latin typeface="Times New Roman" pitchFamily="18" charset="0"/>
+                <a:cs typeface="Times New Roman" pitchFamily="18" charset="0"/>
+              </a:rPr>
+              <a:t>предобработанными</a:t>
+            </a:r>
+            <a:r>
+              <a:rPr lang="ru-RU" sz="2700" dirty="0">
+                <a:latin typeface="Times New Roman" pitchFamily="18" charset="0"/>
+                <a:cs typeface="Times New Roman" pitchFamily="18" charset="0"/>
+              </a:rPr>
+              <a:t> и непредобработанными изображениями. </a:t>
+            </a:r>
+          </a:p>
+          <a:p>
+            <a:r>
+              <a:rPr lang="ru-RU" sz="2700" b="1" dirty="0" smtClean="0">
+                <a:latin typeface="Times New Roman" pitchFamily="18" charset="0"/>
+                <a:cs typeface="Times New Roman" pitchFamily="18" charset="0"/>
+              </a:rPr>
+              <a:t>Задачи</a:t>
+            </a:r>
+            <a:r>
+              <a:rPr lang="ru-RU" sz="2700" b="1" dirty="0">
+                <a:latin typeface="Times New Roman" pitchFamily="18" charset="0"/>
+                <a:cs typeface="Times New Roman" pitchFamily="18" charset="0"/>
+              </a:rPr>
+              <a:t>: </a:t>
             </a:r>
           </a:p>
           <a:p>
             <a:pPr algn="just"/>
             <a:r>
-              <a:rPr lang="ru-RU" sz="2400" dirty="0">
-                <a:latin typeface="Times New Roman" panose="02020603050405020304" pitchFamily="18" charset="0"/>
-                <a:cs typeface="Times New Roman" panose="02020603050405020304" pitchFamily="18" charset="0"/>
-              </a:rPr>
-              <a:t>a) провести анализ предметной области, проанализировать аналогичные алгоритмы, предъявить требования к разрабатываемой информационной системе;</a:t>
+              <a:rPr lang="ru-RU" sz="2700" dirty="0">
+                <a:latin typeface="Times New Roman" pitchFamily="18" charset="0"/>
+                <a:cs typeface="Times New Roman" pitchFamily="18" charset="0"/>
+              </a:rPr>
+              <a:t>- произвести краткий обзор исходных данных;</a:t>
             </a:r>
           </a:p>
           <a:p>
             <a:pPr algn="just"/>
             <a:r>
-              <a:rPr lang="ru-RU" sz="2400" dirty="0">
-                <a:latin typeface="Times New Roman" panose="02020603050405020304" pitchFamily="18" charset="0"/>
-                <a:cs typeface="Times New Roman" panose="02020603050405020304" pitchFamily="18" charset="0"/>
-              </a:rPr>
-              <a:t>b) произвести математическое моделирование разрабатываемой информационной системы;</a:t>
+              <a:rPr lang="ru-RU" sz="2700" dirty="0">
+                <a:latin typeface="Times New Roman" pitchFamily="18" charset="0"/>
+                <a:cs typeface="Times New Roman" pitchFamily="18" charset="0"/>
+              </a:rPr>
+              <a:t>- произвести обзор </a:t>
+            </a:r>
+            <a:r>
+              <a:rPr lang="ru-RU" sz="2700" dirty="0" err="1">
+                <a:latin typeface="Times New Roman" pitchFamily="18" charset="0"/>
+                <a:cs typeface="Times New Roman" pitchFamily="18" charset="0"/>
+              </a:rPr>
+              <a:t>фреймворка</a:t>
+            </a:r>
+            <a:r>
+              <a:rPr lang="ru-RU" sz="2700" dirty="0">
+                <a:latin typeface="Times New Roman" pitchFamily="18" charset="0"/>
+                <a:cs typeface="Times New Roman" pitchFamily="18" charset="0"/>
+              </a:rPr>
+              <a:t> Tensorflow </a:t>
+            </a:r>
+            <a:r>
+              <a:rPr lang="ru-RU" sz="2700" dirty="0" err="1">
+                <a:latin typeface="Times New Roman" pitchFamily="18" charset="0"/>
+                <a:cs typeface="Times New Roman" pitchFamily="18" charset="0"/>
+              </a:rPr>
+              <a:t>Object</a:t>
+            </a:r>
+            <a:r>
+              <a:rPr lang="ru-RU" sz="2700" dirty="0">
+                <a:latin typeface="Times New Roman" pitchFamily="18" charset="0"/>
+                <a:cs typeface="Times New Roman" pitchFamily="18" charset="0"/>
+              </a:rPr>
+              <a:t> </a:t>
+            </a:r>
+            <a:r>
+              <a:rPr lang="ru-RU" sz="2700" dirty="0" err="1">
+                <a:latin typeface="Times New Roman" pitchFamily="18" charset="0"/>
+                <a:cs typeface="Times New Roman" pitchFamily="18" charset="0"/>
+              </a:rPr>
+              <a:t>Detection</a:t>
+            </a:r>
+            <a:r>
+              <a:rPr lang="ru-RU" sz="2700" dirty="0">
+                <a:latin typeface="Times New Roman" pitchFamily="18" charset="0"/>
+                <a:cs typeface="Times New Roman" pitchFamily="18" charset="0"/>
+              </a:rPr>
+              <a:t> API и модели RetinaNet;</a:t>
             </a:r>
           </a:p>
           <a:p>
             <a:pPr algn="just"/>
             <a:r>
-              <a:rPr lang="ru-RU" sz="2400" dirty="0">
-                <a:latin typeface="Times New Roman" panose="02020603050405020304" pitchFamily="18" charset="0"/>
-                <a:cs typeface="Times New Roman" panose="02020603050405020304" pitchFamily="18" charset="0"/>
-              </a:rPr>
-              <a:t>c) проанализировать алгоритмы, используемые при разработке информационной системы, описать их;</a:t>
+              <a:rPr lang="ru-RU" sz="2700" dirty="0">
+                <a:latin typeface="Times New Roman" pitchFamily="18" charset="0"/>
+                <a:cs typeface="Times New Roman" pitchFamily="18" charset="0"/>
+              </a:rPr>
+              <a:t>- найти и изучить датасеты по заданной тематике или сгенерировать их;</a:t>
             </a:r>
           </a:p>
           <a:p>
             <a:pPr algn="just"/>
             <a:r>
-              <a:rPr lang="ru-RU" sz="2400" dirty="0">
-                <a:latin typeface="Times New Roman" panose="02020603050405020304" pitchFamily="18" charset="0"/>
-                <a:cs typeface="Times New Roman" panose="02020603050405020304" pitchFamily="18" charset="0"/>
-              </a:rPr>
-              <a:t>d) реализовать информационную систему;</a:t>
+              <a:rPr lang="ru-RU" sz="2700" dirty="0">
+                <a:latin typeface="Times New Roman" pitchFamily="18" charset="0"/>
+                <a:cs typeface="Times New Roman" pitchFamily="18" charset="0"/>
+              </a:rPr>
+              <a:t>- найти алгоритмы, подходящие для предобработки изображений для исследований;</a:t>
             </a:r>
           </a:p>
           <a:p>
             <a:pPr algn="just"/>
             <a:r>
-              <a:rPr lang="en-US" sz="2400" dirty="0">
-                <a:latin typeface="Times New Roman" panose="02020603050405020304" pitchFamily="18" charset="0"/>
-                <a:cs typeface="Times New Roman" panose="02020603050405020304" pitchFamily="18" charset="0"/>
-              </a:rPr>
-              <a:t>e) </a:t>
-            </a:r>
-            <a:r>
-              <a:rPr lang="ru-RU" sz="2400" dirty="0">
-                <a:latin typeface="Times New Roman" panose="02020603050405020304" pitchFamily="18" charset="0"/>
-                <a:cs typeface="Times New Roman" panose="02020603050405020304" pitchFamily="18" charset="0"/>
-              </a:rPr>
-              <a:t>протестировать разработанную систему и сделать выводы о ее работе.</a:t>
+              <a:rPr lang="ru-RU" sz="2700" dirty="0">
+                <a:latin typeface="Times New Roman" pitchFamily="18" charset="0"/>
+                <a:cs typeface="Times New Roman" pitchFamily="18" charset="0"/>
+              </a:rPr>
+              <a:t>- реализовать систему для распознавания маркировки на изображении;</a:t>
+            </a:r>
+          </a:p>
+          <a:p>
+            <a:pPr algn="just"/>
+            <a:r>
+              <a:rPr lang="ru-RU" sz="2700" dirty="0">
+                <a:latin typeface="Times New Roman" pitchFamily="18" charset="0"/>
+                <a:cs typeface="Times New Roman" pitchFamily="18" charset="0"/>
+              </a:rPr>
+              <a:t>- протестировать работу разработанной системы и сделать выводы о качестве распознавания маркировки, если на вход поступает предобработанное изображение и непредобработанное изображение.</a:t>
             </a:r>
           </a:p>
         </p:txBody>
@@ -3520,8 +7203,8 @@
         </p:nvSpPr>
         <p:spPr>
           <a:xfrm>
-            <a:off x="0" y="618667"/>
-            <a:ext cx="12192000" cy="461665"/>
+            <a:off x="0" y="0"/>
+            <a:ext cx="12192000" cy="646331"/>
           </a:xfrm>
           <a:prstGeom prst="rect">
             <a:avLst/>
@@ -3535,7 +7218,7 @@
           <a:p>
             <a:pPr algn="ctr"/>
             <a:r>
-              <a:rPr lang="ru-RU" sz="2400" dirty="0">
+              <a:rPr lang="ru-RU" sz="3600" b="1" dirty="0">
                 <a:latin typeface="Times New Roman" panose="02020603050405020304" pitchFamily="18" charset="0"/>
                 <a:cs typeface="Times New Roman" panose="02020603050405020304" pitchFamily="18" charset="0"/>
               </a:rPr>
@@ -3554,6 +7237,13 @@
   <p:clrMapOvr>
     <a:masterClrMapping/>
   </p:clrMapOvr>
+  <p:timing>
+    <p:tnLst>
+      <p:par>
+        <p:cTn id="1" dur="indefinite" restart="never" nodeType="tmRoot"/>
+      </p:par>
+    </p:tnLst>
+  </p:timing>
 </p:sld>
 </file>
 
@@ -3576,7 +7266,7 @@
       </p:grpSpPr>
       <p:sp>
         <p:nvSpPr>
-          <p:cNvPr id="4" name="TextBox 3"/>
+          <p:cNvPr id="41" name="TextBox 40"/>
           <p:cNvSpPr txBox="1"/>
           <p:nvPr/>
         </p:nvSpPr>
@@ -3604,32 +7294,97 @@
               <a:t>3</a:t>
             </a:r>
             <a:r>
-              <a:rPr lang="en-US" dirty="0">
+              <a:rPr lang="en-US" dirty="0" smtClean="0">
                 <a:latin typeface="Times New Roman" panose="02020603050405020304" pitchFamily="18" charset="0"/>
                 <a:cs typeface="Times New Roman" panose="02020603050405020304" pitchFamily="18" charset="0"/>
               </a:rPr>
               <a:t>/</a:t>
             </a:r>
             <a:r>
-              <a:rPr lang="ru-RU" dirty="0">
-                <a:latin typeface="Times New Roman" panose="02020603050405020304" pitchFamily="18" charset="0"/>
-                <a:cs typeface="Times New Roman" panose="02020603050405020304" pitchFamily="18" charset="0"/>
-              </a:rPr>
-              <a:t>8</a:t>
-            </a:r>
-          </a:p>
-        </p:txBody>
-      </p:sp>
-      <p:sp>
-        <p:nvSpPr>
-          <p:cNvPr id="3" name="Прямоугольник 2"/>
+              <a:rPr lang="ru-RU" dirty="0" smtClean="0">
+                <a:latin typeface="Times New Roman" panose="02020603050405020304" pitchFamily="18" charset="0"/>
+                <a:cs typeface="Times New Roman" panose="02020603050405020304" pitchFamily="18" charset="0"/>
+              </a:rPr>
+              <a:t>19</a:t>
+            </a:r>
+            <a:endParaRPr lang="ru-RU" dirty="0">
+              <a:latin typeface="Times New Roman" panose="02020603050405020304" pitchFamily="18" charset="0"/>
+              <a:cs typeface="Times New Roman" panose="02020603050405020304" pitchFamily="18" charset="0"/>
+            </a:endParaRPr>
+          </a:p>
+        </p:txBody>
+      </p:sp>
+      <p:sp>
+        <p:nvSpPr>
+          <p:cNvPr id="5" name="TextBox 4"/>
+          <p:cNvSpPr txBox="1"/>
+          <p:nvPr/>
+        </p:nvSpPr>
+        <p:spPr>
+          <a:xfrm>
+            <a:off x="0" y="646331"/>
+            <a:ext cx="12192000" cy="523220"/>
+          </a:xfrm>
+          <a:prstGeom prst="rect">
+            <a:avLst/>
+          </a:prstGeom>
+          <a:noFill/>
+        </p:spPr>
+        <p:txBody>
+          <a:bodyPr wrap="square" rtlCol="0">
+            <a:spAutoFit/>
+          </a:bodyPr>
+          <a:lstStyle/>
+          <a:p>
+            <a:pPr algn="just"/>
+            <a:r>
+              <a:rPr lang="ru-RU" sz="2800" b="1" dirty="0">
+                <a:latin typeface="Times New Roman" panose="02020603050405020304" pitchFamily="18" charset="0"/>
+                <a:cs typeface="Times New Roman" panose="02020603050405020304" pitchFamily="18" charset="0"/>
+              </a:rPr>
+              <a:t>Объектом</a:t>
+            </a:r>
+            <a:r>
+              <a:rPr lang="ru-RU" sz="2800" dirty="0">
+                <a:latin typeface="Times New Roman" panose="02020603050405020304" pitchFamily="18" charset="0"/>
+                <a:cs typeface="Times New Roman" panose="02020603050405020304" pitchFamily="18" charset="0"/>
+              </a:rPr>
+              <a:t> </a:t>
+            </a:r>
+            <a:r>
+              <a:rPr lang="ru-RU" sz="2800" dirty="0" smtClean="0">
+                <a:latin typeface="Times New Roman" panose="02020603050405020304" pitchFamily="18" charset="0"/>
+                <a:cs typeface="Times New Roman" panose="02020603050405020304" pitchFamily="18" charset="0"/>
+              </a:rPr>
+              <a:t>распознавания </a:t>
+            </a:r>
+            <a:r>
+              <a:rPr lang="ru-RU" sz="2800" dirty="0">
+                <a:latin typeface="Times New Roman" panose="02020603050405020304" pitchFamily="18" charset="0"/>
+                <a:cs typeface="Times New Roman" panose="02020603050405020304" pitchFamily="18" charset="0"/>
+              </a:rPr>
+              <a:t>является маркированная трубопроводная продукция</a:t>
+            </a:r>
+            <a:r>
+              <a:rPr lang="ru-RU" sz="2700" dirty="0">
+                <a:latin typeface="Times New Roman" panose="02020603050405020304" pitchFamily="18" charset="0"/>
+                <a:cs typeface="Times New Roman" panose="02020603050405020304" pitchFamily="18" charset="0"/>
+              </a:rPr>
+              <a:t>.</a:t>
+            </a:r>
+          </a:p>
+        </p:txBody>
+      </p:sp>
+      <p:sp>
+        <p:nvSpPr>
+          <p:cNvPr id="2" name="Прямоугольник 1"/>
           <p:cNvSpPr/>
           <p:nvPr/>
         </p:nvSpPr>
         <p:spPr>
           <a:xfrm>
-            <a:off x="0" y="1523487"/>
-            <a:ext cx="12192000" cy="3539430"/>
+            <a:off x="0" y="0"/>
+            <a:ext cx="12192000" cy="646331"/>
           </a:xfrm>
           <a:prstGeom prst="rect">
             <a:avLst/>
@@ -3641,210 +7396,150 @@
           </a:bodyPr>
           <a:lstStyle/>
           <a:p>
-            <a:pPr algn="just"/>
-            <a:r>
-              <a:rPr lang="ru-RU" sz="2800" dirty="0">
-                <a:latin typeface="Times New Roman" panose="02020603050405020304" pitchFamily="18" charset="0"/>
-                <a:cs typeface="Times New Roman" panose="02020603050405020304" pitchFamily="18" charset="0"/>
-              </a:rPr>
-              <a:t>Входные данные:</a:t>
-            </a:r>
-          </a:p>
-          <a:p>
-            <a:pPr algn="just"/>
-            <a:r>
-              <a:rPr lang="ru-RU" sz="2800" dirty="0">
-                <a:latin typeface="Times New Roman" panose="02020603050405020304" pitchFamily="18" charset="0"/>
-                <a:cs typeface="Times New Roman" panose="02020603050405020304" pitchFamily="18" charset="0"/>
-              </a:rPr>
-              <a:t>a) </a:t>
-            </a:r>
-            <a:r>
-              <a:rPr lang="ru-RU" sz="2800" dirty="0" err="1">
-                <a:latin typeface="Times New Roman" panose="02020603050405020304" pitchFamily="18" charset="0"/>
-                <a:cs typeface="Times New Roman" panose="02020603050405020304" pitchFamily="18" charset="0"/>
-              </a:rPr>
-              <a:t>датасет</a:t>
-            </a:r>
-            <a:r>
-              <a:rPr lang="ru-RU" sz="2800" dirty="0">
-                <a:latin typeface="Times New Roman" panose="02020603050405020304" pitchFamily="18" charset="0"/>
-                <a:cs typeface="Times New Roman" panose="02020603050405020304" pitchFamily="18" charset="0"/>
-              </a:rPr>
-              <a:t> изображений черных металлов </a:t>
-            </a:r>
-            <a:r>
-              <a:rPr lang="en-US" sz="2800" dirty="0" err="1">
-                <a:latin typeface="Times New Roman" panose="02020603050405020304" pitchFamily="18" charset="0"/>
-                <a:cs typeface="Times New Roman" panose="02020603050405020304" pitchFamily="18" charset="0"/>
-              </a:rPr>
-              <a:t>Severstal</a:t>
-            </a:r>
-            <a:r>
-              <a:rPr lang="en-US" sz="2800" dirty="0">
-                <a:latin typeface="Times New Roman" panose="02020603050405020304" pitchFamily="18" charset="0"/>
-                <a:cs typeface="Times New Roman" panose="02020603050405020304" pitchFamily="18" charset="0"/>
-              </a:rPr>
-              <a:t>: Steel Defect Detection (</a:t>
-            </a:r>
-            <a:r>
-              <a:rPr lang="ru-RU" sz="2800" dirty="0">
-                <a:latin typeface="Times New Roman" panose="02020603050405020304" pitchFamily="18" charset="0"/>
-                <a:cs typeface="Times New Roman" panose="02020603050405020304" pitchFamily="18" charset="0"/>
-              </a:rPr>
-              <a:t>12867 изображений);</a:t>
-            </a:r>
-          </a:p>
-          <a:p>
-            <a:pPr algn="just"/>
-            <a:r>
-              <a:rPr lang="ru-RU" sz="2800" dirty="0">
-                <a:latin typeface="Times New Roman" panose="02020603050405020304" pitchFamily="18" charset="0"/>
-                <a:cs typeface="Times New Roman" panose="02020603050405020304" pitchFamily="18" charset="0"/>
-              </a:rPr>
-              <a:t>b) среда программирования </a:t>
-            </a:r>
-            <a:r>
-              <a:rPr lang="ru-RU" sz="2800" dirty="0" err="1">
-                <a:latin typeface="Times New Roman" panose="02020603050405020304" pitchFamily="18" charset="0"/>
-                <a:cs typeface="Times New Roman" panose="02020603050405020304" pitchFamily="18" charset="0"/>
-              </a:rPr>
-              <a:t>Visual</a:t>
-            </a:r>
-            <a:r>
-              <a:rPr lang="ru-RU" sz="2800" dirty="0">
-                <a:latin typeface="Times New Roman" panose="02020603050405020304" pitchFamily="18" charset="0"/>
-                <a:cs typeface="Times New Roman" panose="02020603050405020304" pitchFamily="18" charset="0"/>
-              </a:rPr>
-              <a:t> </a:t>
-            </a:r>
-            <a:r>
-              <a:rPr lang="ru-RU" sz="2800" dirty="0" err="1">
-                <a:latin typeface="Times New Roman" panose="02020603050405020304" pitchFamily="18" charset="0"/>
-                <a:cs typeface="Times New Roman" panose="02020603050405020304" pitchFamily="18" charset="0"/>
-              </a:rPr>
-              <a:t>Studio</a:t>
-            </a:r>
-            <a:r>
-              <a:rPr lang="ru-RU" sz="2800" dirty="0">
-                <a:latin typeface="Times New Roman" panose="02020603050405020304" pitchFamily="18" charset="0"/>
-                <a:cs typeface="Times New Roman" panose="02020603050405020304" pitchFamily="18" charset="0"/>
-              </a:rPr>
-              <a:t> </a:t>
-            </a:r>
-            <a:r>
-              <a:rPr lang="en-US" sz="2800" dirty="0">
-                <a:latin typeface="Times New Roman" panose="02020603050405020304" pitchFamily="18" charset="0"/>
-                <a:cs typeface="Times New Roman" panose="02020603050405020304" pitchFamily="18" charset="0"/>
-              </a:rPr>
-              <a:t>Code</a:t>
-            </a:r>
-            <a:r>
-              <a:rPr lang="ru-RU" sz="2800" dirty="0">
-                <a:latin typeface="Times New Roman" panose="02020603050405020304" pitchFamily="18" charset="0"/>
-                <a:cs typeface="Times New Roman" panose="02020603050405020304" pitchFamily="18" charset="0"/>
-              </a:rPr>
-              <a:t>;</a:t>
-            </a:r>
-          </a:p>
-          <a:p>
-            <a:pPr algn="just"/>
-            <a:r>
-              <a:rPr lang="ru-RU" sz="2800" dirty="0">
-                <a:latin typeface="Times New Roman" panose="02020603050405020304" pitchFamily="18" charset="0"/>
-                <a:cs typeface="Times New Roman" panose="02020603050405020304" pitchFamily="18" charset="0"/>
-              </a:rPr>
-              <a:t>c) язык программирования </a:t>
-            </a:r>
-            <a:r>
-              <a:rPr lang="en-US" sz="2800" dirty="0">
-                <a:latin typeface="Times New Roman" panose="02020603050405020304" pitchFamily="18" charset="0"/>
-                <a:cs typeface="Times New Roman" panose="02020603050405020304" pitchFamily="18" charset="0"/>
-              </a:rPr>
-              <a:t>Python</a:t>
-            </a:r>
-            <a:r>
-              <a:rPr lang="ru-RU" sz="2800" dirty="0">
-                <a:latin typeface="Times New Roman" panose="02020603050405020304" pitchFamily="18" charset="0"/>
-                <a:cs typeface="Times New Roman" panose="02020603050405020304" pitchFamily="18" charset="0"/>
-              </a:rPr>
-              <a:t>;</a:t>
-            </a:r>
-          </a:p>
-          <a:p>
-            <a:pPr algn="just"/>
-            <a:r>
-              <a:rPr lang="ru-RU" sz="2800" dirty="0">
-                <a:latin typeface="Times New Roman" panose="02020603050405020304" pitchFamily="18" charset="0"/>
-                <a:cs typeface="Times New Roman" panose="02020603050405020304" pitchFamily="18" charset="0"/>
-              </a:rPr>
-              <a:t>d) библиотеки </a:t>
-            </a:r>
-            <a:r>
-              <a:rPr lang="en-US" sz="2800" dirty="0" err="1">
-                <a:latin typeface="Times New Roman" panose="02020603050405020304" pitchFamily="18" charset="0"/>
-                <a:cs typeface="Times New Roman" panose="02020603050405020304" pitchFamily="18" charset="0"/>
-              </a:rPr>
-              <a:t>Numpy</a:t>
-            </a:r>
-            <a:r>
-              <a:rPr lang="ru-RU" sz="2800" dirty="0">
-                <a:latin typeface="Times New Roman" panose="02020603050405020304" pitchFamily="18" charset="0"/>
-                <a:cs typeface="Times New Roman" panose="02020603050405020304" pitchFamily="18" charset="0"/>
-              </a:rPr>
-              <a:t> и </a:t>
-            </a:r>
-            <a:r>
-              <a:rPr lang="en-US" sz="2800" dirty="0" err="1">
-                <a:latin typeface="Times New Roman" panose="02020603050405020304" pitchFamily="18" charset="0"/>
-                <a:cs typeface="Times New Roman" panose="02020603050405020304" pitchFamily="18" charset="0"/>
-              </a:rPr>
-              <a:t>TensorFlow</a:t>
-            </a:r>
-            <a:r>
-              <a:rPr lang="ru-RU" sz="2800" dirty="0">
-                <a:latin typeface="Times New Roman" panose="02020603050405020304" pitchFamily="18" charset="0"/>
-                <a:cs typeface="Times New Roman" panose="02020603050405020304" pitchFamily="18" charset="0"/>
-              </a:rPr>
-              <a:t> </a:t>
-            </a:r>
-            <a:r>
-              <a:rPr lang="en-US" sz="2800" dirty="0">
-                <a:latin typeface="Times New Roman" panose="02020603050405020304" pitchFamily="18" charset="0"/>
-                <a:cs typeface="Times New Roman" panose="02020603050405020304" pitchFamily="18" charset="0"/>
-              </a:rPr>
-              <a:t>Object Detection API.</a:t>
-            </a:r>
-          </a:p>
-          <a:p>
-            <a:pPr algn="just"/>
-            <a:endParaRPr lang="ru-RU" sz="2800" dirty="0">
+            <a:pPr algn="ctr"/>
+            <a:r>
+              <a:rPr lang="ru-RU" sz="3600" b="1" dirty="0" smtClean="0">
+                <a:latin typeface="Times New Roman" panose="02020603050405020304" pitchFamily="18" charset="0"/>
+                <a:cs typeface="Times New Roman" panose="02020603050405020304" pitchFamily="18" charset="0"/>
+              </a:rPr>
+              <a:t>Объект исследования</a:t>
+            </a:r>
+            <a:endParaRPr lang="ru-RU" sz="3600" b="1" dirty="0">
               <a:latin typeface="Times New Roman" panose="02020603050405020304" pitchFamily="18" charset="0"/>
               <a:cs typeface="Times New Roman" panose="02020603050405020304" pitchFamily="18" charset="0"/>
             </a:endParaRPr>
           </a:p>
-          <a:p>
-            <a:pPr algn="just"/>
-            <a:r>
-              <a:rPr lang="ru-RU" sz="2800" dirty="0">
-                <a:latin typeface="Times New Roman" panose="02020603050405020304" pitchFamily="18" charset="0"/>
-                <a:cs typeface="Times New Roman" panose="02020603050405020304" pitchFamily="18" charset="0"/>
-              </a:rPr>
-              <a:t>Выходные данные: текст распознанной точечной маркировки на изображении.</a:t>
-            </a:r>
-          </a:p>
-        </p:txBody>
-      </p:sp>
-      <p:sp>
-        <p:nvSpPr>
-          <p:cNvPr id="2" name="Прямоугольник 1"/>
+        </p:txBody>
+      </p:sp>
+      <p:pic>
+        <p:nvPicPr>
+          <p:cNvPr id="6" name="Picture 2" descr="D:\Alan Wake\!!!!!Диссертация\грант\Умник март 2015\Завод\2014-12-03 006.JPG"/>
+          <p:cNvPicPr>
+            <a:picLocks noChangeAspect="1" noChangeArrowheads="1"/>
+          </p:cNvPicPr>
+          <p:nvPr/>
+        </p:nvPicPr>
+        <p:blipFill rotWithShape="1">
+          <a:blip r:embed="rId2" cstate="print">
+            <a:extLst>
+              <a:ext uri="{28A0092B-C50C-407E-A947-70E740481C1C}">
+                <a14:useLocalDpi xmlns:a14="http://schemas.microsoft.com/office/drawing/2010/main" val="0"/>
+              </a:ext>
+            </a:extLst>
+          </a:blip>
+          <a:srcRect l="11562"/>
+          <a:stretch/>
+        </p:blipFill>
+        <p:spPr bwMode="auto">
+          <a:xfrm>
+            <a:off x="859805" y="1094667"/>
+            <a:ext cx="2572013" cy="2181213"/>
+          </a:xfrm>
+          <a:prstGeom prst="rect">
+            <a:avLst/>
+          </a:prstGeom>
+          <a:noFill/>
+          <a:extLst>
+            <a:ext uri="{909E8E84-426E-40DD-AFC4-6F175D3DCCD1}">
+              <a14:hiddenFill xmlns:a14="http://schemas.microsoft.com/office/drawing/2010/main">
+                <a:solidFill>
+                  <a:srgbClr val="FFFFFF"/>
+                </a:solidFill>
+              </a14:hiddenFill>
+            </a:ext>
+          </a:extLst>
+        </p:spPr>
+      </p:pic>
+      <p:pic>
+        <p:nvPicPr>
+          <p:cNvPr id="7" name="Picture 3" descr="D:\Alan Wake\!!!!!Диссертация\грант\Умник март 2015\Завод\2014-12-03 027.JPG"/>
+          <p:cNvPicPr>
+            <a:picLocks noChangeAspect="1" noChangeArrowheads="1"/>
+          </p:cNvPicPr>
+          <p:nvPr/>
+        </p:nvPicPr>
+        <p:blipFill>
+          <a:blip r:embed="rId3" cstate="print">
+            <a:extLst>
+              <a:ext uri="{28A0092B-C50C-407E-A947-70E740481C1C}">
+                <a14:useLocalDpi xmlns:a14="http://schemas.microsoft.com/office/drawing/2010/main" val="0"/>
+              </a:ext>
+            </a:extLst>
+          </a:blip>
+          <a:srcRect/>
+          <a:stretch>
+            <a:fillRect/>
+          </a:stretch>
+        </p:blipFill>
+        <p:spPr bwMode="auto">
+          <a:xfrm>
+            <a:off x="4515576" y="1169551"/>
+            <a:ext cx="2774921" cy="2106329"/>
+          </a:xfrm>
+          <a:prstGeom prst="rect">
+            <a:avLst/>
+          </a:prstGeom>
+          <a:noFill/>
+          <a:extLst>
+            <a:ext uri="{909E8E84-426E-40DD-AFC4-6F175D3DCCD1}">
+              <a14:hiddenFill xmlns:a14="http://schemas.microsoft.com/office/drawing/2010/main">
+                <a:solidFill>
+                  <a:srgbClr val="FFFFFF"/>
+                </a:solidFill>
+              </a14:hiddenFill>
+            </a:ext>
+          </a:extLst>
+        </p:spPr>
+      </p:pic>
+      <p:pic>
+        <p:nvPicPr>
+          <p:cNvPr id="8" name="Picture 4" descr="D:\Alan Wake\!!!!!Диссертация\грант\Умник март 2015\Завод\2014-12-03 060.JPG"/>
+          <p:cNvPicPr>
+            <a:picLocks noChangeAspect="1" noChangeArrowheads="1"/>
+          </p:cNvPicPr>
+          <p:nvPr/>
+        </p:nvPicPr>
+        <p:blipFill rotWithShape="1">
+          <a:blip r:embed="rId4" cstate="print">
+            <a:extLst>
+              <a:ext uri="{28A0092B-C50C-407E-A947-70E740481C1C}">
+                <a14:useLocalDpi xmlns:a14="http://schemas.microsoft.com/office/drawing/2010/main" val="0"/>
+              </a:ext>
+            </a:extLst>
+          </a:blip>
+          <a:srcRect b="15190"/>
+          <a:stretch/>
+        </p:blipFill>
+        <p:spPr bwMode="auto">
+          <a:xfrm>
+            <a:off x="8262155" y="1231561"/>
+            <a:ext cx="3188329" cy="2114480"/>
+          </a:xfrm>
+          <a:prstGeom prst="rect">
+            <a:avLst/>
+          </a:prstGeom>
+          <a:noFill/>
+          <a:extLst>
+            <a:ext uri="{909E8E84-426E-40DD-AFC4-6F175D3DCCD1}">
+              <a14:hiddenFill xmlns:a14="http://schemas.microsoft.com/office/drawing/2010/main">
+                <a:solidFill>
+                  <a:srgbClr val="FFFFFF"/>
+                </a:solidFill>
+              </a14:hiddenFill>
+            </a:ext>
+          </a:extLst>
+        </p:spPr>
+      </p:pic>
+      <p:sp>
+        <p:nvSpPr>
+          <p:cNvPr id="3" name="Прямоугольник 2"/>
           <p:cNvSpPr/>
           <p:nvPr/>
         </p:nvSpPr>
         <p:spPr>
           <a:xfrm>
-            <a:off x="0" y="606475"/>
-            <a:ext cx="12192000" cy="461665"/>
+            <a:off x="0" y="3408051"/>
+            <a:ext cx="12192000" cy="954107"/>
           </a:xfrm>
           <a:prstGeom prst="rect">
             <a:avLst/>
@@ -3856,27 +7551,154 @@
           </a:bodyPr>
           <a:lstStyle/>
           <a:p>
-            <a:pPr algn="ctr"/>
-            <a:r>
-              <a:rPr lang="ru-RU" sz="2400" dirty="0">
-                <a:latin typeface="Times New Roman" panose="02020603050405020304" pitchFamily="18" charset="0"/>
-                <a:cs typeface="Times New Roman" panose="02020603050405020304" pitchFamily="18" charset="0"/>
-              </a:rPr>
-              <a:t>Входные и выходные данные</a:t>
-            </a:r>
-          </a:p>
-        </p:txBody>
-      </p:sp>
+            <a:pPr marL="45720" indent="0" algn="just">
+              <a:buFont typeface="Georgia" pitchFamily="18" charset="0"/>
+              <a:buNone/>
+            </a:pPr>
+            <a:r>
+              <a:rPr lang="ru-RU" sz="2800" dirty="0">
+                <a:latin typeface="Times New Roman" panose="02020603050405020304" pitchFamily="18" charset="0"/>
+                <a:cs typeface="Times New Roman" panose="02020603050405020304" pitchFamily="18" charset="0"/>
+              </a:rPr>
+              <a:t>Основным способом нанесения маркировки на трубопроводную продукцию является струйная печать промышленным принтером.</a:t>
+            </a:r>
+          </a:p>
+        </p:txBody>
+      </p:sp>
+      <p:pic>
+        <p:nvPicPr>
+          <p:cNvPr id="9" name="Picture 2" descr="C:\Users\PFO3\Pictures\Light Alloy\Маркировка-0-01-16-043.jpg"/>
+          <p:cNvPicPr>
+            <a:picLocks noChangeAspect="1" noChangeArrowheads="1"/>
+          </p:cNvPicPr>
+          <p:nvPr/>
+        </p:nvPicPr>
+        <p:blipFill rotWithShape="1">
+          <a:blip r:embed="rId5" cstate="print">
+            <a:extLst>
+              <a:ext uri="{28A0092B-C50C-407E-A947-70E740481C1C}">
+                <a14:useLocalDpi xmlns:a14="http://schemas.microsoft.com/office/drawing/2010/main" val="0"/>
+              </a:ext>
+            </a:extLst>
+          </a:blip>
+          <a:srcRect r="7531"/>
+          <a:stretch/>
+        </p:blipFill>
+        <p:spPr bwMode="auto">
+          <a:xfrm>
+            <a:off x="1419814" y="4424169"/>
+            <a:ext cx="2714607" cy="2201774"/>
+          </a:xfrm>
+          <a:prstGeom prst="rect">
+            <a:avLst/>
+          </a:prstGeom>
+          <a:noFill/>
+          <a:extLst>
+            <a:ext uri="{909E8E84-426E-40DD-AFC4-6F175D3DCCD1}">
+              <a14:hiddenFill xmlns:a14="http://schemas.microsoft.com/office/drawing/2010/main">
+                <a:solidFill>
+                  <a:srgbClr val="FFFFFF"/>
+                </a:solidFill>
+              </a14:hiddenFill>
+            </a:ext>
+          </a:extLst>
+        </p:spPr>
+      </p:pic>
+      <p:pic>
+        <p:nvPicPr>
+          <p:cNvPr id="10" name="Picture 3" descr="C:\Users\PFO3\Pictures\Light Alloy\Маркировка-0-01-19-790.jpg"/>
+          <p:cNvPicPr>
+            <a:picLocks noChangeAspect="1" noChangeArrowheads="1"/>
+          </p:cNvPicPr>
+          <p:nvPr/>
+        </p:nvPicPr>
+        <p:blipFill rotWithShape="1">
+          <a:blip r:embed="rId6" cstate="print">
+            <a:extLst>
+              <a:ext uri="{28A0092B-C50C-407E-A947-70E740481C1C}">
+                <a14:useLocalDpi xmlns:a14="http://schemas.microsoft.com/office/drawing/2010/main" val="0"/>
+              </a:ext>
+            </a:extLst>
+          </a:blip>
+          <a:srcRect r="7509"/>
+          <a:stretch/>
+        </p:blipFill>
+        <p:spPr bwMode="auto">
+          <a:xfrm>
+            <a:off x="4915880" y="4424168"/>
+            <a:ext cx="2715252" cy="2201773"/>
+          </a:xfrm>
+          <a:prstGeom prst="rect">
+            <a:avLst/>
+          </a:prstGeom>
+          <a:noFill/>
+          <a:extLst>
+            <a:ext uri="{909E8E84-426E-40DD-AFC4-6F175D3DCCD1}">
+              <a14:hiddenFill xmlns:a14="http://schemas.microsoft.com/office/drawing/2010/main">
+                <a:solidFill>
+                  <a:srgbClr val="FFFFFF"/>
+                </a:solidFill>
+              </a14:hiddenFill>
+            </a:ext>
+          </a:extLst>
+        </p:spPr>
+      </p:pic>
+      <p:pic>
+        <p:nvPicPr>
+          <p:cNvPr id="11" name="Picture 4" descr="C:\Users\PFO3\Pictures\Light Alloy\Маркировка-0-01-28-942.jpg"/>
+          <p:cNvPicPr>
+            <a:picLocks noChangeAspect="1" noChangeArrowheads="1"/>
+          </p:cNvPicPr>
+          <p:nvPr/>
+        </p:nvPicPr>
+        <p:blipFill rotWithShape="1">
+          <a:blip r:embed="rId7" cstate="print">
+            <a:extLst>
+              <a:ext uri="{28A0092B-C50C-407E-A947-70E740481C1C}">
+                <a14:useLocalDpi xmlns:a14="http://schemas.microsoft.com/office/drawing/2010/main" val="0"/>
+              </a:ext>
+            </a:extLst>
+          </a:blip>
+          <a:srcRect r="7509"/>
+          <a:stretch/>
+        </p:blipFill>
+        <p:spPr bwMode="auto">
+          <a:xfrm>
+            <a:off x="8262156" y="4424168"/>
+            <a:ext cx="2715252" cy="2201773"/>
+          </a:xfrm>
+          <a:prstGeom prst="rect">
+            <a:avLst/>
+          </a:prstGeom>
+          <a:noFill/>
+          <a:extLst>
+            <a:ext uri="{909E8E84-426E-40DD-AFC4-6F175D3DCCD1}">
+              <a14:hiddenFill xmlns:a14="http://schemas.microsoft.com/office/drawing/2010/main">
+                <a:solidFill>
+                  <a:srgbClr val="FFFFFF"/>
+                </a:solidFill>
+              </a14:hiddenFill>
+            </a:ext>
+          </a:extLst>
+        </p:spPr>
+      </p:pic>
     </p:spTree>
     <p:extLst>
       <p:ext uri="{BB962C8B-B14F-4D97-AF65-F5344CB8AC3E}">
-        <p14:creationId xmlns:p14="http://schemas.microsoft.com/office/powerpoint/2010/main" val="452106387"/>
+        <p14:creationId xmlns:p14="http://schemas.microsoft.com/office/powerpoint/2010/main" val="1204687694"/>
       </p:ext>
     </p:extLst>
   </p:cSld>
   <p:clrMapOvr>
     <a:masterClrMapping/>
   </p:clrMapOvr>
+  <p:timing>
+    <p:tnLst>
+      <p:par>
+        <p:cTn id="1" dur="indefinite" restart="never" nodeType="tmRoot"/>
+      </p:par>
+    </p:tnLst>
+  </p:timing>
 </p:sld>
 </file>
 
@@ -3899,7 +7721,43 @@
       </p:grpSpPr>
       <p:sp>
         <p:nvSpPr>
-          <p:cNvPr id="4" name="TextBox 3"/>
+          <p:cNvPr id="2" name="Прямоугольник 1"/>
+          <p:cNvSpPr/>
+          <p:nvPr/>
+        </p:nvSpPr>
+        <p:spPr>
+          <a:xfrm>
+            <a:off x="0" y="0"/>
+            <a:ext cx="12192000" cy="646331"/>
+          </a:xfrm>
+          <a:prstGeom prst="rect">
+            <a:avLst/>
+          </a:prstGeom>
+        </p:spPr>
+        <p:txBody>
+          <a:bodyPr wrap="square">
+            <a:spAutoFit/>
+          </a:bodyPr>
+          <a:lstStyle/>
+          <a:p>
+            <a:pPr algn="ctr"/>
+            <a:r>
+              <a:rPr lang="ru-RU" sz="3600" b="1" dirty="0" smtClean="0">
+                <a:latin typeface="Times New Roman" panose="02020603050405020304" pitchFamily="18" charset="0"/>
+                <a:cs typeface="Times New Roman" panose="02020603050405020304" pitchFamily="18" charset="0"/>
+              </a:rPr>
+              <a:t>Способы маркирования</a:t>
+            </a:r>
+            <a:endParaRPr lang="ru-RU" sz="3600" b="1" dirty="0">
+              <a:latin typeface="Times New Roman" panose="02020603050405020304" pitchFamily="18" charset="0"/>
+              <a:cs typeface="Times New Roman" panose="02020603050405020304" pitchFamily="18" charset="0"/>
+            </a:endParaRPr>
+          </a:p>
+        </p:txBody>
+      </p:sp>
+      <p:sp>
+        <p:nvSpPr>
+          <p:cNvPr id="6" name="TextBox 5"/>
           <p:cNvSpPr txBox="1"/>
           <p:nvPr/>
         </p:nvSpPr>
@@ -3927,125 +7785,317 @@
               <a:t>4</a:t>
             </a:r>
             <a:r>
-              <a:rPr lang="en-US" dirty="0">
+              <a:rPr lang="en-US" dirty="0" smtClean="0">
                 <a:latin typeface="Times New Roman" panose="02020603050405020304" pitchFamily="18" charset="0"/>
                 <a:cs typeface="Times New Roman" panose="02020603050405020304" pitchFamily="18" charset="0"/>
               </a:rPr>
               <a:t>/</a:t>
             </a:r>
             <a:r>
-              <a:rPr lang="ru-RU" dirty="0">
-                <a:latin typeface="Times New Roman" panose="02020603050405020304" pitchFamily="18" charset="0"/>
-                <a:cs typeface="Times New Roman" panose="02020603050405020304" pitchFamily="18" charset="0"/>
-              </a:rPr>
-              <a:t>8</a:t>
-            </a:r>
-          </a:p>
-        </p:txBody>
-      </p:sp>
-      <p:sp>
-        <p:nvSpPr>
-          <p:cNvPr id="2" name="Прямоугольник 1"/>
-          <p:cNvSpPr/>
-          <p:nvPr/>
-        </p:nvSpPr>
-        <p:spPr>
-          <a:xfrm>
-            <a:off x="0" y="606475"/>
-            <a:ext cx="12192000" cy="461665"/>
-          </a:xfrm>
-          <a:prstGeom prst="rect">
-            <a:avLst/>
-          </a:prstGeom>
-        </p:spPr>
-        <p:txBody>
-          <a:bodyPr wrap="square">
-            <a:spAutoFit/>
-          </a:bodyPr>
-          <a:lstStyle/>
-          <a:p>
-            <a:pPr algn="ctr"/>
-            <a:r>
-              <a:rPr lang="ru-RU" sz="2400" dirty="0">
-                <a:latin typeface="Times New Roman" panose="02020603050405020304" pitchFamily="18" charset="0"/>
-                <a:cs typeface="Times New Roman" panose="02020603050405020304" pitchFamily="18" charset="0"/>
-              </a:rPr>
-              <a:t>Моделирование информационной системы</a:t>
-            </a:r>
+              <a:rPr lang="ru-RU" dirty="0" smtClean="0">
+                <a:latin typeface="Times New Roman" panose="02020603050405020304" pitchFamily="18" charset="0"/>
+                <a:cs typeface="Times New Roman" panose="02020603050405020304" pitchFamily="18" charset="0"/>
+              </a:rPr>
+              <a:t>19</a:t>
+            </a:r>
+            <a:endParaRPr lang="ru-RU" dirty="0">
+              <a:latin typeface="Times New Roman" panose="02020603050405020304" pitchFamily="18" charset="0"/>
+              <a:cs typeface="Times New Roman" panose="02020603050405020304" pitchFamily="18" charset="0"/>
+            </a:endParaRPr>
           </a:p>
         </p:txBody>
       </p:sp>
       <p:pic>
         <p:nvPicPr>
-          <p:cNvPr id="12" name="Рисунок 11"/>
+          <p:cNvPr id="7" name="Рисунок 6" descr="https://xn--80ady2a0c.xn--p1ai/uploads/posts/2011-12/1323031567_img_7008.jpg"/>
           <p:cNvPicPr/>
           <p:nvPr/>
         </p:nvPicPr>
-        <p:blipFill>
-          <a:blip r:embed="rId2">
+        <p:blipFill rotWithShape="1">
+          <a:blip r:embed="rId2" cstate="print">
             <a:extLst>
               <a:ext uri="{28A0092B-C50C-407E-A947-70E740481C1C}">
                 <a14:useLocalDpi xmlns:a14="http://schemas.microsoft.com/office/drawing/2010/main" val="0"/>
               </a:ext>
             </a:extLst>
           </a:blip>
-          <a:stretch>
-            <a:fillRect/>
-          </a:stretch>
+          <a:srcRect l="10298" t="29008" b="7887"/>
+          <a:stretch/>
         </p:blipFill>
-        <p:spPr>
-          <a:xfrm>
-            <a:off x="473530" y="1289155"/>
-            <a:ext cx="11234056" cy="3984974"/>
-          </a:xfrm>
-          <a:prstGeom prst="rect">
-            <a:avLst/>
-          </a:prstGeom>
+        <p:spPr bwMode="auto">
+          <a:xfrm>
+            <a:off x="967649" y="655362"/>
+            <a:ext cx="5402367" cy="2587568"/>
+          </a:xfrm>
+          <a:prstGeom prst="rect">
+            <a:avLst/>
+          </a:prstGeom>
+          <a:noFill/>
+          <a:ln>
+            <a:noFill/>
+          </a:ln>
+          <a:extLst>
+            <a:ext uri="{53640926-AAD7-44D8-BBD7-CCE9431645EC}">
+              <a14:shadowObscured xmlns:a14="http://schemas.microsoft.com/office/drawing/2010/main"/>
+            </a:ext>
+          </a:extLst>
         </p:spPr>
       </p:pic>
-      <p:sp>
-        <p:nvSpPr>
-          <p:cNvPr id="13" name="Прямоугольник 12"/>
-          <p:cNvSpPr/>
-          <p:nvPr/>
-        </p:nvSpPr>
-        <p:spPr>
-          <a:xfrm>
-            <a:off x="0" y="5495144"/>
-            <a:ext cx="12191999" cy="461665"/>
-          </a:xfrm>
-          <a:prstGeom prst="rect">
-            <a:avLst/>
-          </a:prstGeom>
-        </p:spPr>
-        <p:txBody>
-          <a:bodyPr wrap="square">
+      <p:pic>
+        <p:nvPicPr>
+          <p:cNvPr id="8" name="Рисунок 7" descr="https://inni.info/f/i/8289f4c57269841582a954854259.jpg"/>
+          <p:cNvPicPr/>
+          <p:nvPr/>
+        </p:nvPicPr>
+        <p:blipFill rotWithShape="1">
+          <a:blip r:embed="rId3" cstate="print">
+            <a:extLst>
+              <a:ext uri="{28A0092B-C50C-407E-A947-70E740481C1C}">
+                <a14:useLocalDpi xmlns:a14="http://schemas.microsoft.com/office/drawing/2010/main" val="0"/>
+              </a:ext>
+            </a:extLst>
+          </a:blip>
+          <a:srcRect l="23255" t="51923"/>
+          <a:stretch/>
+        </p:blipFill>
+        <p:spPr bwMode="auto">
+          <a:xfrm>
+            <a:off x="6041572" y="646330"/>
+            <a:ext cx="5208813" cy="2598721"/>
+          </a:xfrm>
+          <a:prstGeom prst="rect">
+            <a:avLst/>
+          </a:prstGeom>
+          <a:noFill/>
+          <a:ln>
+            <a:noFill/>
+          </a:ln>
+          <a:extLst>
+            <a:ext uri="{53640926-AAD7-44D8-BBD7-CCE9431645EC}">
+              <a14:shadowObscured xmlns:a14="http://schemas.microsoft.com/office/drawing/2010/main"/>
+            </a:ext>
+          </a:extLst>
+        </p:spPr>
+      </p:pic>
+      <p:pic>
+        <p:nvPicPr>
+          <p:cNvPr id="9" name="Picture 4" descr="C:\Users\PFO3\Pictures\Light Alloy\Маркировка-0-01-28-942.jpg"/>
+          <p:cNvPicPr/>
+          <p:nvPr/>
+        </p:nvPicPr>
+        <p:blipFill rotWithShape="1">
+          <a:blip r:embed="rId4" cstate="print">
+            <a:extLst>
+              <a:ext uri="{28A0092B-C50C-407E-A947-70E740481C1C}">
+                <a14:useLocalDpi xmlns:a14="http://schemas.microsoft.com/office/drawing/2010/main" val="0"/>
+              </a:ext>
+            </a:extLst>
+          </a:blip>
+          <a:srcRect r="7509"/>
+          <a:stretch/>
+        </p:blipFill>
+        <p:spPr bwMode="auto">
+          <a:xfrm>
+            <a:off x="915382" y="3772714"/>
+            <a:ext cx="5394004" cy="2621500"/>
+          </a:xfrm>
+          <a:prstGeom prst="rect">
+            <a:avLst/>
+          </a:prstGeom>
+          <a:noFill/>
+          <a:extLst/>
+        </p:spPr>
+      </p:pic>
+      <p:pic>
+        <p:nvPicPr>
+          <p:cNvPr id="10" name="Picture 4" descr="D:\Alan Wake\!!!!!Диссертация\грант\Умник март 2015\Завод\2014-12-03 060.JPG"/>
+          <p:cNvPicPr/>
+          <p:nvPr/>
+        </p:nvPicPr>
+        <p:blipFill rotWithShape="1">
+          <a:blip r:embed="rId5" cstate="print">
+            <a:extLst>
+              <a:ext uri="{28A0092B-C50C-407E-A947-70E740481C1C}">
+                <a14:useLocalDpi xmlns:a14="http://schemas.microsoft.com/office/drawing/2010/main" val="0"/>
+              </a:ext>
+            </a:extLst>
+          </a:blip>
+          <a:srcRect b="15190"/>
+          <a:stretch/>
+        </p:blipFill>
+        <p:spPr bwMode="auto">
+          <a:xfrm>
+            <a:off x="6041571" y="3772713"/>
+            <a:ext cx="5208813" cy="2621501"/>
+          </a:xfrm>
+          <a:prstGeom prst="rect">
+            <a:avLst/>
+          </a:prstGeom>
+          <a:noFill/>
+          <a:extLst/>
+        </p:spPr>
+      </p:pic>
+      <p:sp>
+        <p:nvSpPr>
+          <p:cNvPr id="3" name="TextBox 2"/>
+          <p:cNvSpPr txBox="1"/>
+          <p:nvPr/>
+        </p:nvSpPr>
+        <p:spPr>
+          <a:xfrm>
+            <a:off x="2726178" y="3219376"/>
+            <a:ext cx="1556865" cy="461665"/>
+          </a:xfrm>
+          <a:prstGeom prst="rect">
+            <a:avLst/>
+          </a:prstGeom>
+          <a:noFill/>
+        </p:spPr>
+        <p:txBody>
+          <a:bodyPr wrap="square" rtlCol="0">
             <a:spAutoFit/>
           </a:bodyPr>
           <a:lstStyle/>
           <a:p>
-            <a:pPr algn="ctr"/>
-            <a:r>
-              <a:rPr lang="ru-RU" sz="2400" dirty="0">
-                <a:latin typeface="Times New Roman" panose="02020603050405020304" pitchFamily="18" charset="0"/>
-                <a:ea typeface="Calibri" panose="020F0502020204030204" pitchFamily="34" charset="0"/>
-              </a:rPr>
-              <a:t>Рисунок 1 – Функциональная модель разрабатываемой системы</a:t>
-            </a:r>
-            <a:endParaRPr lang="ru-RU" sz="2400" dirty="0"/>
+            <a:r>
+              <a:rPr lang="ru-RU" sz="2400" dirty="0" smtClean="0">
+                <a:latin typeface="Times New Roman" panose="02020603050405020304" pitchFamily="18" charset="0"/>
+                <a:cs typeface="Times New Roman" panose="02020603050405020304" pitchFamily="18" charset="0"/>
+              </a:rPr>
+              <a:t>Трафарет</a:t>
+            </a:r>
+            <a:endParaRPr lang="ru-RU" sz="2400" dirty="0">
+              <a:latin typeface="Times New Roman" panose="02020603050405020304" pitchFamily="18" charset="0"/>
+              <a:cs typeface="Times New Roman" panose="02020603050405020304" pitchFamily="18" charset="0"/>
+            </a:endParaRPr>
+          </a:p>
+        </p:txBody>
+      </p:sp>
+      <p:sp>
+        <p:nvSpPr>
+          <p:cNvPr id="11" name="TextBox 10"/>
+          <p:cNvSpPr txBox="1"/>
+          <p:nvPr/>
+        </p:nvSpPr>
+        <p:spPr>
+          <a:xfrm>
+            <a:off x="2359042" y="6347105"/>
+            <a:ext cx="2611217" cy="461665"/>
+          </a:xfrm>
+          <a:prstGeom prst="rect">
+            <a:avLst/>
+          </a:prstGeom>
+          <a:noFill/>
+        </p:spPr>
+        <p:txBody>
+          <a:bodyPr wrap="square" rtlCol="0">
+            <a:spAutoFit/>
+          </a:bodyPr>
+          <a:lstStyle/>
+          <a:p>
+            <a:r>
+              <a:rPr lang="ru-RU" sz="2400" dirty="0" smtClean="0">
+                <a:latin typeface="Times New Roman" panose="02020603050405020304" pitchFamily="18" charset="0"/>
+                <a:cs typeface="Times New Roman" panose="02020603050405020304" pitchFamily="18" charset="0"/>
+              </a:rPr>
+              <a:t>Струйная печать</a:t>
+            </a:r>
+            <a:endParaRPr lang="ru-RU" sz="2400" dirty="0">
+              <a:latin typeface="Times New Roman" panose="02020603050405020304" pitchFamily="18" charset="0"/>
+              <a:cs typeface="Times New Roman" panose="02020603050405020304" pitchFamily="18" charset="0"/>
+            </a:endParaRPr>
+          </a:p>
+        </p:txBody>
+      </p:sp>
+      <p:sp>
+        <p:nvSpPr>
+          <p:cNvPr id="12" name="TextBox 11"/>
+          <p:cNvSpPr txBox="1"/>
+          <p:nvPr/>
+        </p:nvSpPr>
+        <p:spPr>
+          <a:xfrm>
+            <a:off x="6860690" y="3219375"/>
+            <a:ext cx="3570574" cy="461665"/>
+          </a:xfrm>
+          <a:prstGeom prst="rect">
+            <a:avLst/>
+          </a:prstGeom>
+          <a:noFill/>
+        </p:spPr>
+        <p:txBody>
+          <a:bodyPr wrap="square" rtlCol="0">
+            <a:spAutoFit/>
+          </a:bodyPr>
+          <a:lstStyle/>
+          <a:p>
+            <a:r>
+              <a:rPr lang="ru-RU" sz="2400" dirty="0" smtClean="0">
+                <a:latin typeface="Times New Roman" panose="02020603050405020304" pitchFamily="18" charset="0"/>
+                <a:cs typeface="Times New Roman" panose="02020603050405020304" pitchFamily="18" charset="0"/>
+              </a:rPr>
+              <a:t>Металлические пластины</a:t>
+            </a:r>
+            <a:endParaRPr lang="ru-RU" sz="2400" dirty="0">
+              <a:latin typeface="Times New Roman" panose="02020603050405020304" pitchFamily="18" charset="0"/>
+              <a:cs typeface="Times New Roman" panose="02020603050405020304" pitchFamily="18" charset="0"/>
+            </a:endParaRPr>
+          </a:p>
+        </p:txBody>
+      </p:sp>
+      <p:sp>
+        <p:nvSpPr>
+          <p:cNvPr id="13" name="TextBox 12"/>
+          <p:cNvSpPr txBox="1"/>
+          <p:nvPr/>
+        </p:nvSpPr>
+        <p:spPr>
+          <a:xfrm>
+            <a:off x="7857461" y="6396335"/>
+            <a:ext cx="1577034" cy="461665"/>
+          </a:xfrm>
+          <a:prstGeom prst="rect">
+            <a:avLst/>
+          </a:prstGeom>
+          <a:noFill/>
+        </p:spPr>
+        <p:txBody>
+          <a:bodyPr wrap="square" rtlCol="0">
+            <a:spAutoFit/>
+          </a:bodyPr>
+          <a:lstStyle/>
+          <a:p>
+            <a:r>
+              <a:rPr lang="ru-RU" sz="2400" dirty="0" smtClean="0">
+                <a:latin typeface="Times New Roman" panose="02020603050405020304" pitchFamily="18" charset="0"/>
+                <a:cs typeface="Times New Roman" panose="02020603050405020304" pitchFamily="18" charset="0"/>
+              </a:rPr>
+              <a:t>Наклейки</a:t>
+            </a:r>
+            <a:endParaRPr lang="ru-RU" sz="2400" dirty="0">
+              <a:latin typeface="Times New Roman" panose="02020603050405020304" pitchFamily="18" charset="0"/>
+              <a:cs typeface="Times New Roman" panose="02020603050405020304" pitchFamily="18" charset="0"/>
+            </a:endParaRPr>
           </a:p>
         </p:txBody>
       </p:sp>
     </p:spTree>
     <p:extLst>
       <p:ext uri="{BB962C8B-B14F-4D97-AF65-F5344CB8AC3E}">
-        <p14:creationId xmlns:p14="http://schemas.microsoft.com/office/powerpoint/2010/main" val="3211068568"/>
+        <p14:creationId xmlns:p14="http://schemas.microsoft.com/office/powerpoint/2010/main" val="3014330627"/>
       </p:ext>
     </p:extLst>
   </p:cSld>
   <p:clrMapOvr>
     <a:masterClrMapping/>
   </p:clrMapOvr>
+  <p:timing>
+    <p:tnLst>
+      <p:par>
+        <p:cTn id="1" dur="indefinite" restart="never" nodeType="tmRoot"/>
+      </p:par>
+    </p:tnLst>
+  </p:timing>
 </p:sld>
 </file>
 
@@ -4068,7 +8118,53 @@
       </p:grpSpPr>
       <p:sp>
         <p:nvSpPr>
-          <p:cNvPr id="4" name="TextBox 3"/>
+          <p:cNvPr id="2" name="Прямоугольник 1"/>
+          <p:cNvSpPr/>
+          <p:nvPr/>
+        </p:nvSpPr>
+        <p:spPr>
+          <a:xfrm>
+            <a:off x="0" y="0"/>
+            <a:ext cx="12192000" cy="1200329"/>
+          </a:xfrm>
+          <a:prstGeom prst="rect">
+            <a:avLst/>
+          </a:prstGeom>
+        </p:spPr>
+        <p:txBody>
+          <a:bodyPr wrap="square">
+            <a:spAutoFit/>
+          </a:bodyPr>
+          <a:lstStyle/>
+          <a:p>
+            <a:pPr algn="ctr"/>
+            <a:r>
+              <a:rPr lang="ru-RU" sz="3600" b="1" dirty="0" smtClean="0">
+                <a:latin typeface="Times New Roman" panose="02020603050405020304" pitchFamily="18" charset="0"/>
+                <a:cs typeface="Times New Roman" panose="02020603050405020304" pitchFamily="18" charset="0"/>
+              </a:rPr>
+              <a:t>Сравнительный анализ существующих </a:t>
+            </a:r>
+          </a:p>
+          <a:p>
+            <a:pPr algn="ctr"/>
+            <a:r>
+              <a:rPr lang="ru-RU" sz="3600" b="1" dirty="0" smtClean="0">
+                <a:latin typeface="Times New Roman" panose="02020603050405020304" pitchFamily="18" charset="0"/>
+                <a:cs typeface="Times New Roman" panose="02020603050405020304" pitchFamily="18" charset="0"/>
+              </a:rPr>
+              <a:t>способов маркирования</a:t>
+            </a:r>
+            <a:endParaRPr lang="ru-RU" sz="3600" b="1" dirty="0">
+              <a:latin typeface="Times New Roman" panose="02020603050405020304" pitchFamily="18" charset="0"/>
+              <a:cs typeface="Times New Roman" panose="02020603050405020304" pitchFamily="18" charset="0"/>
+            </a:endParaRPr>
+          </a:p>
+        </p:txBody>
+      </p:sp>
+      <p:sp>
+        <p:nvSpPr>
+          <p:cNvPr id="6" name="TextBox 5"/>
           <p:cNvSpPr txBox="1"/>
           <p:nvPr/>
         </p:nvSpPr>
@@ -4096,19 +8192,504 @@
               <a:t>5</a:t>
             </a:r>
             <a:r>
-              <a:rPr lang="en-US" dirty="0">
+              <a:rPr lang="en-US" dirty="0" smtClean="0">
                 <a:latin typeface="Times New Roman" panose="02020603050405020304" pitchFamily="18" charset="0"/>
                 <a:cs typeface="Times New Roman" panose="02020603050405020304" pitchFamily="18" charset="0"/>
               </a:rPr>
               <a:t>/</a:t>
             </a:r>
             <a:r>
-              <a:rPr lang="ru-RU" dirty="0">
-                <a:latin typeface="Times New Roman" panose="02020603050405020304" pitchFamily="18" charset="0"/>
-                <a:cs typeface="Times New Roman" panose="02020603050405020304" pitchFamily="18" charset="0"/>
-              </a:rPr>
-              <a:t>8</a:t>
-            </a:r>
+              <a:rPr lang="ru-RU" dirty="0" smtClean="0">
+                <a:latin typeface="Times New Roman" panose="02020603050405020304" pitchFamily="18" charset="0"/>
+                <a:cs typeface="Times New Roman" panose="02020603050405020304" pitchFamily="18" charset="0"/>
+              </a:rPr>
+              <a:t>19</a:t>
+            </a:r>
+            <a:endParaRPr lang="ru-RU" dirty="0">
+              <a:latin typeface="Times New Roman" panose="02020603050405020304" pitchFamily="18" charset="0"/>
+              <a:cs typeface="Times New Roman" panose="02020603050405020304" pitchFamily="18" charset="0"/>
+            </a:endParaRPr>
+          </a:p>
+        </p:txBody>
+      </p:sp>
+      <p:graphicFrame>
+        <p:nvGraphicFramePr>
+          <p:cNvPr id="4" name="Таблица 3"/>
+          <p:cNvGraphicFramePr>
+            <a:graphicFrameLocks noGrp="1"/>
+          </p:cNvGraphicFramePr>
+          <p:nvPr>
+            <p:extLst>
+              <p:ext uri="{D42A27DB-BD31-4B8C-83A1-F6EECF244321}">
+                <p14:modId xmlns:p14="http://schemas.microsoft.com/office/powerpoint/2010/main" val="2509087965"/>
+              </p:ext>
+            </p:extLst>
+          </p:nvPr>
+        </p:nvGraphicFramePr>
+        <p:xfrm>
+          <a:off x="326570" y="1224642"/>
+          <a:ext cx="11593287" cy="5195978"/>
+        </p:xfrm>
+        <a:graphic>
+          <a:graphicData uri="http://schemas.openxmlformats.org/drawingml/2006/table">
+            <a:tbl>
+              <a:tblPr firstRow="1" bandRow="1">
+                <a:tableStyleId>{5C22544A-7EE6-4342-B048-85BDC9FD1C3A}</a:tableStyleId>
+              </a:tblPr>
+              <a:tblGrid>
+                <a:gridCol w="3864429">
+                  <a:extLst>
+                    <a:ext uri="{9D8B030D-6E8A-4147-A177-3AD203B41FA5}">
+                      <a16:colId xmlns:a16="http://schemas.microsoft.com/office/drawing/2014/main" xmlns="" val="1555006319"/>
+                    </a:ext>
+                  </a:extLst>
+                </a:gridCol>
+                <a:gridCol w="3864429">
+                  <a:extLst>
+                    <a:ext uri="{9D8B030D-6E8A-4147-A177-3AD203B41FA5}">
+                      <a16:colId xmlns:a16="http://schemas.microsoft.com/office/drawing/2014/main" xmlns="" val="3736470417"/>
+                    </a:ext>
+                  </a:extLst>
+                </a:gridCol>
+                <a:gridCol w="3864429">
+                  <a:extLst>
+                    <a:ext uri="{9D8B030D-6E8A-4147-A177-3AD203B41FA5}">
+                      <a16:colId xmlns:a16="http://schemas.microsoft.com/office/drawing/2014/main" xmlns="" val="266098813"/>
+                    </a:ext>
+                  </a:extLst>
+                </a:gridCol>
+              </a:tblGrid>
+              <a:tr h="560627">
+                <a:tc>
+                  <a:txBody>
+                    <a:bodyPr/>
+                    <a:lstStyle/>
+                    <a:p>
+                      <a:endParaRPr lang="ru-RU" sz="2800" dirty="0">
+                        <a:latin typeface="Times New Roman" panose="02020603050405020304" pitchFamily="18" charset="0"/>
+                        <a:cs typeface="Times New Roman" panose="02020603050405020304" pitchFamily="18" charset="0"/>
+                      </a:endParaRPr>
+                    </a:p>
+                  </a:txBody>
+                  <a:tcPr/>
+                </a:tc>
+                <a:tc>
+                  <a:txBody>
+                    <a:bodyPr/>
+                    <a:lstStyle/>
+                    <a:p>
+                      <a:r>
+                        <a:rPr lang="ru-RU" sz="2800" dirty="0" smtClean="0">
+                          <a:latin typeface="Times New Roman" panose="02020603050405020304" pitchFamily="18" charset="0"/>
+                          <a:cs typeface="Times New Roman" panose="02020603050405020304" pitchFamily="18" charset="0"/>
+                        </a:rPr>
+                        <a:t>Достоинства</a:t>
+                      </a:r>
+                      <a:endParaRPr lang="ru-RU" sz="2800" dirty="0">
+                        <a:latin typeface="Times New Roman" panose="02020603050405020304" pitchFamily="18" charset="0"/>
+                        <a:cs typeface="Times New Roman" panose="02020603050405020304" pitchFamily="18" charset="0"/>
+                      </a:endParaRPr>
+                    </a:p>
+                  </a:txBody>
+                  <a:tcPr/>
+                </a:tc>
+                <a:tc>
+                  <a:txBody>
+                    <a:bodyPr/>
+                    <a:lstStyle/>
+                    <a:p>
+                      <a:r>
+                        <a:rPr lang="ru-RU" sz="2800" dirty="0" smtClean="0">
+                          <a:latin typeface="Times New Roman" panose="02020603050405020304" pitchFamily="18" charset="0"/>
+                          <a:cs typeface="Times New Roman" panose="02020603050405020304" pitchFamily="18" charset="0"/>
+                        </a:rPr>
+                        <a:t>Недостатки</a:t>
+                      </a:r>
+                      <a:endParaRPr lang="ru-RU" sz="2800" dirty="0">
+                        <a:latin typeface="Times New Roman" panose="02020603050405020304" pitchFamily="18" charset="0"/>
+                        <a:cs typeface="Times New Roman" panose="02020603050405020304" pitchFamily="18" charset="0"/>
+                      </a:endParaRPr>
+                    </a:p>
+                  </a:txBody>
+                  <a:tcPr/>
+                </a:tc>
+                <a:extLst>
+                  <a:ext uri="{0D108BD9-81ED-4DB2-BD59-A6C34878D82A}">
+                    <a16:rowId xmlns:a16="http://schemas.microsoft.com/office/drawing/2014/main" xmlns="" val="3695987525"/>
+                  </a:ext>
+                </a:extLst>
+              </a:tr>
+              <a:tr h="889602">
+                <a:tc>
+                  <a:txBody>
+                    <a:bodyPr/>
+                    <a:lstStyle/>
+                    <a:p>
+                      <a:r>
+                        <a:rPr lang="ru-RU" sz="2800" dirty="0" smtClean="0">
+                          <a:latin typeface="Times New Roman" panose="02020603050405020304" pitchFamily="18" charset="0"/>
+                          <a:cs typeface="Times New Roman" panose="02020603050405020304" pitchFamily="18" charset="0"/>
+                        </a:rPr>
+                        <a:t>Трафарет</a:t>
+                      </a:r>
+                      <a:endParaRPr lang="ru-RU" sz="2800" dirty="0">
+                        <a:latin typeface="Times New Roman" panose="02020603050405020304" pitchFamily="18" charset="0"/>
+                        <a:cs typeface="Times New Roman" panose="02020603050405020304" pitchFamily="18" charset="0"/>
+                      </a:endParaRPr>
+                    </a:p>
+                  </a:txBody>
+                  <a:tcPr/>
+                </a:tc>
+                <a:tc>
+                  <a:txBody>
+                    <a:bodyPr/>
+                    <a:lstStyle/>
+                    <a:p>
+                      <a:r>
+                        <a:rPr lang="ru-RU" sz="2800" dirty="0" smtClean="0">
+                          <a:latin typeface="Times New Roman" panose="02020603050405020304" pitchFamily="18" charset="0"/>
+                          <a:cs typeface="Times New Roman" panose="02020603050405020304" pitchFamily="18" charset="0"/>
+                        </a:rPr>
+                        <a:t>Высокая долговечность, низкая стоимость</a:t>
+                      </a:r>
+                      <a:endParaRPr lang="ru-RU" sz="2800" dirty="0">
+                        <a:latin typeface="Times New Roman" panose="02020603050405020304" pitchFamily="18" charset="0"/>
+                        <a:cs typeface="Times New Roman" panose="02020603050405020304" pitchFamily="18" charset="0"/>
+                      </a:endParaRPr>
+                    </a:p>
+                  </a:txBody>
+                  <a:tcPr/>
+                </a:tc>
+                <a:tc>
+                  <a:txBody>
+                    <a:bodyPr/>
+                    <a:lstStyle/>
+                    <a:p>
+                      <a:r>
+                        <a:rPr lang="ru-RU" sz="2800" dirty="0" smtClean="0">
+                          <a:latin typeface="Times New Roman" panose="02020603050405020304" pitchFamily="18" charset="0"/>
+                          <a:cs typeface="Times New Roman" panose="02020603050405020304" pitchFamily="18" charset="0"/>
+                        </a:rPr>
+                        <a:t>Низкая читаемость, человеческий фактор</a:t>
+                      </a:r>
+                      <a:endParaRPr lang="ru-RU" sz="2800" dirty="0">
+                        <a:latin typeface="Times New Roman" panose="02020603050405020304" pitchFamily="18" charset="0"/>
+                        <a:cs typeface="Times New Roman" panose="02020603050405020304" pitchFamily="18" charset="0"/>
+                      </a:endParaRPr>
+                    </a:p>
+                  </a:txBody>
+                  <a:tcPr/>
+                </a:tc>
+                <a:extLst>
+                  <a:ext uri="{0D108BD9-81ED-4DB2-BD59-A6C34878D82A}">
+                    <a16:rowId xmlns:a16="http://schemas.microsoft.com/office/drawing/2014/main" xmlns="" val="1904686884"/>
+                  </a:ext>
+                </a:extLst>
+              </a:tr>
+              <a:tr h="1291358">
+                <a:tc>
+                  <a:txBody>
+                    <a:bodyPr/>
+                    <a:lstStyle/>
+                    <a:p>
+                      <a:r>
+                        <a:rPr lang="ru-RU" sz="2800" dirty="0" smtClean="0">
+                          <a:latin typeface="Times New Roman" panose="02020603050405020304" pitchFamily="18" charset="0"/>
+                          <a:cs typeface="Times New Roman" panose="02020603050405020304" pitchFamily="18" charset="0"/>
+                        </a:rPr>
+                        <a:t>Металлические пластины</a:t>
+                      </a:r>
+                      <a:endParaRPr lang="ru-RU" sz="2800" dirty="0">
+                        <a:latin typeface="Times New Roman" panose="02020603050405020304" pitchFamily="18" charset="0"/>
+                        <a:cs typeface="Times New Roman" panose="02020603050405020304" pitchFamily="18" charset="0"/>
+                      </a:endParaRPr>
+                    </a:p>
+                  </a:txBody>
+                  <a:tcPr/>
+                </a:tc>
+                <a:tc>
+                  <a:txBody>
+                    <a:bodyPr/>
+                    <a:lstStyle/>
+                    <a:p>
+                      <a:r>
+                        <a:rPr lang="ru-RU" sz="2800" dirty="0" smtClean="0">
+                          <a:latin typeface="Times New Roman" panose="02020603050405020304" pitchFamily="18" charset="0"/>
+                          <a:cs typeface="Times New Roman" panose="02020603050405020304" pitchFamily="18" charset="0"/>
+                        </a:rPr>
+                        <a:t>Высокая долговечность, высокая читаемость</a:t>
+                      </a:r>
+                      <a:endParaRPr lang="ru-RU" sz="2800" dirty="0">
+                        <a:latin typeface="Times New Roman" panose="02020603050405020304" pitchFamily="18" charset="0"/>
+                        <a:cs typeface="Times New Roman" panose="02020603050405020304" pitchFamily="18" charset="0"/>
+                      </a:endParaRPr>
+                    </a:p>
+                  </a:txBody>
+                  <a:tcPr/>
+                </a:tc>
+                <a:tc>
+                  <a:txBody>
+                    <a:bodyPr/>
+                    <a:lstStyle/>
+                    <a:p>
+                      <a:r>
+                        <a:rPr lang="ru-RU" sz="2800" dirty="0" smtClean="0">
+                          <a:latin typeface="Times New Roman" panose="02020603050405020304" pitchFamily="18" charset="0"/>
+                          <a:cs typeface="Times New Roman" panose="02020603050405020304" pitchFamily="18" charset="0"/>
+                        </a:rPr>
+                        <a:t>Нарушение целостности трубы, высокая стоимость</a:t>
+                      </a:r>
+                      <a:endParaRPr lang="ru-RU" sz="2800" dirty="0">
+                        <a:latin typeface="Times New Roman" panose="02020603050405020304" pitchFamily="18" charset="0"/>
+                        <a:cs typeface="Times New Roman" panose="02020603050405020304" pitchFamily="18" charset="0"/>
+                      </a:endParaRPr>
+                    </a:p>
+                  </a:txBody>
+                  <a:tcPr/>
+                </a:tc>
+                <a:extLst>
+                  <a:ext uri="{0D108BD9-81ED-4DB2-BD59-A6C34878D82A}">
+                    <a16:rowId xmlns:a16="http://schemas.microsoft.com/office/drawing/2014/main" xmlns="" val="1109415305"/>
+                  </a:ext>
+                </a:extLst>
+              </a:tr>
+              <a:tr h="947271">
+                <a:tc>
+                  <a:txBody>
+                    <a:bodyPr/>
+                    <a:lstStyle/>
+                    <a:p>
+                      <a:r>
+                        <a:rPr lang="ru-RU" sz="2800" dirty="0" smtClean="0">
+                          <a:latin typeface="Times New Roman" panose="02020603050405020304" pitchFamily="18" charset="0"/>
+                          <a:cs typeface="Times New Roman" panose="02020603050405020304" pitchFamily="18" charset="0"/>
+                        </a:rPr>
+                        <a:t>Струйная печать</a:t>
+                      </a:r>
+                      <a:endParaRPr lang="ru-RU" sz="2800" dirty="0">
+                        <a:latin typeface="Times New Roman" panose="02020603050405020304" pitchFamily="18" charset="0"/>
+                        <a:cs typeface="Times New Roman" panose="02020603050405020304" pitchFamily="18" charset="0"/>
+                      </a:endParaRPr>
+                    </a:p>
+                  </a:txBody>
+                  <a:tcPr/>
+                </a:tc>
+                <a:tc>
+                  <a:txBody>
+                    <a:bodyPr/>
+                    <a:lstStyle/>
+                    <a:p>
+                      <a:r>
+                        <a:rPr lang="ru-RU" sz="2800" dirty="0" smtClean="0">
+                          <a:latin typeface="Times New Roman" panose="02020603050405020304" pitchFamily="18" charset="0"/>
+                          <a:cs typeface="Times New Roman" panose="02020603050405020304" pitchFamily="18" charset="0"/>
+                        </a:rPr>
+                        <a:t>Средняя</a:t>
+                      </a:r>
+                      <a:r>
+                        <a:rPr lang="ru-RU" sz="2800" baseline="0" dirty="0" smtClean="0">
+                          <a:latin typeface="Times New Roman" panose="02020603050405020304" pitchFamily="18" charset="0"/>
+                          <a:cs typeface="Times New Roman" panose="02020603050405020304" pitchFamily="18" charset="0"/>
+                        </a:rPr>
+                        <a:t> стоимость, высокая читаемость</a:t>
+                      </a:r>
+                      <a:endParaRPr lang="ru-RU" sz="2800" dirty="0">
+                        <a:latin typeface="Times New Roman" panose="02020603050405020304" pitchFamily="18" charset="0"/>
+                        <a:cs typeface="Times New Roman" panose="02020603050405020304" pitchFamily="18" charset="0"/>
+                      </a:endParaRPr>
+                    </a:p>
+                  </a:txBody>
+                  <a:tcPr/>
+                </a:tc>
+                <a:tc>
+                  <a:txBody>
+                    <a:bodyPr/>
+                    <a:lstStyle/>
+                    <a:p>
+                      <a:r>
+                        <a:rPr lang="ru-RU" sz="2800" dirty="0" smtClean="0">
+                          <a:latin typeface="Times New Roman" panose="02020603050405020304" pitchFamily="18" charset="0"/>
+                          <a:cs typeface="Times New Roman" panose="02020603050405020304" pitchFamily="18" charset="0"/>
+                        </a:rPr>
+                        <a:t>Высокий риск забивания сопел</a:t>
+                      </a:r>
+                      <a:endParaRPr lang="ru-RU" sz="2800" dirty="0">
+                        <a:latin typeface="Times New Roman" panose="02020603050405020304" pitchFamily="18" charset="0"/>
+                        <a:cs typeface="Times New Roman" panose="02020603050405020304" pitchFamily="18" charset="0"/>
+                      </a:endParaRPr>
+                    </a:p>
+                  </a:txBody>
+                  <a:tcPr/>
+                </a:tc>
+                <a:extLst>
+                  <a:ext uri="{0D108BD9-81ED-4DB2-BD59-A6C34878D82A}">
+                    <a16:rowId xmlns:a16="http://schemas.microsoft.com/office/drawing/2014/main" xmlns="" val="906624106"/>
+                  </a:ext>
+                </a:extLst>
+              </a:tr>
+              <a:tr h="1291358">
+                <a:tc>
+                  <a:txBody>
+                    <a:bodyPr/>
+                    <a:lstStyle/>
+                    <a:p>
+                      <a:r>
+                        <a:rPr lang="ru-RU" sz="2800" dirty="0" smtClean="0">
+                          <a:latin typeface="Times New Roman" panose="02020603050405020304" pitchFamily="18" charset="0"/>
+                          <a:cs typeface="Times New Roman" panose="02020603050405020304" pitchFamily="18" charset="0"/>
+                        </a:rPr>
+                        <a:t>Наклейки</a:t>
+                      </a:r>
+                      <a:endParaRPr lang="ru-RU" sz="2800" dirty="0">
+                        <a:latin typeface="Times New Roman" panose="02020603050405020304" pitchFamily="18" charset="0"/>
+                        <a:cs typeface="Times New Roman" panose="02020603050405020304" pitchFamily="18" charset="0"/>
+                      </a:endParaRPr>
+                    </a:p>
+                  </a:txBody>
+                  <a:tcPr/>
+                </a:tc>
+                <a:tc>
+                  <a:txBody>
+                    <a:bodyPr/>
+                    <a:lstStyle/>
+                    <a:p>
+                      <a:r>
+                        <a:rPr lang="ru-RU" sz="2800" dirty="0" smtClean="0">
+                          <a:latin typeface="Times New Roman" panose="02020603050405020304" pitchFamily="18" charset="0"/>
+                          <a:cs typeface="Times New Roman" panose="02020603050405020304" pitchFamily="18" charset="0"/>
+                        </a:rPr>
+                        <a:t>Высокая читаемость, стоимость ниже среднего</a:t>
+                      </a:r>
+                      <a:endParaRPr lang="ru-RU" sz="2800" dirty="0">
+                        <a:latin typeface="Times New Roman" panose="02020603050405020304" pitchFamily="18" charset="0"/>
+                        <a:cs typeface="Times New Roman" panose="02020603050405020304" pitchFamily="18" charset="0"/>
+                      </a:endParaRPr>
+                    </a:p>
+                  </a:txBody>
+                  <a:tcPr/>
+                </a:tc>
+                <a:tc>
+                  <a:txBody>
+                    <a:bodyPr/>
+                    <a:lstStyle/>
+                    <a:p>
+                      <a:r>
+                        <a:rPr lang="ru-RU" sz="2800" dirty="0" smtClean="0">
+                          <a:latin typeface="Times New Roman" panose="02020603050405020304" pitchFamily="18" charset="0"/>
+                          <a:cs typeface="Times New Roman" panose="02020603050405020304" pitchFamily="18" charset="0"/>
+                        </a:rPr>
+                        <a:t>Низкая прочность</a:t>
+                      </a:r>
+                      <a:endParaRPr lang="ru-RU" sz="2800" dirty="0">
+                        <a:latin typeface="Times New Roman" panose="02020603050405020304" pitchFamily="18" charset="0"/>
+                        <a:cs typeface="Times New Roman" panose="02020603050405020304" pitchFamily="18" charset="0"/>
+                      </a:endParaRPr>
+                    </a:p>
+                  </a:txBody>
+                  <a:tcPr/>
+                </a:tc>
+                <a:extLst>
+                  <a:ext uri="{0D108BD9-81ED-4DB2-BD59-A6C34878D82A}">
+                    <a16:rowId xmlns:a16="http://schemas.microsoft.com/office/drawing/2014/main" xmlns="" val="2157796810"/>
+                  </a:ext>
+                </a:extLst>
+              </a:tr>
+            </a:tbl>
+          </a:graphicData>
+        </a:graphic>
+      </p:graphicFrame>
+    </p:spTree>
+    <p:extLst>
+      <p:ext uri="{BB962C8B-B14F-4D97-AF65-F5344CB8AC3E}">
+        <p14:creationId xmlns:p14="http://schemas.microsoft.com/office/powerpoint/2010/main" val="4136544221"/>
+      </p:ext>
+    </p:extLst>
+  </p:cSld>
+  <p:clrMapOvr>
+    <a:masterClrMapping/>
+  </p:clrMapOvr>
+  <p:timing>
+    <p:tnLst>
+      <p:par>
+        <p:cTn id="1" dur="indefinite" restart="never" nodeType="tmRoot"/>
+      </p:par>
+    </p:tnLst>
+  </p:timing>
+</p:sld>
+</file>
+
+<file path=ppt/slides/slide6.xml><?xml version="1.0" encoding="utf-8"?>
+<p:sld xmlns:a="http://schemas.openxmlformats.org/drawingml/2006/main" xmlns:r="http://schemas.openxmlformats.org/officeDocument/2006/relationships" xmlns:p="http://schemas.openxmlformats.org/presentationml/2006/main">
+  <p:cSld>
+    <p:spTree>
+      <p:nvGrpSpPr>
+        <p:cNvPr id="1" name=""/>
+        <p:cNvGrpSpPr/>
+        <p:nvPr/>
+      </p:nvGrpSpPr>
+      <p:grpSpPr>
+        <a:xfrm>
+          <a:off x="0" y="0"/>
+          <a:ext cx="0" cy="0"/>
+          <a:chOff x="0" y="0"/>
+          <a:chExt cx="0" cy="0"/>
+        </a:xfrm>
+      </p:grpSpPr>
+      <p:sp>
+        <p:nvSpPr>
+          <p:cNvPr id="5" name="TextBox 4"/>
+          <p:cNvSpPr txBox="1"/>
+          <p:nvPr/>
+        </p:nvSpPr>
+        <p:spPr>
+          <a:xfrm>
+            <a:off x="0" y="646331"/>
+            <a:ext cx="12192000" cy="1338828"/>
+          </a:xfrm>
+          <a:prstGeom prst="rect">
+            <a:avLst/>
+          </a:prstGeom>
+          <a:noFill/>
+        </p:spPr>
+        <p:txBody>
+          <a:bodyPr wrap="square" rtlCol="0">
+            <a:spAutoFit/>
+          </a:bodyPr>
+          <a:lstStyle/>
+          <a:p>
+            <a:pPr algn="just"/>
+            <a:r>
+              <a:rPr lang="ru-RU" sz="2700" dirty="0">
+                <a:latin typeface="Times New Roman" panose="02020603050405020304" pitchFamily="18" charset="0"/>
+                <a:cs typeface="Times New Roman" panose="02020603050405020304" pitchFamily="18" charset="0"/>
+              </a:rPr>
+              <a:t>Для снижения затрат на использовании промышленной струйной печати в работе предлагается использовать точечную маркировку, так, как это делается при ударно-точечной </a:t>
+            </a:r>
+            <a:r>
+              <a:rPr lang="ru-RU" sz="2700" dirty="0" smtClean="0">
+                <a:latin typeface="Times New Roman" panose="02020603050405020304" pitchFamily="18" charset="0"/>
+                <a:cs typeface="Times New Roman" panose="02020603050405020304" pitchFamily="18" charset="0"/>
+              </a:rPr>
+              <a:t>маркировке, аналогично </a:t>
+            </a:r>
+            <a:r>
+              <a:rPr lang="ru-RU" sz="2700" dirty="0">
+                <a:latin typeface="Times New Roman" panose="02020603050405020304" pitchFamily="18" charset="0"/>
+                <a:cs typeface="Times New Roman" panose="02020603050405020304" pitchFamily="18" charset="0"/>
+              </a:rPr>
+              <a:t>почтовому </a:t>
+            </a:r>
+            <a:r>
+              <a:rPr lang="ru-RU" sz="2700" dirty="0" smtClean="0">
+                <a:latin typeface="Times New Roman" panose="02020603050405020304" pitchFamily="18" charset="0"/>
+                <a:cs typeface="Times New Roman" panose="02020603050405020304" pitchFamily="18" charset="0"/>
+              </a:rPr>
+              <a:t>индексу.</a:t>
+            </a:r>
+            <a:endParaRPr lang="ru-RU" sz="2700" dirty="0">
+              <a:latin typeface="Times New Roman" panose="02020603050405020304" pitchFamily="18" charset="0"/>
+              <a:cs typeface="Times New Roman" panose="02020603050405020304" pitchFamily="18" charset="0"/>
+            </a:endParaRPr>
           </a:p>
         </p:txBody>
       </p:sp>
@@ -4120,8 +8701,8 @@
         </p:nvSpPr>
         <p:spPr>
           <a:xfrm>
-            <a:off x="0" y="606475"/>
-            <a:ext cx="12192000" cy="461665"/>
+            <a:off x="0" y="0"/>
+            <a:ext cx="12192000" cy="646331"/>
           </a:xfrm>
           <a:prstGeom prst="rect">
             <a:avLst/>
@@ -4135,32 +8716,319 @@
           <a:p>
             <a:pPr algn="ctr"/>
             <a:r>
-              <a:rPr lang="ru-RU" sz="2400" dirty="0">
-                <a:latin typeface="Times New Roman" panose="02020603050405020304" pitchFamily="18" charset="0"/>
-                <a:cs typeface="Times New Roman" panose="02020603050405020304" pitchFamily="18" charset="0"/>
-              </a:rPr>
-              <a:t>Формирование </a:t>
-            </a:r>
-            <a:r>
-              <a:rPr lang="ru-RU" sz="2400" dirty="0" err="1">
-                <a:latin typeface="Times New Roman" panose="02020603050405020304" pitchFamily="18" charset="0"/>
-                <a:cs typeface="Times New Roman" panose="02020603050405020304" pitchFamily="18" charset="0"/>
-              </a:rPr>
-              <a:t>датасета</a:t>
-            </a:r>
-            <a:r>
-              <a:rPr lang="ru-RU" sz="2400" dirty="0">
-                <a:latin typeface="Times New Roman" panose="02020603050405020304" pitchFamily="18" charset="0"/>
-                <a:cs typeface="Times New Roman" panose="02020603050405020304" pitchFamily="18" charset="0"/>
-              </a:rPr>
-              <a:t> для обучения </a:t>
-            </a:r>
-            <a:r>
-              <a:rPr lang="ru-RU" sz="2400" dirty="0" err="1">
-                <a:latin typeface="Times New Roman" panose="02020603050405020304" pitchFamily="18" charset="0"/>
-                <a:cs typeface="Times New Roman" panose="02020603050405020304" pitchFamily="18" charset="0"/>
-              </a:rPr>
-              <a:t>нейросети</a:t>
+              <a:rPr lang="ru-RU" sz="3600" b="1" dirty="0" smtClean="0">
+                <a:latin typeface="Times New Roman" panose="02020603050405020304" pitchFamily="18" charset="0"/>
+                <a:cs typeface="Times New Roman" panose="02020603050405020304" pitchFamily="18" charset="0"/>
+              </a:rPr>
+              <a:t>Актуальность проекта</a:t>
+            </a:r>
+            <a:endParaRPr lang="ru-RU" sz="3600" b="1" dirty="0">
+              <a:latin typeface="Times New Roman" panose="02020603050405020304" pitchFamily="18" charset="0"/>
+              <a:cs typeface="Times New Roman" panose="02020603050405020304" pitchFamily="18" charset="0"/>
+            </a:endParaRPr>
+          </a:p>
+        </p:txBody>
+      </p:sp>
+      <p:sp>
+        <p:nvSpPr>
+          <p:cNvPr id="6" name="TextBox 5"/>
+          <p:cNvSpPr txBox="1"/>
+          <p:nvPr/>
+        </p:nvSpPr>
+        <p:spPr>
+          <a:xfrm>
+            <a:off x="0" y="6488668"/>
+            <a:ext cx="638355" cy="369332"/>
+          </a:xfrm>
+          <a:prstGeom prst="rect">
+            <a:avLst/>
+          </a:prstGeom>
+          <a:noFill/>
+        </p:spPr>
+        <p:txBody>
+          <a:bodyPr wrap="square" rtlCol="0">
+            <a:spAutoFit/>
+          </a:bodyPr>
+          <a:lstStyle/>
+          <a:p>
+            <a:r>
+              <a:rPr lang="ru-RU" dirty="0">
+                <a:latin typeface="Times New Roman" panose="02020603050405020304" pitchFamily="18" charset="0"/>
+                <a:cs typeface="Times New Roman" panose="02020603050405020304" pitchFamily="18" charset="0"/>
+              </a:rPr>
+              <a:t>6</a:t>
+            </a:r>
+            <a:r>
+              <a:rPr lang="en-US" dirty="0" smtClean="0">
+                <a:latin typeface="Times New Roman" panose="02020603050405020304" pitchFamily="18" charset="0"/>
+                <a:cs typeface="Times New Roman" panose="02020603050405020304" pitchFamily="18" charset="0"/>
+              </a:rPr>
+              <a:t>/</a:t>
+            </a:r>
+            <a:r>
+              <a:rPr lang="ru-RU" dirty="0" smtClean="0">
+                <a:latin typeface="Times New Roman" panose="02020603050405020304" pitchFamily="18" charset="0"/>
+                <a:cs typeface="Times New Roman" panose="02020603050405020304" pitchFamily="18" charset="0"/>
+              </a:rPr>
+              <a:t>19</a:t>
+            </a:r>
+            <a:endParaRPr lang="ru-RU" dirty="0">
+              <a:latin typeface="Times New Roman" panose="02020603050405020304" pitchFamily="18" charset="0"/>
+              <a:cs typeface="Times New Roman" panose="02020603050405020304" pitchFamily="18" charset="0"/>
+            </a:endParaRPr>
+          </a:p>
+        </p:txBody>
+      </p:sp>
+      <p:pic>
+        <p:nvPicPr>
+          <p:cNvPr id="1026" name="Рисунок 2" descr="https://sic-marking.su/images/main-block/technologies/udarno-tochechnaya-tekhnologiya.jpg"/>
+          <p:cNvPicPr>
+            <a:picLocks noChangeAspect="1" noChangeArrowheads="1"/>
+          </p:cNvPicPr>
+          <p:nvPr/>
+        </p:nvPicPr>
+        <p:blipFill>
+          <a:blip r:embed="rId2">
+            <a:extLst>
+              <a:ext uri="{28A0092B-C50C-407E-A947-70E740481C1C}">
+                <a14:useLocalDpi xmlns:a14="http://schemas.microsoft.com/office/drawing/2010/main" val="0"/>
+              </a:ext>
+            </a:extLst>
+          </a:blip>
+          <a:srcRect l="51048"/>
+          <a:stretch>
+            <a:fillRect/>
+          </a:stretch>
+        </p:blipFill>
+        <p:spPr bwMode="auto">
+          <a:xfrm>
+            <a:off x="250856" y="2174290"/>
+            <a:ext cx="5064092" cy="3978396"/>
+          </a:xfrm>
+          <a:prstGeom prst="rect">
+            <a:avLst/>
+          </a:prstGeom>
+          <a:noFill/>
+          <a:extLst>
+            <a:ext uri="{909E8E84-426E-40DD-AFC4-6F175D3DCCD1}">
+              <a14:hiddenFill xmlns:a14="http://schemas.microsoft.com/office/drawing/2010/main">
+                <a:solidFill>
+                  <a:srgbClr val="FFFFFF"/>
+                </a:solidFill>
+              </a14:hiddenFill>
+            </a:ext>
+          </a:extLst>
+        </p:spPr>
+      </p:pic>
+      <p:pic>
+        <p:nvPicPr>
+          <p:cNvPr id="1025" name="Рисунок 5"/>
+          <p:cNvPicPr>
+            <a:picLocks noChangeAspect="1" noChangeArrowheads="1"/>
+          </p:cNvPicPr>
+          <p:nvPr/>
+        </p:nvPicPr>
+        <p:blipFill>
+          <a:blip r:embed="rId3">
+            <a:extLst>
+              <a:ext uri="{28A0092B-C50C-407E-A947-70E740481C1C}">
+                <a14:useLocalDpi xmlns:a14="http://schemas.microsoft.com/office/drawing/2010/main" val="0"/>
+              </a:ext>
+            </a:extLst>
+          </a:blip>
+          <a:srcRect/>
+          <a:stretch>
+            <a:fillRect/>
+          </a:stretch>
+        </p:blipFill>
+        <p:spPr bwMode="auto">
+          <a:xfrm>
+            <a:off x="5531643" y="2174290"/>
+            <a:ext cx="6443661" cy="3978396"/>
+          </a:xfrm>
+          <a:prstGeom prst="rect">
+            <a:avLst/>
+          </a:prstGeom>
+          <a:noFill/>
+          <a:extLst>
+            <a:ext uri="{909E8E84-426E-40DD-AFC4-6F175D3DCCD1}">
+              <a14:hiddenFill xmlns:a14="http://schemas.microsoft.com/office/drawing/2010/main">
+                <a:solidFill>
+                  <a:srgbClr val="FFFFFF"/>
+                </a:solidFill>
+              </a14:hiddenFill>
+            </a:ext>
+          </a:extLst>
+        </p:spPr>
+      </p:pic>
+      <p:sp>
+        <p:nvSpPr>
+          <p:cNvPr id="3" name="Rectangle 3"/>
+          <p:cNvSpPr>
+            <a:spLocks noChangeArrowheads="1"/>
+          </p:cNvSpPr>
+          <p:nvPr/>
+        </p:nvSpPr>
+        <p:spPr bwMode="auto">
+          <a:xfrm>
+            <a:off x="0" y="0"/>
+            <a:ext cx="12192000" cy="457200"/>
+          </a:xfrm>
+          <a:prstGeom prst="rect">
+            <a:avLst/>
+          </a:prstGeom>
+          <a:noFill/>
+          <a:ln>
+            <a:noFill/>
+          </a:ln>
+          <a:effectLst/>
+          <a:extLst>
+            <a:ext uri="{909E8E84-426E-40DD-AFC4-6F175D3DCCD1}">
+              <a14:hiddenFill xmlns:a14="http://schemas.microsoft.com/office/drawing/2010/main">
+                <a:solidFill>
+                  <a:schemeClr val="accent1"/>
+                </a:solidFill>
+              </a14:hiddenFill>
+            </a:ext>
+            <a:ext uri="{91240B29-F687-4F45-9708-019B960494DF}">
+              <a14:hiddenLine xmlns:a14="http://schemas.microsoft.com/office/drawing/2010/main" w="9525">
+                <a:solidFill>
+                  <a:schemeClr val="tx1"/>
+                </a:solidFill>
+                <a:miter lim="800000"/>
+                <a:headEnd/>
+                <a:tailEnd/>
+              </a14:hiddenLine>
+            </a:ext>
+            <a:ext uri="{AF507438-7753-43E0-B8FC-AC1667EBCBE1}">
+              <a14:hiddenEffects xmlns:a14="http://schemas.microsoft.com/office/drawing/2010/main">
+                <a:effectLst>
+                  <a:outerShdw dist="35921" dir="2700000" algn="ctr" rotWithShape="0">
+                    <a:schemeClr val="bg2"/>
+                  </a:outerShdw>
+                </a:effectLst>
+              </a14:hiddenEffects>
+            </a:ext>
+          </a:extLst>
+        </p:spPr>
+        <p:txBody>
+          <a:bodyPr vert="horz" wrap="none" lIns="91440" tIns="45720" rIns="91440" bIns="45720" numCol="1" anchor="ctr" anchorCtr="0" compatLnSpc="1">
+            <a:prstTxWarp prst="textNoShape">
+              <a:avLst/>
+            </a:prstTxWarp>
+            <a:spAutoFit/>
+          </a:bodyPr>
+          <a:lstStyle/>
+          <a:p>
+            <a:endParaRPr lang="ru-RU"/>
+          </a:p>
+        </p:txBody>
+      </p:sp>
+      <p:sp>
+        <p:nvSpPr>
+          <p:cNvPr id="4" name="Rectangle 4"/>
+          <p:cNvSpPr>
+            <a:spLocks noChangeArrowheads="1"/>
+          </p:cNvSpPr>
+          <p:nvPr/>
+        </p:nvSpPr>
+        <p:spPr bwMode="auto">
+          <a:xfrm>
+            <a:off x="0" y="3438525"/>
+            <a:ext cx="12192000" cy="0"/>
+          </a:xfrm>
+          <a:prstGeom prst="rect">
+            <a:avLst/>
+          </a:prstGeom>
+          <a:noFill/>
+          <a:ln>
+            <a:noFill/>
+          </a:ln>
+          <a:effectLst/>
+          <a:extLst>
+            <a:ext uri="{909E8E84-426E-40DD-AFC4-6F175D3DCCD1}">
+              <a14:hiddenFill xmlns:a14="http://schemas.microsoft.com/office/drawing/2010/main">
+                <a:solidFill>
+                  <a:schemeClr val="accent1"/>
+                </a:solidFill>
+              </a14:hiddenFill>
+            </a:ext>
+            <a:ext uri="{91240B29-F687-4F45-9708-019B960494DF}">
+              <a14:hiddenLine xmlns:a14="http://schemas.microsoft.com/office/drawing/2010/main" w="9525">
+                <a:solidFill>
+                  <a:schemeClr val="tx1"/>
+                </a:solidFill>
+                <a:miter lim="800000"/>
+                <a:headEnd/>
+                <a:tailEnd/>
+              </a14:hiddenLine>
+            </a:ext>
+            <a:ext uri="{AF507438-7753-43E0-B8FC-AC1667EBCBE1}">
+              <a14:hiddenEffects xmlns:a14="http://schemas.microsoft.com/office/drawing/2010/main">
+                <a:effectLst>
+                  <a:outerShdw dist="35921" dir="2700000" algn="ctr" rotWithShape="0">
+                    <a:schemeClr val="bg2"/>
+                  </a:outerShdw>
+                </a:effectLst>
+              </a14:hiddenEffects>
+            </a:ext>
+          </a:extLst>
+        </p:spPr>
+        <p:txBody>
+          <a:bodyPr vert="horz" wrap="none" lIns="91440" tIns="45720" rIns="91440" bIns="45720" numCol="1" anchor="ctr" anchorCtr="0" compatLnSpc="1">
+            <a:prstTxWarp prst="textNoShape">
+              <a:avLst/>
+            </a:prstTxWarp>
+            <a:spAutoFit/>
+          </a:bodyPr>
+          <a:lstStyle/>
+          <a:p>
+            <a:endParaRPr lang="ru-RU"/>
+          </a:p>
+        </p:txBody>
+      </p:sp>
+      <p:sp>
+        <p:nvSpPr>
+          <p:cNvPr id="9" name="TextBox 8"/>
+          <p:cNvSpPr txBox="1"/>
+          <p:nvPr/>
+        </p:nvSpPr>
+        <p:spPr>
+          <a:xfrm>
+            <a:off x="250856" y="6152686"/>
+            <a:ext cx="5454437" cy="461665"/>
+          </a:xfrm>
+          <a:prstGeom prst="rect">
+            <a:avLst/>
+          </a:prstGeom>
+          <a:noFill/>
+        </p:spPr>
+        <p:txBody>
+          <a:bodyPr wrap="square" rtlCol="0">
+            <a:spAutoFit/>
+          </a:bodyPr>
+          <a:lstStyle/>
+          <a:p>
+            <a:r>
+              <a:rPr lang="ru-RU" sz="2400" dirty="0" smtClean="0">
+                <a:latin typeface="Times New Roman" panose="02020603050405020304" pitchFamily="18" charset="0"/>
+                <a:cs typeface="Times New Roman" panose="02020603050405020304" pitchFamily="18" charset="0"/>
+              </a:rPr>
+              <a:t>Пример </a:t>
+            </a:r>
+            <a:r>
+              <a:rPr lang="ru-RU" sz="2400" dirty="0" err="1" smtClean="0">
+                <a:latin typeface="Times New Roman" panose="02020603050405020304" pitchFamily="18" charset="0"/>
+                <a:cs typeface="Times New Roman" panose="02020603050405020304" pitchFamily="18" charset="0"/>
+              </a:rPr>
+              <a:t>ударо</a:t>
+            </a:r>
+            <a:r>
+              <a:rPr lang="ru-RU" sz="2400" dirty="0" smtClean="0">
+                <a:latin typeface="Times New Roman" panose="02020603050405020304" pitchFamily="18" charset="0"/>
+                <a:cs typeface="Times New Roman" panose="02020603050405020304" pitchFamily="18" charset="0"/>
+              </a:rPr>
+              <a:t>-точечной маркировки</a:t>
             </a:r>
             <a:endParaRPr lang="ru-RU" sz="2400" dirty="0">
               <a:latin typeface="Times New Roman" panose="02020603050405020304" pitchFamily="18" charset="0"/>
@@ -4171,14 +9039,124 @@
       </p:sp>
       <p:sp>
         <p:nvSpPr>
-          <p:cNvPr id="13" name="Прямоугольник 12"/>
+          <p:cNvPr id="10" name="TextBox 9"/>
+          <p:cNvSpPr txBox="1"/>
+          <p:nvPr/>
+        </p:nvSpPr>
+        <p:spPr>
+          <a:xfrm>
+            <a:off x="6274591" y="6152686"/>
+            <a:ext cx="5454437" cy="461665"/>
+          </a:xfrm>
+          <a:prstGeom prst="rect">
+            <a:avLst/>
+          </a:prstGeom>
+          <a:noFill/>
+        </p:spPr>
+        <p:txBody>
+          <a:bodyPr wrap="square" rtlCol="0">
+            <a:spAutoFit/>
+          </a:bodyPr>
+          <a:lstStyle/>
+          <a:p>
+            <a:r>
+              <a:rPr lang="ru-RU" sz="2400" dirty="0" smtClean="0">
+                <a:latin typeface="Times New Roman" panose="02020603050405020304" pitchFamily="18" charset="0"/>
+                <a:cs typeface="Times New Roman" panose="02020603050405020304" pitchFamily="18" charset="0"/>
+              </a:rPr>
+              <a:t>Предлагаемый метод маркирования</a:t>
+            </a:r>
+            <a:endParaRPr lang="ru-RU" sz="2400" dirty="0">
+              <a:latin typeface="Times New Roman" panose="02020603050405020304" pitchFamily="18" charset="0"/>
+              <a:cs typeface="Times New Roman" panose="02020603050405020304" pitchFamily="18" charset="0"/>
+            </a:endParaRPr>
+          </a:p>
+        </p:txBody>
+      </p:sp>
+    </p:spTree>
+    <p:extLst>
+      <p:ext uri="{BB962C8B-B14F-4D97-AF65-F5344CB8AC3E}">
+        <p14:creationId xmlns:p14="http://schemas.microsoft.com/office/powerpoint/2010/main" val="1521092681"/>
+      </p:ext>
+    </p:extLst>
+  </p:cSld>
+  <p:clrMapOvr>
+    <a:masterClrMapping/>
+  </p:clrMapOvr>
+  <p:timing>
+    <p:tnLst>
+      <p:par>
+        <p:cTn id="1" dur="indefinite" restart="never" nodeType="tmRoot"/>
+      </p:par>
+    </p:tnLst>
+  </p:timing>
+</p:sld>
+</file>
+
+<file path=ppt/slides/slide7.xml><?xml version="1.0" encoding="utf-8"?>
+<p:sld xmlns:a="http://schemas.openxmlformats.org/drawingml/2006/main" xmlns:r="http://schemas.openxmlformats.org/officeDocument/2006/relationships" xmlns:p="http://schemas.openxmlformats.org/presentationml/2006/main">
+  <p:cSld>
+    <p:spTree>
+      <p:nvGrpSpPr>
+        <p:cNvPr id="1" name=""/>
+        <p:cNvGrpSpPr/>
+        <p:nvPr/>
+      </p:nvGrpSpPr>
+      <p:grpSpPr>
+        <a:xfrm>
+          <a:off x="0" y="0"/>
+          <a:ext cx="0" cy="0"/>
+          <a:chOff x="0" y="0"/>
+          <a:chExt cx="0" cy="0"/>
+        </a:xfrm>
+      </p:grpSpPr>
+      <p:sp>
+        <p:nvSpPr>
+          <p:cNvPr id="5" name="TextBox 4"/>
+          <p:cNvSpPr txBox="1"/>
+          <p:nvPr/>
+        </p:nvSpPr>
+        <p:spPr>
+          <a:xfrm>
+            <a:off x="151510" y="5588950"/>
+            <a:ext cx="12192000" cy="923330"/>
+          </a:xfrm>
+          <a:prstGeom prst="rect">
+            <a:avLst/>
+          </a:prstGeom>
+          <a:noFill/>
+        </p:spPr>
+        <p:txBody>
+          <a:bodyPr wrap="square" rtlCol="0">
+            <a:spAutoFit/>
+          </a:bodyPr>
+          <a:lstStyle/>
+          <a:p>
+            <a:pPr algn="ctr"/>
+            <a:r>
+              <a:rPr lang="ru-RU" sz="2700" dirty="0" smtClean="0">
+                <a:latin typeface="Times New Roman" panose="02020603050405020304" pitchFamily="18" charset="0"/>
+                <a:cs typeface="Times New Roman" panose="02020603050405020304" pitchFamily="18" charset="0"/>
+              </a:rPr>
+              <a:t>Функциональная модель системы, на основе которой происходит разработка системы распознавания</a:t>
+            </a:r>
+            <a:endParaRPr lang="ru-RU" sz="2700" dirty="0">
+              <a:latin typeface="Times New Roman" panose="02020603050405020304" pitchFamily="18" charset="0"/>
+              <a:cs typeface="Times New Roman" panose="02020603050405020304" pitchFamily="18" charset="0"/>
+            </a:endParaRPr>
+          </a:p>
+        </p:txBody>
+      </p:sp>
+      <p:sp>
+        <p:nvSpPr>
+          <p:cNvPr id="2" name="Прямоугольник 1"/>
           <p:cNvSpPr/>
           <p:nvPr/>
         </p:nvSpPr>
         <p:spPr>
           <a:xfrm>
-            <a:off x="-1" y="5565338"/>
-            <a:ext cx="12191998" cy="461665"/>
+            <a:off x="0" y="0"/>
+            <a:ext cx="12192000" cy="646331"/>
           </a:xfrm>
           <a:prstGeom prst="rect">
             <a:avLst/>
@@ -4192,19 +9170,72 @@
           <a:p>
             <a:pPr algn="ctr"/>
             <a:r>
-              <a:rPr lang="ru-RU" sz="2400" dirty="0">
-                <a:latin typeface="Times New Roman" panose="02020603050405020304" pitchFamily="18" charset="0"/>
-                <a:ea typeface="Calibri" panose="020F0502020204030204" pitchFamily="34" charset="0"/>
-              </a:rPr>
-              <a:t>Рисунок 3 – Изображение со сгенерированной маркировкой</a:t>
-            </a:r>
-            <a:endParaRPr lang="ru-RU" sz="2400" dirty="0"/>
+              <a:rPr lang="ru-RU" sz="3600" b="1" dirty="0" smtClean="0">
+                <a:latin typeface="Times New Roman" panose="02020603050405020304" pitchFamily="18" charset="0"/>
+                <a:cs typeface="Times New Roman" panose="02020603050405020304" pitchFamily="18" charset="0"/>
+              </a:rPr>
+              <a:t>Исходные данные</a:t>
+            </a:r>
+            <a:endParaRPr lang="ru-RU" sz="3600" b="1" dirty="0">
+              <a:latin typeface="Times New Roman" panose="02020603050405020304" pitchFamily="18" charset="0"/>
+              <a:cs typeface="Times New Roman" panose="02020603050405020304" pitchFamily="18" charset="0"/>
+            </a:endParaRPr>
+          </a:p>
+        </p:txBody>
+      </p:sp>
+      <p:sp>
+        <p:nvSpPr>
+          <p:cNvPr id="6" name="TextBox 5"/>
+          <p:cNvSpPr txBox="1"/>
+          <p:nvPr/>
+        </p:nvSpPr>
+        <p:spPr>
+          <a:xfrm>
+            <a:off x="0" y="6488668"/>
+            <a:ext cx="638355" cy="369332"/>
+          </a:xfrm>
+          <a:prstGeom prst="rect">
+            <a:avLst/>
+          </a:prstGeom>
+          <a:noFill/>
+        </p:spPr>
+        <p:txBody>
+          <a:bodyPr wrap="square" rtlCol="0">
+            <a:spAutoFit/>
+          </a:bodyPr>
+          <a:lstStyle/>
+          <a:p>
+            <a:r>
+              <a:rPr lang="ru-RU" dirty="0" smtClean="0">
+                <a:latin typeface="Times New Roman" panose="02020603050405020304" pitchFamily="18" charset="0"/>
+                <a:cs typeface="Times New Roman" panose="02020603050405020304" pitchFamily="18" charset="0"/>
+              </a:rPr>
+              <a:t>7</a:t>
+            </a:r>
+            <a:r>
+              <a:rPr lang="en-US" dirty="0" smtClean="0">
+                <a:latin typeface="Times New Roman" panose="02020603050405020304" pitchFamily="18" charset="0"/>
+                <a:cs typeface="Times New Roman" panose="02020603050405020304" pitchFamily="18" charset="0"/>
+              </a:rPr>
+              <a:t>/</a:t>
+            </a:r>
+            <a:r>
+              <a:rPr lang="ru-RU" dirty="0" smtClean="0">
+                <a:latin typeface="Times New Roman" panose="02020603050405020304" pitchFamily="18" charset="0"/>
+                <a:cs typeface="Times New Roman" panose="02020603050405020304" pitchFamily="18" charset="0"/>
+              </a:rPr>
+              <a:t>19</a:t>
+            </a:r>
+            <a:endParaRPr lang="ru-RU" dirty="0">
+              <a:latin typeface="Times New Roman" panose="02020603050405020304" pitchFamily="18" charset="0"/>
+              <a:cs typeface="Times New Roman" panose="02020603050405020304" pitchFamily="18" charset="0"/>
+            </a:endParaRPr>
           </a:p>
         </p:txBody>
       </p:sp>
       <p:pic>
         <p:nvPicPr>
-          <p:cNvPr id="1026" name="Picture 2" descr="0000f269f"/>
+          <p:cNvPr id="2050" name="Рисунок 45"/>
           <p:cNvPicPr>
             <a:picLocks noChangeAspect="1" noChangeArrowheads="1"/>
           </p:cNvPicPr>
@@ -4225,8 +9256,8 @@
         </p:blipFill>
         <p:spPr bwMode="auto">
           <a:xfrm>
-            <a:off x="882012" y="3808185"/>
-            <a:ext cx="10764752" cy="1686959"/>
+            <a:off x="151510" y="646331"/>
+            <a:ext cx="11888980" cy="4063725"/>
           </a:xfrm>
           <a:prstGeom prst="rect">
             <a:avLst/>
@@ -4256,475 +9287,23 @@
           </a:extLst>
         </p:spPr>
       </p:pic>
-      <p:pic>
-        <p:nvPicPr>
-          <p:cNvPr id="3" name="Рисунок 2"/>
-          <p:cNvPicPr>
-            <a:picLocks noChangeAspect="1"/>
-          </p:cNvPicPr>
-          <p:nvPr/>
-        </p:nvPicPr>
-        <p:blipFill>
-          <a:blip r:embed="rId3"/>
-          <a:stretch>
-            <a:fillRect/>
-          </a:stretch>
-        </p:blipFill>
-        <p:spPr>
-          <a:xfrm>
-            <a:off x="882012" y="1242260"/>
-            <a:ext cx="10764752" cy="1714739"/>
-          </a:xfrm>
-          <a:prstGeom prst="rect">
-            <a:avLst/>
-          </a:prstGeom>
-        </p:spPr>
-      </p:pic>
-      <p:sp>
-        <p:nvSpPr>
-          <p:cNvPr id="8" name="Прямоугольник 7"/>
-          <p:cNvSpPr/>
-          <p:nvPr/>
-        </p:nvSpPr>
-        <p:spPr>
-          <a:xfrm>
-            <a:off x="-1" y="2956999"/>
-            <a:ext cx="12191999" cy="461665"/>
-          </a:xfrm>
-          <a:prstGeom prst="rect">
-            <a:avLst/>
-          </a:prstGeom>
-        </p:spPr>
-        <p:txBody>
-          <a:bodyPr wrap="square">
-            <a:spAutoFit/>
-          </a:bodyPr>
-          <a:lstStyle/>
-          <a:p>
-            <a:pPr algn="ctr"/>
-            <a:r>
-              <a:rPr lang="ru-RU" sz="2400" dirty="0">
-                <a:latin typeface="Times New Roman" panose="02020603050405020304" pitchFamily="18" charset="0"/>
-                <a:ea typeface="Calibri" panose="020F0502020204030204" pitchFamily="34" charset="0"/>
-              </a:rPr>
-              <a:t>Рисунок 2 – Изображение из </a:t>
-            </a:r>
-            <a:r>
-              <a:rPr lang="ru-RU" sz="2400" dirty="0" err="1">
-                <a:latin typeface="Times New Roman" panose="02020603050405020304" pitchFamily="18" charset="0"/>
-                <a:ea typeface="Calibri" panose="020F0502020204030204" pitchFamily="34" charset="0"/>
-              </a:rPr>
-              <a:t>датасета</a:t>
-            </a:r>
-            <a:r>
-              <a:rPr lang="ru-RU" sz="2400" dirty="0">
-                <a:latin typeface="Times New Roman" panose="02020603050405020304" pitchFamily="18" charset="0"/>
-                <a:ea typeface="Calibri" panose="020F0502020204030204" pitchFamily="34" charset="0"/>
-              </a:rPr>
-              <a:t> </a:t>
-            </a:r>
-            <a:r>
-              <a:rPr lang="en-US" sz="2400" dirty="0" err="1">
-                <a:latin typeface="Times New Roman" panose="02020603050405020304" pitchFamily="18" charset="0"/>
-                <a:cs typeface="Times New Roman" panose="02020603050405020304" pitchFamily="18" charset="0"/>
-              </a:rPr>
-              <a:t>Severstal</a:t>
-            </a:r>
-            <a:r>
-              <a:rPr lang="en-US" sz="2400" dirty="0">
-                <a:latin typeface="Times New Roman" panose="02020603050405020304" pitchFamily="18" charset="0"/>
-                <a:cs typeface="Times New Roman" panose="02020603050405020304" pitchFamily="18" charset="0"/>
-              </a:rPr>
-              <a:t>: Steel Defect Detection</a:t>
-            </a:r>
-            <a:endParaRPr lang="ru-RU" sz="2400" dirty="0"/>
-          </a:p>
-        </p:txBody>
-      </p:sp>
     </p:spTree>
     <p:extLst>
       <p:ext uri="{BB962C8B-B14F-4D97-AF65-F5344CB8AC3E}">
-        <p14:creationId xmlns:p14="http://schemas.microsoft.com/office/powerpoint/2010/main" val="3121967337"/>
+        <p14:creationId xmlns:p14="http://schemas.microsoft.com/office/powerpoint/2010/main" val="3618106155"/>
       </p:ext>
     </p:extLst>
   </p:cSld>
   <p:clrMapOvr>
     <a:masterClrMapping/>
   </p:clrMapOvr>
-</p:sld>
-</file>
-
-<file path=ppt/slides/slide6.xml><?xml version="1.0" encoding="utf-8"?>
-<p:sld xmlns:a="http://schemas.openxmlformats.org/drawingml/2006/main" xmlns:r="http://schemas.openxmlformats.org/officeDocument/2006/relationships" xmlns:p="http://schemas.openxmlformats.org/presentationml/2006/main">
-  <p:cSld>
-    <p:spTree>
-      <p:nvGrpSpPr>
-        <p:cNvPr id="1" name=""/>
-        <p:cNvGrpSpPr/>
-        <p:nvPr/>
-      </p:nvGrpSpPr>
-      <p:grpSpPr>
-        <a:xfrm>
-          <a:off x="0" y="0"/>
-          <a:ext cx="0" cy="0"/>
-          <a:chOff x="0" y="0"/>
-          <a:chExt cx="0" cy="0"/>
-        </a:xfrm>
-      </p:grpSpPr>
-      <p:sp>
-        <p:nvSpPr>
-          <p:cNvPr id="4" name="TextBox 3"/>
-          <p:cNvSpPr txBox="1"/>
-          <p:nvPr/>
-        </p:nvSpPr>
-        <p:spPr>
-          <a:xfrm>
-            <a:off x="0" y="6488668"/>
-            <a:ext cx="638355" cy="369332"/>
-          </a:xfrm>
-          <a:prstGeom prst="rect">
-            <a:avLst/>
-          </a:prstGeom>
-          <a:noFill/>
-        </p:spPr>
-        <p:txBody>
-          <a:bodyPr wrap="square" rtlCol="0">
-            <a:spAutoFit/>
-          </a:bodyPr>
-          <a:lstStyle/>
-          <a:p>
-            <a:r>
-              <a:rPr lang="ru-RU" dirty="0">
-                <a:latin typeface="Times New Roman" panose="02020603050405020304" pitchFamily="18" charset="0"/>
-                <a:cs typeface="Times New Roman" panose="02020603050405020304" pitchFamily="18" charset="0"/>
-              </a:rPr>
-              <a:t>6</a:t>
-            </a:r>
-            <a:r>
-              <a:rPr lang="en-US" dirty="0">
-                <a:latin typeface="Times New Roman" panose="02020603050405020304" pitchFamily="18" charset="0"/>
-                <a:cs typeface="Times New Roman" panose="02020603050405020304" pitchFamily="18" charset="0"/>
-              </a:rPr>
-              <a:t>/</a:t>
-            </a:r>
-            <a:r>
-              <a:rPr lang="ru-RU" dirty="0">
-                <a:latin typeface="Times New Roman" panose="02020603050405020304" pitchFamily="18" charset="0"/>
-                <a:cs typeface="Times New Roman" panose="02020603050405020304" pitchFamily="18" charset="0"/>
-              </a:rPr>
-              <a:t>8</a:t>
-            </a:r>
-          </a:p>
-        </p:txBody>
-      </p:sp>
-      <p:sp>
-        <p:nvSpPr>
-          <p:cNvPr id="2" name="Прямоугольник 1"/>
-          <p:cNvSpPr/>
-          <p:nvPr/>
-        </p:nvSpPr>
-        <p:spPr>
-          <a:xfrm>
-            <a:off x="0" y="606475"/>
-            <a:ext cx="12192000" cy="461665"/>
-          </a:xfrm>
-          <a:prstGeom prst="rect">
-            <a:avLst/>
-          </a:prstGeom>
-        </p:spPr>
-        <p:txBody>
-          <a:bodyPr wrap="square">
-            <a:spAutoFit/>
-          </a:bodyPr>
-          <a:lstStyle/>
-          <a:p>
-            <a:pPr algn="ctr"/>
-            <a:r>
-              <a:rPr lang="ru-RU" sz="2400" dirty="0">
-                <a:latin typeface="Times New Roman" panose="02020603050405020304" pitchFamily="18" charset="0"/>
-                <a:cs typeface="Times New Roman" panose="02020603050405020304" pitchFamily="18" charset="0"/>
-              </a:rPr>
-              <a:t>Обучение </a:t>
-            </a:r>
-            <a:r>
-              <a:rPr lang="ru-RU" sz="2400" dirty="0" err="1">
-                <a:latin typeface="Times New Roman" panose="02020603050405020304" pitchFamily="18" charset="0"/>
-                <a:cs typeface="Times New Roman" panose="02020603050405020304" pitchFamily="18" charset="0"/>
-              </a:rPr>
-              <a:t>нейросети</a:t>
-            </a:r>
-            <a:endParaRPr lang="ru-RU" sz="2400" dirty="0">
-              <a:latin typeface="Times New Roman" panose="02020603050405020304" pitchFamily="18" charset="0"/>
-              <a:cs typeface="Times New Roman" panose="02020603050405020304" pitchFamily="18" charset="0"/>
-            </a:endParaRPr>
-          </a:p>
-        </p:txBody>
-      </p:sp>
-      <p:sp>
-        <p:nvSpPr>
-          <p:cNvPr id="13" name="Прямоугольник 12"/>
-          <p:cNvSpPr/>
-          <p:nvPr/>
-        </p:nvSpPr>
-        <p:spPr>
-          <a:xfrm>
-            <a:off x="2" y="4301659"/>
-            <a:ext cx="12191998" cy="461665"/>
-          </a:xfrm>
-          <a:prstGeom prst="rect">
-            <a:avLst/>
-          </a:prstGeom>
-        </p:spPr>
-        <p:txBody>
-          <a:bodyPr wrap="square">
-            <a:spAutoFit/>
-          </a:bodyPr>
-          <a:lstStyle/>
-          <a:p>
-            <a:pPr algn="ctr"/>
-            <a:r>
-              <a:rPr lang="ru-RU" sz="2400" dirty="0">
-                <a:latin typeface="Times New Roman" panose="02020603050405020304" pitchFamily="18" charset="0"/>
-                <a:ea typeface="Calibri" panose="020F0502020204030204" pitchFamily="34" charset="0"/>
-              </a:rPr>
-              <a:t>Рисунок 4 – Схема процесса обучения нейросети</a:t>
-            </a:r>
-            <a:r>
-              <a:rPr lang="en-US" sz="2400" dirty="0">
-                <a:latin typeface="Times New Roman" panose="02020603050405020304" pitchFamily="18" charset="0"/>
-                <a:ea typeface="Calibri" panose="020F0502020204030204" pitchFamily="34" charset="0"/>
-              </a:rPr>
-              <a:t> </a:t>
-            </a:r>
-            <a:r>
-              <a:rPr lang="ru-RU" sz="2400" dirty="0">
-                <a:latin typeface="Times New Roman" panose="02020603050405020304" pitchFamily="18" charset="0"/>
-                <a:ea typeface="Calibri" panose="020F0502020204030204" pitchFamily="34" charset="0"/>
-              </a:rPr>
-              <a:t>и тестирования ее работы</a:t>
-            </a:r>
-            <a:endParaRPr lang="ru-RU" sz="2400" dirty="0"/>
-          </a:p>
-        </p:txBody>
-      </p:sp>
-      <p:pic>
-        <p:nvPicPr>
-          <p:cNvPr id="9" name="Рисунок 8"/>
-          <p:cNvPicPr/>
-          <p:nvPr/>
-        </p:nvPicPr>
-        <p:blipFill>
-          <a:blip r:embed="rId2"/>
-          <a:stretch>
-            <a:fillRect/>
-          </a:stretch>
-        </p:blipFill>
-        <p:spPr>
-          <a:xfrm>
-            <a:off x="0" y="2127195"/>
-            <a:ext cx="12192000" cy="2174464"/>
-          </a:xfrm>
-          <a:prstGeom prst="rect">
-            <a:avLst/>
-          </a:prstGeom>
-        </p:spPr>
-      </p:pic>
-    </p:spTree>
-    <p:extLst>
-      <p:ext uri="{BB962C8B-B14F-4D97-AF65-F5344CB8AC3E}">
-        <p14:creationId xmlns:p14="http://schemas.microsoft.com/office/powerpoint/2010/main" val="1577613190"/>
-      </p:ext>
-    </p:extLst>
-  </p:cSld>
-  <p:clrMapOvr>
-    <a:masterClrMapping/>
-  </p:clrMapOvr>
-</p:sld>
-</file>
-
-<file path=ppt/slides/slide7.xml><?xml version="1.0" encoding="utf-8"?>
-<p:sld xmlns:a="http://schemas.openxmlformats.org/drawingml/2006/main" xmlns:r="http://schemas.openxmlformats.org/officeDocument/2006/relationships" xmlns:p="http://schemas.openxmlformats.org/presentationml/2006/main">
-  <p:cSld>
-    <p:spTree>
-      <p:nvGrpSpPr>
-        <p:cNvPr id="1" name=""/>
-        <p:cNvGrpSpPr/>
-        <p:nvPr/>
-      </p:nvGrpSpPr>
-      <p:grpSpPr>
-        <a:xfrm>
-          <a:off x="0" y="0"/>
-          <a:ext cx="0" cy="0"/>
-          <a:chOff x="0" y="0"/>
-          <a:chExt cx="0" cy="0"/>
-        </a:xfrm>
-      </p:grpSpPr>
-      <p:sp>
-        <p:nvSpPr>
-          <p:cNvPr id="2" name="Прямоугольник 1"/>
-          <p:cNvSpPr/>
-          <p:nvPr/>
-        </p:nvSpPr>
-        <p:spPr>
-          <a:xfrm>
-            <a:off x="0" y="517803"/>
-            <a:ext cx="12192000" cy="461665"/>
-          </a:xfrm>
-          <a:prstGeom prst="rect">
-            <a:avLst/>
-          </a:prstGeom>
-        </p:spPr>
-        <p:txBody>
-          <a:bodyPr wrap="square">
-            <a:spAutoFit/>
-          </a:bodyPr>
-          <a:lstStyle/>
-          <a:p>
-            <a:pPr algn="ctr"/>
-            <a:r>
-              <a:rPr lang="ru-RU" sz="2400" dirty="0">
-                <a:latin typeface="Times New Roman" panose="02020603050405020304" pitchFamily="18" charset="0"/>
-                <a:cs typeface="Times New Roman" panose="02020603050405020304" pitchFamily="18" charset="0"/>
-              </a:rPr>
-              <a:t>Заключение</a:t>
-            </a:r>
-          </a:p>
-        </p:txBody>
-      </p:sp>
-      <p:sp>
-        <p:nvSpPr>
-          <p:cNvPr id="4" name="Прямоугольник 3"/>
-          <p:cNvSpPr/>
-          <p:nvPr/>
-        </p:nvSpPr>
-        <p:spPr>
-          <a:xfrm>
-            <a:off x="0" y="1334937"/>
-            <a:ext cx="12192000" cy="3970318"/>
-          </a:xfrm>
-          <a:prstGeom prst="rect">
-            <a:avLst/>
-          </a:prstGeom>
-        </p:spPr>
-        <p:txBody>
-          <a:bodyPr wrap="square">
-            <a:spAutoFit/>
-          </a:bodyPr>
-          <a:lstStyle/>
-          <a:p>
-            <a:r>
-              <a:rPr lang="ru-RU" sz="2800" dirty="0">
-                <a:latin typeface="Times New Roman" pitchFamily="18" charset="0"/>
-                <a:cs typeface="Times New Roman" pitchFamily="18" charset="0"/>
-              </a:rPr>
-              <a:t> a) проведен анализ предметной области, проанализированы аналогичные алгоритмы, предъявлены требования к разрабатываемой информационной системе;</a:t>
-            </a:r>
-          </a:p>
-          <a:p>
-            <a:pPr algn="just"/>
-            <a:r>
-              <a:rPr lang="ru-RU" sz="2800" dirty="0">
-                <a:latin typeface="Times New Roman" panose="02020603050405020304" pitchFamily="18" charset="0"/>
-                <a:cs typeface="Times New Roman" panose="02020603050405020304" pitchFamily="18" charset="0"/>
-              </a:rPr>
-              <a:t>b) произведено математическое моделирование разрабатываемой информационной системы;</a:t>
-            </a:r>
-          </a:p>
-          <a:p>
-            <a:pPr algn="just"/>
-            <a:r>
-              <a:rPr lang="ru-RU" sz="2800" dirty="0">
-                <a:latin typeface="Times New Roman" panose="02020603050405020304" pitchFamily="18" charset="0"/>
-                <a:cs typeface="Times New Roman" panose="02020603050405020304" pitchFamily="18" charset="0"/>
-              </a:rPr>
-              <a:t>c) Проанализированы и описаны алгоритмы, используемые при разработке информационной системы;</a:t>
-            </a:r>
-          </a:p>
-          <a:p>
-            <a:pPr algn="just"/>
-            <a:r>
-              <a:rPr lang="ru-RU" sz="2800" dirty="0">
-                <a:latin typeface="Times New Roman" panose="02020603050405020304" pitchFamily="18" charset="0"/>
-                <a:cs typeface="Times New Roman" panose="02020603050405020304" pitchFamily="18" charset="0"/>
-              </a:rPr>
-              <a:t>d) реализована информационная система;</a:t>
-            </a:r>
-          </a:p>
-          <a:p>
-            <a:pPr algn="just"/>
-            <a:r>
-              <a:rPr lang="en-US" sz="2800" dirty="0">
-                <a:latin typeface="Times New Roman" panose="02020603050405020304" pitchFamily="18" charset="0"/>
-                <a:cs typeface="Times New Roman" panose="02020603050405020304" pitchFamily="18" charset="0"/>
-              </a:rPr>
-              <a:t>e) </a:t>
-            </a:r>
-            <a:r>
-              <a:rPr lang="ru-RU" sz="2800" dirty="0">
-                <a:latin typeface="Times New Roman" panose="02020603050405020304" pitchFamily="18" charset="0"/>
-                <a:cs typeface="Times New Roman" panose="02020603050405020304" pitchFamily="18" charset="0"/>
-              </a:rPr>
-              <a:t>разработанная система протестирована, и сделаны выводы о ее работе.</a:t>
-            </a:r>
-          </a:p>
-        </p:txBody>
-      </p:sp>
-      <p:sp>
-        <p:nvSpPr>
-          <p:cNvPr id="5" name="TextBox 4"/>
-          <p:cNvSpPr txBox="1"/>
-          <p:nvPr/>
-        </p:nvSpPr>
-        <p:spPr>
-          <a:xfrm>
-            <a:off x="0" y="6488668"/>
-            <a:ext cx="1025540" cy="369332"/>
-          </a:xfrm>
-          <a:prstGeom prst="rect">
-            <a:avLst/>
-          </a:prstGeom>
-          <a:noFill/>
-        </p:spPr>
-        <p:txBody>
-          <a:bodyPr wrap="square" rtlCol="0">
-            <a:spAutoFit/>
-          </a:bodyPr>
-          <a:lstStyle/>
-          <a:p>
-            <a:r>
-              <a:rPr lang="ru-RU" dirty="0">
-                <a:latin typeface="Times New Roman" panose="02020603050405020304" pitchFamily="18" charset="0"/>
-                <a:cs typeface="Times New Roman" panose="02020603050405020304" pitchFamily="18" charset="0"/>
-              </a:rPr>
-              <a:t>7</a:t>
-            </a:r>
-            <a:r>
-              <a:rPr lang="en-US" dirty="0">
-                <a:latin typeface="Times New Roman" panose="02020603050405020304" pitchFamily="18" charset="0"/>
-                <a:cs typeface="Times New Roman" panose="02020603050405020304" pitchFamily="18" charset="0"/>
-              </a:rPr>
-              <a:t>/</a:t>
-            </a:r>
-            <a:r>
-              <a:rPr lang="ru-RU" dirty="0">
-                <a:latin typeface="Times New Roman" panose="02020603050405020304" pitchFamily="18" charset="0"/>
-                <a:cs typeface="Times New Roman" panose="02020603050405020304" pitchFamily="18" charset="0"/>
-              </a:rPr>
-              <a:t>8</a:t>
-            </a:r>
-          </a:p>
-        </p:txBody>
-      </p:sp>
-    </p:spTree>
-    <p:extLst>
-      <p:ext uri="{BB962C8B-B14F-4D97-AF65-F5344CB8AC3E}">
-        <p14:creationId xmlns:p14="http://schemas.microsoft.com/office/powerpoint/2010/main" val="754021422"/>
-      </p:ext>
-    </p:extLst>
-  </p:cSld>
-  <p:clrMapOvr>
-    <a:masterClrMapping/>
-  </p:clrMapOvr>
+  <p:timing>
+    <p:tnLst>
+      <p:par>
+        <p:cTn id="1" dur="indefinite" restart="never" nodeType="tmRoot"/>
+      </p:par>
+    </p:tnLst>
+  </p:timing>
 </p:sld>
 </file>
 
@@ -4747,45 +9326,14 @@
       </p:grpSpPr>
       <p:sp>
         <p:nvSpPr>
-          <p:cNvPr id="2" name="Прямоугольник 1"/>
-          <p:cNvSpPr/>
-          <p:nvPr/>
-        </p:nvSpPr>
-        <p:spPr>
-          <a:xfrm>
-            <a:off x="3854667" y="3032063"/>
-            <a:ext cx="4089581" cy="584775"/>
-          </a:xfrm>
-          <a:prstGeom prst="rect">
-            <a:avLst/>
-          </a:prstGeom>
-        </p:spPr>
-        <p:txBody>
-          <a:bodyPr wrap="none">
-            <a:spAutoFit/>
-          </a:bodyPr>
-          <a:lstStyle/>
-          <a:p>
-            <a:r>
-              <a:rPr lang="ru-RU" sz="3200" dirty="0">
-                <a:latin typeface="Times New Roman" panose="02020603050405020304" pitchFamily="18" charset="0"/>
-                <a:cs typeface="Times New Roman" panose="02020603050405020304" pitchFamily="18" charset="0"/>
-              </a:rPr>
-              <a:t>Спасибо за внимание!</a:t>
-            </a:r>
-          </a:p>
-        </p:txBody>
-      </p:sp>
-      <p:sp>
-        <p:nvSpPr>
-          <p:cNvPr id="3" name="TextBox 2"/>
+          <p:cNvPr id="5" name="TextBox 4"/>
           <p:cNvSpPr txBox="1"/>
           <p:nvPr/>
         </p:nvSpPr>
         <p:spPr>
           <a:xfrm>
-            <a:off x="0" y="6488668"/>
-            <a:ext cx="1025540" cy="369332"/>
+            <a:off x="0" y="646331"/>
+            <a:ext cx="12192000" cy="507831"/>
           </a:xfrm>
           <a:prstGeom prst="rect">
             <a:avLst/>
@@ -4798,6 +9346,93 @@
           </a:bodyPr>
           <a:lstStyle/>
           <a:p>
+            <a:pPr algn="just"/>
+            <a:r>
+              <a:rPr lang="ru-RU" sz="2700" dirty="0" smtClean="0">
+                <a:latin typeface="Times New Roman" panose="02020603050405020304" pitchFamily="18" charset="0"/>
+                <a:cs typeface="Times New Roman" panose="02020603050405020304" pitchFamily="18" charset="0"/>
+              </a:rPr>
+              <a:t>(текст про </a:t>
+            </a:r>
+            <a:r>
+              <a:rPr lang="en-US" sz="2700" dirty="0" smtClean="0">
+                <a:latin typeface="Times New Roman" panose="02020603050405020304" pitchFamily="18" charset="0"/>
+                <a:cs typeface="Times New Roman" panose="02020603050405020304" pitchFamily="18" charset="0"/>
+              </a:rPr>
+              <a:t>Tensorflow … API, RetinaNet</a:t>
+            </a:r>
+            <a:r>
+              <a:rPr lang="ru-RU" sz="2700" dirty="0" smtClean="0">
+                <a:latin typeface="Times New Roman" panose="02020603050405020304" pitchFamily="18" charset="0"/>
+                <a:cs typeface="Times New Roman" panose="02020603050405020304" pitchFamily="18" charset="0"/>
+              </a:rPr>
+              <a:t>)</a:t>
+            </a:r>
+            <a:endParaRPr lang="ru-RU" sz="2700" dirty="0">
+              <a:latin typeface="Times New Roman" panose="02020603050405020304" pitchFamily="18" charset="0"/>
+              <a:cs typeface="Times New Roman" panose="02020603050405020304" pitchFamily="18" charset="0"/>
+            </a:endParaRPr>
+          </a:p>
+        </p:txBody>
+      </p:sp>
+      <p:sp>
+        <p:nvSpPr>
+          <p:cNvPr id="2" name="Прямоугольник 1"/>
+          <p:cNvSpPr/>
+          <p:nvPr/>
+        </p:nvSpPr>
+        <p:spPr>
+          <a:xfrm>
+            <a:off x="0" y="0"/>
+            <a:ext cx="12192000" cy="646331"/>
+          </a:xfrm>
+          <a:prstGeom prst="rect">
+            <a:avLst/>
+          </a:prstGeom>
+        </p:spPr>
+        <p:txBody>
+          <a:bodyPr wrap="square">
+            <a:spAutoFit/>
+          </a:bodyPr>
+          <a:lstStyle/>
+          <a:p>
+            <a:pPr algn="ctr"/>
+            <a:r>
+              <a:rPr lang="ru-RU" sz="3600" b="1" dirty="0" smtClean="0">
+                <a:latin typeface="Times New Roman" panose="02020603050405020304" pitchFamily="18" charset="0"/>
+                <a:cs typeface="Times New Roman" panose="02020603050405020304" pitchFamily="18" charset="0"/>
+              </a:rPr>
+              <a:t>Исходные данные</a:t>
+            </a:r>
+            <a:endParaRPr lang="ru-RU" sz="3600" b="1" dirty="0">
+              <a:latin typeface="Times New Roman" panose="02020603050405020304" pitchFamily="18" charset="0"/>
+              <a:cs typeface="Times New Roman" panose="02020603050405020304" pitchFamily="18" charset="0"/>
+            </a:endParaRPr>
+          </a:p>
+        </p:txBody>
+      </p:sp>
+      <p:sp>
+        <p:nvSpPr>
+          <p:cNvPr id="4" name="TextBox 3"/>
+          <p:cNvSpPr txBox="1"/>
+          <p:nvPr/>
+        </p:nvSpPr>
+        <p:spPr>
+          <a:xfrm>
+            <a:off x="0" y="6488668"/>
+            <a:ext cx="638355" cy="369332"/>
+          </a:xfrm>
+          <a:prstGeom prst="rect">
+            <a:avLst/>
+          </a:prstGeom>
+          <a:noFill/>
+        </p:spPr>
+        <p:txBody>
+          <a:bodyPr wrap="square" rtlCol="0">
+            <a:spAutoFit/>
+          </a:bodyPr>
+          <a:lstStyle/>
+          <a:p>
             <a:r>
               <a:rPr lang="ru-RU" dirty="0">
                 <a:latin typeface="Times New Roman" panose="02020603050405020304" pitchFamily="18" charset="0"/>
@@ -4806,32 +9441,310 @@
               <a:t>8</a:t>
             </a:r>
             <a:r>
-              <a:rPr lang="en-US" dirty="0">
+              <a:rPr lang="en-US" dirty="0" smtClean="0">
                 <a:latin typeface="Times New Roman" panose="02020603050405020304" pitchFamily="18" charset="0"/>
                 <a:cs typeface="Times New Roman" panose="02020603050405020304" pitchFamily="18" charset="0"/>
               </a:rPr>
               <a:t>/</a:t>
             </a:r>
             <a:r>
-              <a:rPr lang="ru-RU" dirty="0">
-                <a:latin typeface="Times New Roman" panose="02020603050405020304" pitchFamily="18" charset="0"/>
-                <a:cs typeface="Times New Roman" panose="02020603050405020304" pitchFamily="18" charset="0"/>
-              </a:rPr>
-              <a:t>8</a:t>
-            </a:r>
+              <a:rPr lang="ru-RU" dirty="0" smtClean="0">
+                <a:latin typeface="Times New Roman" panose="02020603050405020304" pitchFamily="18" charset="0"/>
+                <a:cs typeface="Times New Roman" panose="02020603050405020304" pitchFamily="18" charset="0"/>
+              </a:rPr>
+              <a:t>19</a:t>
+            </a:r>
+            <a:endParaRPr lang="ru-RU" dirty="0">
+              <a:latin typeface="Times New Roman" panose="02020603050405020304" pitchFamily="18" charset="0"/>
+              <a:cs typeface="Times New Roman" panose="02020603050405020304" pitchFamily="18" charset="0"/>
+            </a:endParaRPr>
           </a:p>
         </p:txBody>
       </p:sp>
     </p:spTree>
     <p:extLst>
       <p:ext uri="{BB962C8B-B14F-4D97-AF65-F5344CB8AC3E}">
-        <p14:creationId xmlns:p14="http://schemas.microsoft.com/office/powerpoint/2010/main" val="1509542114"/>
+        <p14:creationId xmlns:p14="http://schemas.microsoft.com/office/powerpoint/2010/main" val="3978004662"/>
       </p:ext>
     </p:extLst>
   </p:cSld>
   <p:clrMapOvr>
     <a:masterClrMapping/>
   </p:clrMapOvr>
+  <p:timing>
+    <p:tnLst>
+      <p:par>
+        <p:cTn id="1" dur="indefinite" restart="never" nodeType="tmRoot"/>
+      </p:par>
+    </p:tnLst>
+  </p:timing>
+</p:sld>
+</file>
+
+<file path=ppt/slides/slide9.xml><?xml version="1.0" encoding="utf-8"?>
+<p:sld xmlns:a="http://schemas.openxmlformats.org/drawingml/2006/main" xmlns:r="http://schemas.openxmlformats.org/officeDocument/2006/relationships" xmlns:p="http://schemas.openxmlformats.org/presentationml/2006/main">
+  <p:cSld>
+    <p:spTree>
+      <p:nvGrpSpPr>
+        <p:cNvPr id="1" name=""/>
+        <p:cNvGrpSpPr/>
+        <p:nvPr/>
+      </p:nvGrpSpPr>
+      <p:grpSpPr>
+        <a:xfrm>
+          <a:off x="0" y="0"/>
+          <a:ext cx="0" cy="0"/>
+          <a:chOff x="0" y="0"/>
+          <a:chExt cx="0" cy="0"/>
+        </a:xfrm>
+      </p:grpSpPr>
+      <p:sp>
+        <p:nvSpPr>
+          <p:cNvPr id="2" name="Прямоугольник 1"/>
+          <p:cNvSpPr/>
+          <p:nvPr/>
+        </p:nvSpPr>
+        <p:spPr>
+          <a:xfrm>
+            <a:off x="0" y="0"/>
+            <a:ext cx="12192000" cy="646331"/>
+          </a:xfrm>
+          <a:prstGeom prst="rect">
+            <a:avLst/>
+          </a:prstGeom>
+        </p:spPr>
+        <p:txBody>
+          <a:bodyPr wrap="square">
+            <a:spAutoFit/>
+          </a:bodyPr>
+          <a:lstStyle/>
+          <a:p>
+            <a:pPr algn="ctr"/>
+            <a:r>
+              <a:rPr lang="ru-RU" sz="3600" b="1" dirty="0" smtClean="0">
+                <a:latin typeface="Times New Roman" panose="02020603050405020304" pitchFamily="18" charset="0"/>
+                <a:cs typeface="Times New Roman" panose="02020603050405020304" pitchFamily="18" charset="0"/>
+              </a:rPr>
+              <a:t>Исходные данные</a:t>
+            </a:r>
+            <a:endParaRPr lang="ru-RU" sz="3600" b="1" dirty="0">
+              <a:latin typeface="Times New Roman" panose="02020603050405020304" pitchFamily="18" charset="0"/>
+              <a:cs typeface="Times New Roman" panose="02020603050405020304" pitchFamily="18" charset="0"/>
+            </a:endParaRPr>
+          </a:p>
+        </p:txBody>
+      </p:sp>
+      <p:sp>
+        <p:nvSpPr>
+          <p:cNvPr id="4" name="TextBox 3"/>
+          <p:cNvSpPr txBox="1"/>
+          <p:nvPr/>
+        </p:nvSpPr>
+        <p:spPr>
+          <a:xfrm>
+            <a:off x="0" y="6488668"/>
+            <a:ext cx="638355" cy="369332"/>
+          </a:xfrm>
+          <a:prstGeom prst="rect">
+            <a:avLst/>
+          </a:prstGeom>
+          <a:noFill/>
+        </p:spPr>
+        <p:txBody>
+          <a:bodyPr wrap="square" rtlCol="0">
+            <a:spAutoFit/>
+          </a:bodyPr>
+          <a:lstStyle/>
+          <a:p>
+            <a:r>
+              <a:rPr lang="ru-RU" dirty="0">
+                <a:latin typeface="Times New Roman" panose="02020603050405020304" pitchFamily="18" charset="0"/>
+                <a:cs typeface="Times New Roman" panose="02020603050405020304" pitchFamily="18" charset="0"/>
+              </a:rPr>
+              <a:t>9</a:t>
+            </a:r>
+            <a:r>
+              <a:rPr lang="en-US" dirty="0" smtClean="0">
+                <a:latin typeface="Times New Roman" panose="02020603050405020304" pitchFamily="18" charset="0"/>
+                <a:cs typeface="Times New Roman" panose="02020603050405020304" pitchFamily="18" charset="0"/>
+              </a:rPr>
+              <a:t>/</a:t>
+            </a:r>
+            <a:r>
+              <a:rPr lang="ru-RU" dirty="0" smtClean="0">
+                <a:latin typeface="Times New Roman" panose="02020603050405020304" pitchFamily="18" charset="0"/>
+                <a:cs typeface="Times New Roman" panose="02020603050405020304" pitchFamily="18" charset="0"/>
+              </a:rPr>
+              <a:t>19</a:t>
+            </a:r>
+            <a:endParaRPr lang="ru-RU" dirty="0">
+              <a:latin typeface="Times New Roman" panose="02020603050405020304" pitchFamily="18" charset="0"/>
+              <a:cs typeface="Times New Roman" panose="02020603050405020304" pitchFamily="18" charset="0"/>
+            </a:endParaRPr>
+          </a:p>
+        </p:txBody>
+      </p:sp>
+      <p:pic>
+        <p:nvPicPr>
+          <p:cNvPr id="3" name="Рисунок 2"/>
+          <p:cNvPicPr>
+            <a:picLocks noChangeAspect="1"/>
+          </p:cNvPicPr>
+          <p:nvPr/>
+        </p:nvPicPr>
+        <p:blipFill>
+          <a:blip r:embed="rId2"/>
+          <a:stretch>
+            <a:fillRect/>
+          </a:stretch>
+        </p:blipFill>
+        <p:spPr>
+          <a:xfrm>
+            <a:off x="222181" y="646331"/>
+            <a:ext cx="11747637" cy="2627109"/>
+          </a:xfrm>
+          <a:prstGeom prst="rect">
+            <a:avLst/>
+          </a:prstGeom>
+        </p:spPr>
+      </p:pic>
+      <p:pic>
+        <p:nvPicPr>
+          <p:cNvPr id="7" name="Рисунок 6"/>
+          <p:cNvPicPr>
+            <a:picLocks noChangeAspect="1"/>
+          </p:cNvPicPr>
+          <p:nvPr/>
+        </p:nvPicPr>
+        <p:blipFill>
+          <a:blip r:embed="rId3" cstate="print">
+            <a:extLst>
+              <a:ext uri="{28A0092B-C50C-407E-A947-70E740481C1C}">
+                <a14:useLocalDpi xmlns:a14="http://schemas.microsoft.com/office/drawing/2010/main" val="0"/>
+              </a:ext>
+            </a:extLst>
+          </a:blip>
+          <a:stretch>
+            <a:fillRect/>
+          </a:stretch>
+        </p:blipFill>
+        <p:spPr>
+          <a:xfrm>
+            <a:off x="6095998" y="3703662"/>
+            <a:ext cx="5873819" cy="896112"/>
+          </a:xfrm>
+          <a:prstGeom prst="rect">
+            <a:avLst/>
+          </a:prstGeom>
+        </p:spPr>
+      </p:pic>
+      <p:pic>
+        <p:nvPicPr>
+          <p:cNvPr id="8" name="Рисунок 7"/>
+          <p:cNvPicPr>
+            <a:picLocks noChangeAspect="1"/>
+          </p:cNvPicPr>
+          <p:nvPr/>
+        </p:nvPicPr>
+        <p:blipFill>
+          <a:blip r:embed="rId4" cstate="print">
+            <a:extLst>
+              <a:ext uri="{28A0092B-C50C-407E-A947-70E740481C1C}">
+                <a14:useLocalDpi xmlns:a14="http://schemas.microsoft.com/office/drawing/2010/main" val="0"/>
+              </a:ext>
+            </a:extLst>
+          </a:blip>
+          <a:stretch>
+            <a:fillRect/>
+          </a:stretch>
+        </p:blipFill>
+        <p:spPr>
+          <a:xfrm>
+            <a:off x="6095999" y="5045797"/>
+            <a:ext cx="5873819" cy="1005840"/>
+          </a:xfrm>
+          <a:prstGeom prst="rect">
+            <a:avLst/>
+          </a:prstGeom>
+        </p:spPr>
+      </p:pic>
+      <p:pic>
+        <p:nvPicPr>
+          <p:cNvPr id="9" name="Рисунок 8"/>
+          <p:cNvPicPr>
+            <a:picLocks noChangeAspect="1"/>
+          </p:cNvPicPr>
+          <p:nvPr/>
+        </p:nvPicPr>
+        <p:blipFill>
+          <a:blip r:embed="rId5" cstate="print">
+            <a:extLst>
+              <a:ext uri="{28A0092B-C50C-407E-A947-70E740481C1C}">
+                <a14:useLocalDpi xmlns:a14="http://schemas.microsoft.com/office/drawing/2010/main" val="0"/>
+              </a:ext>
+            </a:extLst>
+          </a:blip>
+          <a:stretch>
+            <a:fillRect/>
+          </a:stretch>
+        </p:blipFill>
+        <p:spPr>
+          <a:xfrm>
+            <a:off x="222181" y="3703662"/>
+            <a:ext cx="5835719" cy="933715"/>
+          </a:xfrm>
+          <a:prstGeom prst="rect">
+            <a:avLst/>
+          </a:prstGeom>
+        </p:spPr>
+      </p:pic>
+      <p:pic>
+        <p:nvPicPr>
+          <p:cNvPr id="10" name="Рисунок 9"/>
+          <p:cNvPicPr>
+            <a:picLocks noChangeAspect="1"/>
+          </p:cNvPicPr>
+          <p:nvPr/>
+        </p:nvPicPr>
+        <p:blipFill>
+          <a:blip r:embed="rId6" cstate="print">
+            <a:extLst>
+              <a:ext uri="{28A0092B-C50C-407E-A947-70E740481C1C}">
+                <a14:useLocalDpi xmlns:a14="http://schemas.microsoft.com/office/drawing/2010/main" val="0"/>
+              </a:ext>
+            </a:extLst>
+          </a:blip>
+          <a:stretch>
+            <a:fillRect/>
+          </a:stretch>
+        </p:blipFill>
+        <p:spPr>
+          <a:xfrm>
+            <a:off x="222181" y="5045797"/>
+            <a:ext cx="5835719" cy="1005840"/>
+          </a:xfrm>
+          <a:prstGeom prst="rect">
+            <a:avLst/>
+          </a:prstGeom>
+        </p:spPr>
+      </p:pic>
+    </p:spTree>
+    <p:extLst>
+      <p:ext uri="{BB962C8B-B14F-4D97-AF65-F5344CB8AC3E}">
+        <p14:creationId xmlns:p14="http://schemas.microsoft.com/office/powerpoint/2010/main" val="3409886653"/>
+      </p:ext>
+    </p:extLst>
+  </p:cSld>
+  <p:clrMapOvr>
+    <a:masterClrMapping/>
+  </p:clrMapOvr>
+  <p:timing>
+    <p:tnLst>
+      <p:par>
+        <p:cTn id="1" dur="indefinite" restart="never" nodeType="tmRoot"/>
+      </p:par>
+    </p:tnLst>
+  </p:timing>
 </p:sld>
 </file>
 
@@ -5090,7 +10003,7 @@
   <a:extraClrSchemeLst/>
   <a:extLst>
     <a:ext uri="{05A4C25C-085E-4340-85A3-A5531E510DB2}">
-      <thm15:themeFamily xmlns:thm15="http://schemas.microsoft.com/office/thememl/2012/main" name="Office Theme" id="{62F939B6-93AF-4DB8-9C6B-D6C7DFDC589F}" vid="{AE6F2518-B084-4896-AF52-66CC2144AA26}"/>
+      <thm15:themeFamily xmlns:thm15="http://schemas.microsoft.com/office/thememl/2012/main" xmlns="" name="Office Theme" id="{62F939B6-93AF-4DB8-9C6B-D6C7DFDC589F}" vid="{AE6F2518-B084-4896-AF52-66CC2144AA26}"/>
     </a:ext>
   </a:extLst>
 </a:theme>
